--- a/slides/02- Regression models and linear prediction/ML4NuerScience_Linear_models.pptx
+++ b/slides/02- Regression models and linear prediction/ML4NuerScience_Linear_models.pptx
@@ -50,11 +50,11 @@
     <p:sldId id="1176" r:id="rId38"/>
     <p:sldId id="1177" r:id="rId39"/>
     <p:sldId id="1178" r:id="rId40"/>
-    <p:sldId id="1183" r:id="rId41"/>
-    <p:sldId id="1199" r:id="rId42"/>
-    <p:sldId id="1184" r:id="rId43"/>
-    <p:sldId id="1185" r:id="rId44"/>
-    <p:sldId id="1186" r:id="rId45"/>
+    <p:sldId id="1199" r:id="rId41"/>
+    <p:sldId id="1184" r:id="rId42"/>
+    <p:sldId id="1185" r:id="rId43"/>
+    <p:sldId id="1186" r:id="rId44"/>
+    <p:sldId id="1183" r:id="rId45"/>
     <p:sldId id="1187" r:id="rId46"/>
     <p:sldId id="1188" r:id="rId47"/>
     <p:sldId id="1189" r:id="rId48"/>
@@ -75,7 +75,7 @@
     <p:sldId id="1197" r:id="rId63"/>
     <p:sldId id="1209" r:id="rId64"/>
   </p:sldIdLst>
-  <p:sldSz cx="9144000" cy="5715000" type="screen16x10"/>
+  <p:sldSz cx="12192000" cy="6858000"/>
   <p:notesSz cx="7099300" cy="10234613"/>
   <p:custShowLst>
     <p:custShow name="Custom Show 1" id="0">
@@ -102,7 +102,7 @@
         <a:cs typeface="+mn-cs"/>
       </a:defRPr>
     </a:lvl1pPr>
-    <a:lvl2pPr marL="457163" algn="l" rtl="0" eaLnBrk="0" fontAlgn="base" hangingPunct="0">
+    <a:lvl2pPr marL="586083" algn="l" rtl="0" eaLnBrk="0" fontAlgn="base" hangingPunct="0">
       <a:spcBef>
         <a:spcPct val="0"/>
       </a:spcBef>
@@ -118,7 +118,7 @@
         <a:cs typeface="+mn-cs"/>
       </a:defRPr>
     </a:lvl2pPr>
-    <a:lvl3pPr marL="914328" algn="l" rtl="0" eaLnBrk="0" fontAlgn="base" hangingPunct="0">
+    <a:lvl3pPr marL="1172168" algn="l" rtl="0" eaLnBrk="0" fontAlgn="base" hangingPunct="0">
       <a:spcBef>
         <a:spcPct val="0"/>
       </a:spcBef>
@@ -134,7 +134,7 @@
         <a:cs typeface="+mn-cs"/>
       </a:defRPr>
     </a:lvl3pPr>
-    <a:lvl4pPr marL="1371490" algn="l" rtl="0" eaLnBrk="0" fontAlgn="base" hangingPunct="0">
+    <a:lvl4pPr marL="1758250" algn="l" rtl="0" eaLnBrk="0" fontAlgn="base" hangingPunct="0">
       <a:spcBef>
         <a:spcPct val="0"/>
       </a:spcBef>
@@ -150,7 +150,7 @@
         <a:cs typeface="+mn-cs"/>
       </a:defRPr>
     </a:lvl4pPr>
-    <a:lvl5pPr marL="1828654" algn="l" rtl="0" eaLnBrk="0" fontAlgn="base" hangingPunct="0">
+    <a:lvl5pPr marL="2344334" algn="l" rtl="0" eaLnBrk="0" fontAlgn="base" hangingPunct="0">
       <a:spcBef>
         <a:spcPct val="0"/>
       </a:spcBef>
@@ -166,7 +166,7 @@
         <a:cs typeface="+mn-cs"/>
       </a:defRPr>
     </a:lvl5pPr>
-    <a:lvl6pPr marL="2285817" algn="l" defTabSz="914328" rtl="0" eaLnBrk="1" latinLnBrk="0" hangingPunct="1">
+    <a:lvl6pPr marL="2930417" algn="l" defTabSz="1172168" rtl="0" eaLnBrk="1" latinLnBrk="0" hangingPunct="1">
       <a:defRPr kern="1200">
         <a:solidFill>
           <a:schemeClr val="tx1"/>
@@ -176,7 +176,7 @@
         <a:cs typeface="+mn-cs"/>
       </a:defRPr>
     </a:lvl6pPr>
-    <a:lvl7pPr marL="2742980" algn="l" defTabSz="914328" rtl="0" eaLnBrk="1" latinLnBrk="0" hangingPunct="1">
+    <a:lvl7pPr marL="3516500" algn="l" defTabSz="1172168" rtl="0" eaLnBrk="1" latinLnBrk="0" hangingPunct="1">
       <a:defRPr kern="1200">
         <a:solidFill>
           <a:schemeClr val="tx1"/>
@@ -186,7 +186,7 @@
         <a:cs typeface="+mn-cs"/>
       </a:defRPr>
     </a:lvl7pPr>
-    <a:lvl8pPr marL="3200144" algn="l" defTabSz="914328" rtl="0" eaLnBrk="1" latinLnBrk="0" hangingPunct="1">
+    <a:lvl8pPr marL="4102585" algn="l" defTabSz="1172168" rtl="0" eaLnBrk="1" latinLnBrk="0" hangingPunct="1">
       <a:defRPr kern="1200">
         <a:solidFill>
           <a:schemeClr val="tx1"/>
@@ -196,7 +196,7 @@
         <a:cs typeface="+mn-cs"/>
       </a:defRPr>
     </a:lvl8pPr>
-    <a:lvl9pPr marL="3657308" algn="l" defTabSz="914328" rtl="0" eaLnBrk="1" latinLnBrk="0" hangingPunct="1">
+    <a:lvl9pPr marL="4688669" algn="l" defTabSz="1172168" rtl="0" eaLnBrk="1" latinLnBrk="0" hangingPunct="1">
       <a:defRPr kern="1200">
         <a:solidFill>
           <a:schemeClr val="tx1"/>
@@ -210,12 +210,12 @@
   <p:extLst>
     <p:ext uri="{EFAFB233-063F-42B5-8137-9DF3F51BA10A}">
       <p15:sldGuideLst xmlns:p15="http://schemas.microsoft.com/office/powerpoint/2012/main">
-        <p15:guide id="1" orient="horz" pos="1800" userDrawn="1">
+        <p15:guide id="1" orient="horz" pos="2160" userDrawn="1">
           <p15:clr>
             <a:srgbClr val="A4A3A4"/>
           </p15:clr>
         </p15:guide>
-        <p15:guide id="2" pos="2880" userDrawn="1">
+        <p15:guide id="2" pos="3840" userDrawn="1">
           <p15:clr>
             <a:srgbClr val="A4A3A4"/>
           </p15:clr>
@@ -361,7 +361,7 @@
               <a:pPr>
                 <a:defRPr/>
               </a:pPr>
-              <a:t>29/12/2023</a:t>
+              <a:t>28/12/2024</a:t>
             </a:fld>
             <a:endParaRPr lang="en-GB" altLang="en-US"/>
           </a:p>
@@ -595,7 +595,7 @@
               <a:pPr>
                 <a:defRPr/>
               </a:pPr>
-              <a:t>29/12/2023</a:t>
+              <a:t>28/12/2024</a:t>
             </a:fld>
             <a:endParaRPr lang="en-GB" altLang="en-US"/>
           </a:p>
@@ -619,8 +619,8 @@
         </p:nvSpPr>
         <p:spPr>
           <a:xfrm>
-            <a:off x="479425" y="768350"/>
-            <a:ext cx="6140450" cy="3838575"/>
+            <a:off x="138113" y="768350"/>
+            <a:ext cx="6823075" cy="3838575"/>
           </a:xfrm>
           <a:prstGeom prst="rect">
             <a:avLst/>
@@ -819,7 +819,7 @@
       <a:spcAft>
         <a:spcPct val="0"/>
       </a:spcAft>
-      <a:defRPr sz="1200" kern="1200">
+      <a:defRPr sz="1538" kern="1200">
         <a:solidFill>
           <a:schemeClr val="tx1"/>
         </a:solidFill>
@@ -828,14 +828,14 @@
         <a:cs typeface="+mn-cs"/>
       </a:defRPr>
     </a:lvl1pPr>
-    <a:lvl2pPr marL="457163" algn="l" rtl="0" eaLnBrk="0" fontAlgn="base" hangingPunct="0">
+    <a:lvl2pPr marL="586083" algn="l" rtl="0" eaLnBrk="0" fontAlgn="base" hangingPunct="0">
       <a:spcBef>
         <a:spcPct val="30000"/>
       </a:spcBef>
       <a:spcAft>
         <a:spcPct val="0"/>
       </a:spcAft>
-      <a:defRPr sz="1200" kern="1200">
+      <a:defRPr sz="1538" kern="1200">
         <a:solidFill>
           <a:schemeClr val="tx1"/>
         </a:solidFill>
@@ -844,14 +844,14 @@
         <a:cs typeface="+mn-cs"/>
       </a:defRPr>
     </a:lvl2pPr>
-    <a:lvl3pPr marL="914328" algn="l" rtl="0" eaLnBrk="0" fontAlgn="base" hangingPunct="0">
+    <a:lvl3pPr marL="1172168" algn="l" rtl="0" eaLnBrk="0" fontAlgn="base" hangingPunct="0">
       <a:spcBef>
         <a:spcPct val="30000"/>
       </a:spcBef>
       <a:spcAft>
         <a:spcPct val="0"/>
       </a:spcAft>
-      <a:defRPr sz="1200" kern="1200">
+      <a:defRPr sz="1538" kern="1200">
         <a:solidFill>
           <a:schemeClr val="tx1"/>
         </a:solidFill>
@@ -860,14 +860,14 @@
         <a:cs typeface="+mn-cs"/>
       </a:defRPr>
     </a:lvl3pPr>
-    <a:lvl4pPr marL="1371490" algn="l" rtl="0" eaLnBrk="0" fontAlgn="base" hangingPunct="0">
+    <a:lvl4pPr marL="1758250" algn="l" rtl="0" eaLnBrk="0" fontAlgn="base" hangingPunct="0">
       <a:spcBef>
         <a:spcPct val="30000"/>
       </a:spcBef>
       <a:spcAft>
         <a:spcPct val="0"/>
       </a:spcAft>
-      <a:defRPr sz="1200" kern="1200">
+      <a:defRPr sz="1538" kern="1200">
         <a:solidFill>
           <a:schemeClr val="tx1"/>
         </a:solidFill>
@@ -876,14 +876,14 @@
         <a:cs typeface="+mn-cs"/>
       </a:defRPr>
     </a:lvl4pPr>
-    <a:lvl5pPr marL="1828654" algn="l" rtl="0" eaLnBrk="0" fontAlgn="base" hangingPunct="0">
+    <a:lvl5pPr marL="2344334" algn="l" rtl="0" eaLnBrk="0" fontAlgn="base" hangingPunct="0">
       <a:spcBef>
         <a:spcPct val="30000"/>
       </a:spcBef>
       <a:spcAft>
         <a:spcPct val="0"/>
       </a:spcAft>
-      <a:defRPr sz="1200" kern="1200">
+      <a:defRPr sz="1538" kern="1200">
         <a:solidFill>
           <a:schemeClr val="tx1"/>
         </a:solidFill>
@@ -892,8 +892,8 @@
         <a:cs typeface="+mn-cs"/>
       </a:defRPr>
     </a:lvl5pPr>
-    <a:lvl6pPr marL="2285817" algn="l" defTabSz="914328" rtl="0" eaLnBrk="1" latinLnBrk="0" hangingPunct="1">
-      <a:defRPr sz="1200" kern="1200">
+    <a:lvl6pPr marL="2930417" algn="l" defTabSz="1172168" rtl="0" eaLnBrk="1" latinLnBrk="0" hangingPunct="1">
+      <a:defRPr sz="1538" kern="1200">
         <a:solidFill>
           <a:schemeClr val="tx1"/>
         </a:solidFill>
@@ -902,8 +902,8 @@
         <a:cs typeface="+mn-cs"/>
       </a:defRPr>
     </a:lvl6pPr>
-    <a:lvl7pPr marL="2742980" algn="l" defTabSz="914328" rtl="0" eaLnBrk="1" latinLnBrk="0" hangingPunct="1">
-      <a:defRPr sz="1200" kern="1200">
+    <a:lvl7pPr marL="3516500" algn="l" defTabSz="1172168" rtl="0" eaLnBrk="1" latinLnBrk="0" hangingPunct="1">
+      <a:defRPr sz="1538" kern="1200">
         <a:solidFill>
           <a:schemeClr val="tx1"/>
         </a:solidFill>
@@ -912,8 +912,8 @@
         <a:cs typeface="+mn-cs"/>
       </a:defRPr>
     </a:lvl7pPr>
-    <a:lvl8pPr marL="3200144" algn="l" defTabSz="914328" rtl="0" eaLnBrk="1" latinLnBrk="0" hangingPunct="1">
-      <a:defRPr sz="1200" kern="1200">
+    <a:lvl8pPr marL="4102585" algn="l" defTabSz="1172168" rtl="0" eaLnBrk="1" latinLnBrk="0" hangingPunct="1">
+      <a:defRPr sz="1538" kern="1200">
         <a:solidFill>
           <a:schemeClr val="tx1"/>
         </a:solidFill>
@@ -922,8 +922,8 @@
         <a:cs typeface="+mn-cs"/>
       </a:defRPr>
     </a:lvl8pPr>
-    <a:lvl9pPr marL="3657308" algn="l" defTabSz="914328" rtl="0" eaLnBrk="1" latinLnBrk="0" hangingPunct="1">
-      <a:defRPr sz="1200" kern="1200">
+    <a:lvl9pPr marL="4688669" algn="l" defTabSz="1172168" rtl="0" eaLnBrk="1" latinLnBrk="0" hangingPunct="1">
+      <a:defRPr sz="1538" kern="1200">
         <a:solidFill>
           <a:schemeClr val="tx1"/>
         </a:solidFill>
@@ -971,8 +971,8 @@
         </p:nvSpPr>
         <p:spPr bwMode="auto">
           <a:xfrm>
-            <a:off x="479425" y="768350"/>
-            <a:ext cx="6140450" cy="3838575"/>
+            <a:off x="138113" y="768350"/>
+            <a:ext cx="6823075" cy="3838575"/>
           </a:xfrm>
           <a:noFill/>
           <a:ln>
@@ -1254,8 +1254,8 @@
         </p:nvSpPr>
         <p:spPr>
           <a:xfrm>
-            <a:off x="479425" y="768350"/>
-            <a:ext cx="6140450" cy="3838575"/>
+            <a:off x="138113" y="768350"/>
+            <a:ext cx="6823075" cy="3838575"/>
           </a:xfrm>
         </p:spPr>
       </p:sp>
@@ -1273,33 +1273,6 @@
         <p:txBody>
           <a:bodyPr/>
           <a:lstStyle/>
-          <a:p>
-            <a:r>
-              <a:rPr lang="en-GB" dirty="0">
-                <a:effectLst/>
-                <a:latin typeface="Helvetica" pitchFamily="2" charset="0"/>
-              </a:rPr>
-              <a:t>The L2 loss is suitable for a target, or a response variable that is continuous. On the other</a:t>
-            </a:r>
-          </a:p>
-          <a:p>
-            <a:r>
-              <a:rPr lang="en-GB" dirty="0">
-                <a:effectLst/>
-                <a:latin typeface="Helvetica" pitchFamily="2" charset="0"/>
-              </a:rPr>
-              <a:t>hand, in a binary classification problem using LR we would like the output to match either</a:t>
-            </a:r>
-          </a:p>
-          <a:p>
-            <a:r>
-              <a:rPr lang="en-GB" dirty="0">
-                <a:effectLst/>
-                <a:latin typeface="Helvetica" pitchFamily="2" charset="0"/>
-              </a:rPr>
-              <a:t>zero or one and a natural candidate for a loss function is the binary cross-entropy loss.</a:t>
-            </a:r>
-          </a:p>
           <a:p>
             <a:endParaRPr lang="en-US" dirty="0"/>
           </a:p>
@@ -1371,8 +1344,8 @@
         </p:nvSpPr>
         <p:spPr>
           <a:xfrm>
-            <a:off x="479425" y="768350"/>
-            <a:ext cx="6140450" cy="3838575"/>
+            <a:off x="138113" y="768350"/>
+            <a:ext cx="6823075" cy="3838575"/>
           </a:xfrm>
         </p:spPr>
       </p:sp>
@@ -1390,24 +1363,6 @@
         <p:txBody>
           <a:bodyPr/>
           <a:lstStyle/>
-          <a:p>
-            <a:r>
-              <a:rPr lang="en-GB" dirty="0">
-                <a:effectLst/>
-                <a:latin typeface="Helvetica" pitchFamily="2" charset="0"/>
-              </a:rPr>
-              <a:t>The first approach is a leave-one-out CV (LOOCV) and the second is a K-fold cross-validation</a:t>
-            </a:r>
-          </a:p>
-          <a:p>
-            <a:r>
-              <a:rPr lang="en-GB" dirty="0">
-                <a:effectLst/>
-                <a:latin typeface="Helvetica" pitchFamily="2" charset="0"/>
-              </a:rPr>
-              <a:t>approach.</a:t>
-            </a:r>
-          </a:p>
           <a:p>
             <a:endParaRPr lang="en-US" dirty="0"/>
           </a:p>
@@ -1479,8 +1434,8 @@
         </p:nvSpPr>
         <p:spPr>
           <a:xfrm>
-            <a:off x="685800" y="1775357"/>
-            <a:ext cx="7772400" cy="1225021"/>
+            <a:off x="914400" y="2130429"/>
+            <a:ext cx="10363200" cy="1470025"/>
           </a:xfrm>
         </p:spPr>
         <p:txBody>
@@ -1507,8 +1462,8 @@
         </p:nvSpPr>
         <p:spPr>
           <a:xfrm>
-            <a:off x="1371600" y="3238500"/>
-            <a:ext cx="6400800" cy="1460500"/>
+            <a:off x="1828800" y="3886200"/>
+            <a:ext cx="8534400" cy="1752600"/>
           </a:xfrm>
         </p:spPr>
         <p:txBody>
@@ -1518,35 +1473,35 @@
               <a:buNone/>
               <a:defRPr/>
             </a:lvl1pPr>
-            <a:lvl2pPr marL="380976" indent="0" algn="ctr">
+            <a:lvl2pPr marL="457171" indent="0" algn="ctr">
               <a:buNone/>
               <a:defRPr/>
             </a:lvl2pPr>
-            <a:lvl3pPr marL="761952" indent="0" algn="ctr">
+            <a:lvl3pPr marL="914342" indent="0" algn="ctr">
               <a:buNone/>
               <a:defRPr/>
             </a:lvl3pPr>
-            <a:lvl4pPr marL="1142926" indent="0" algn="ctr">
+            <a:lvl4pPr marL="1371511" indent="0" algn="ctr">
               <a:buNone/>
               <a:defRPr/>
             </a:lvl4pPr>
-            <a:lvl5pPr marL="1523901" indent="0" algn="ctr">
+            <a:lvl5pPr marL="1828681" indent="0" algn="ctr">
               <a:buNone/>
               <a:defRPr/>
             </a:lvl5pPr>
-            <a:lvl6pPr marL="1904876" indent="0" algn="ctr">
+            <a:lvl6pPr marL="2285851" indent="0" algn="ctr">
               <a:buNone/>
               <a:defRPr/>
             </a:lvl6pPr>
-            <a:lvl7pPr marL="2285852" indent="0" algn="ctr">
+            <a:lvl7pPr marL="2743022" indent="0" algn="ctr">
               <a:buNone/>
               <a:defRPr/>
             </a:lvl7pPr>
-            <a:lvl8pPr marL="2666827" indent="0" algn="ctr">
+            <a:lvl8pPr marL="3200192" indent="0" algn="ctr">
               <a:buNone/>
               <a:defRPr/>
             </a:lvl8pPr>
-            <a:lvl9pPr marL="3047802" indent="0" algn="ctr">
+            <a:lvl9pPr marL="3657362" indent="0" algn="ctr">
               <a:buNone/>
               <a:defRPr/>
             </a:lvl9pPr>
@@ -1595,7 +1550,7 @@
               <a:pPr>
                 <a:defRPr/>
               </a:pPr>
-              <a:t>29/12/2023</a:t>
+              <a:t>28/12/2024</a:t>
             </a:fld>
             <a:endParaRPr lang="en-GB" altLang="en-US"/>
           </a:p>
@@ -1746,7 +1701,7 @@
           <a:lstStyle>
             <a:lvl1pPr>
               <a:spcAft>
-                <a:spcPts val="600"/>
+                <a:spcPts val="720"/>
               </a:spcAft>
               <a:defRPr>
                 <a:latin typeface="Gill Sans MT" panose="020B0502020104020203" pitchFamily="34" charset="77"/>
@@ -1754,7 +1709,7 @@
             </a:lvl1pPr>
             <a:lvl2pPr>
               <a:spcAft>
-                <a:spcPts val="600"/>
+                <a:spcPts val="720"/>
               </a:spcAft>
               <a:defRPr>
                 <a:latin typeface="Gill Sans MT" panose="020B0502020104020203" pitchFamily="34" charset="77"/>
@@ -1762,7 +1717,7 @@
             </a:lvl2pPr>
             <a:lvl3pPr>
               <a:spcAft>
-                <a:spcPts val="600"/>
+                <a:spcPts val="720"/>
               </a:spcAft>
               <a:defRPr>
                 <a:latin typeface="Gill Sans MT" panose="020B0502020104020203" pitchFamily="34" charset="77"/>
@@ -1770,7 +1725,7 @@
             </a:lvl3pPr>
             <a:lvl4pPr>
               <a:spcAft>
-                <a:spcPts val="600"/>
+                <a:spcPts val="720"/>
               </a:spcAft>
               <a:defRPr>
                 <a:latin typeface="Gill Sans MT" panose="020B0502020104020203" pitchFamily="34" charset="77"/>
@@ -1778,7 +1733,7 @@
             </a:lvl4pPr>
             <a:lvl5pPr>
               <a:spcAft>
-                <a:spcPts val="600"/>
+                <a:spcPts val="720"/>
               </a:spcAft>
               <a:defRPr>
                 <a:latin typeface="Gill Sans MT" panose="020B0502020104020203" pitchFamily="34" charset="77"/>
@@ -1858,7 +1813,7 @@
               <a:pPr>
                 <a:defRPr/>
               </a:pPr>
-              <a:t>29/12/2023</a:t>
+              <a:t>28/12/2024</a:t>
             </a:fld>
             <a:endParaRPr lang="en-GB" altLang="en-US"/>
           </a:p>
@@ -1976,15 +1931,15 @@
         </p:nvSpPr>
         <p:spPr>
           <a:xfrm>
-            <a:off x="722313" y="3672419"/>
-            <a:ext cx="7772400" cy="1135063"/>
+            <a:off x="963084" y="4406903"/>
+            <a:ext cx="10363200" cy="1362076"/>
           </a:xfrm>
         </p:spPr>
         <p:txBody>
           <a:bodyPr anchor="t"/>
           <a:lstStyle>
             <a:lvl1pPr algn="l">
-              <a:defRPr sz="3333" b="1" cap="all"/>
+              <a:defRPr sz="4000" b="1" cap="all"/>
             </a:lvl1pPr>
           </a:lstStyle>
           <a:p>
@@ -2008,8 +1963,8 @@
         </p:nvSpPr>
         <p:spPr>
           <a:xfrm>
-            <a:off x="722313" y="2422261"/>
-            <a:ext cx="7772400" cy="1250156"/>
+            <a:off x="963084" y="2906713"/>
+            <a:ext cx="10363200" cy="1500187"/>
           </a:xfrm>
         </p:spPr>
         <p:txBody>
@@ -2017,39 +1972,39 @@
           <a:lstStyle>
             <a:lvl1pPr marL="0" indent="0">
               <a:buNone/>
-              <a:defRPr sz="1667"/>
+              <a:defRPr sz="2000"/>
             </a:lvl1pPr>
-            <a:lvl2pPr marL="380976" indent="0">
+            <a:lvl2pPr marL="457171" indent="0">
               <a:buNone/>
-              <a:defRPr sz="1500"/>
+              <a:defRPr sz="1800"/>
             </a:lvl2pPr>
-            <a:lvl3pPr marL="761952" indent="0">
+            <a:lvl3pPr marL="914342" indent="0">
               <a:buNone/>
-              <a:defRPr sz="1333"/>
+              <a:defRPr sz="1600"/>
             </a:lvl3pPr>
-            <a:lvl4pPr marL="1142926" indent="0">
+            <a:lvl4pPr marL="1371511" indent="0">
               <a:buNone/>
-              <a:defRPr sz="1167"/>
+              <a:defRPr sz="1400"/>
             </a:lvl4pPr>
-            <a:lvl5pPr marL="1523901" indent="0">
+            <a:lvl5pPr marL="1828681" indent="0">
               <a:buNone/>
-              <a:defRPr sz="1167"/>
+              <a:defRPr sz="1400"/>
             </a:lvl5pPr>
-            <a:lvl6pPr marL="1904876" indent="0">
+            <a:lvl6pPr marL="2285851" indent="0">
               <a:buNone/>
-              <a:defRPr sz="1167"/>
+              <a:defRPr sz="1400"/>
             </a:lvl6pPr>
-            <a:lvl7pPr marL="2285852" indent="0">
+            <a:lvl7pPr marL="2743022" indent="0">
               <a:buNone/>
-              <a:defRPr sz="1167"/>
+              <a:defRPr sz="1400"/>
             </a:lvl7pPr>
-            <a:lvl8pPr marL="2666827" indent="0">
+            <a:lvl8pPr marL="3200192" indent="0">
               <a:buNone/>
-              <a:defRPr sz="1167"/>
+              <a:defRPr sz="1400"/>
             </a:lvl8pPr>
-            <a:lvl9pPr marL="3047802" indent="0">
+            <a:lvl9pPr marL="3657362" indent="0">
               <a:buNone/>
-              <a:defRPr sz="1167"/>
+              <a:defRPr sz="1400"/>
             </a:lvl9pPr>
           </a:lstStyle>
           <a:p>
@@ -2096,7 +2051,7 @@
               <a:pPr>
                 <a:defRPr/>
               </a:pPr>
-              <a:t>29/12/2023</a:t>
+              <a:t>28/12/2024</a:t>
             </a:fld>
             <a:endParaRPr lang="en-GB" altLang="en-US"/>
           </a:p>
@@ -2237,39 +2192,39 @@
         </p:nvSpPr>
         <p:spPr>
           <a:xfrm>
-            <a:off x="457200" y="1057013"/>
-            <a:ext cx="4038600" cy="4140729"/>
+            <a:off x="609600" y="1268416"/>
+            <a:ext cx="5384800" cy="4968875"/>
           </a:xfrm>
         </p:spPr>
         <p:txBody>
           <a:bodyPr/>
           <a:lstStyle>
             <a:lvl1pPr>
-              <a:defRPr sz="2333"/>
+              <a:defRPr sz="2800"/>
             </a:lvl1pPr>
             <a:lvl2pPr>
-              <a:defRPr sz="2000"/>
+              <a:defRPr sz="2400"/>
             </a:lvl2pPr>
             <a:lvl3pPr>
-              <a:defRPr sz="1667"/>
+              <a:defRPr sz="2000"/>
             </a:lvl3pPr>
             <a:lvl4pPr>
-              <a:defRPr sz="1500"/>
+              <a:defRPr sz="1800"/>
             </a:lvl4pPr>
             <a:lvl5pPr>
-              <a:defRPr sz="1500"/>
+              <a:defRPr sz="1800"/>
             </a:lvl5pPr>
             <a:lvl6pPr>
-              <a:defRPr sz="1500"/>
+              <a:defRPr sz="1800"/>
             </a:lvl6pPr>
             <a:lvl7pPr>
-              <a:defRPr sz="1500"/>
+              <a:defRPr sz="1800"/>
             </a:lvl7pPr>
             <a:lvl8pPr>
-              <a:defRPr sz="1500"/>
+              <a:defRPr sz="1800"/>
             </a:lvl8pPr>
             <a:lvl9pPr>
-              <a:defRPr sz="1500"/>
+              <a:defRPr sz="1800"/>
             </a:lvl9pPr>
           </a:lstStyle>
           <a:p>
@@ -2322,39 +2277,39 @@
         </p:nvSpPr>
         <p:spPr>
           <a:xfrm>
-            <a:off x="4648200" y="1057013"/>
-            <a:ext cx="4038600" cy="4140729"/>
+            <a:off x="6197600" y="1268416"/>
+            <a:ext cx="5384800" cy="4968875"/>
           </a:xfrm>
         </p:spPr>
         <p:txBody>
           <a:bodyPr/>
           <a:lstStyle>
             <a:lvl1pPr>
-              <a:defRPr sz="2333"/>
+              <a:defRPr sz="2800"/>
             </a:lvl1pPr>
             <a:lvl2pPr>
-              <a:defRPr sz="2000"/>
+              <a:defRPr sz="2400"/>
             </a:lvl2pPr>
             <a:lvl3pPr>
-              <a:defRPr sz="1667"/>
+              <a:defRPr sz="2000"/>
             </a:lvl3pPr>
             <a:lvl4pPr>
-              <a:defRPr sz="1500"/>
+              <a:defRPr sz="1800"/>
             </a:lvl4pPr>
             <a:lvl5pPr>
-              <a:defRPr sz="1500"/>
+              <a:defRPr sz="1800"/>
             </a:lvl5pPr>
             <a:lvl6pPr>
-              <a:defRPr sz="1500"/>
+              <a:defRPr sz="1800"/>
             </a:lvl6pPr>
             <a:lvl7pPr>
-              <a:defRPr sz="1500"/>
+              <a:defRPr sz="1800"/>
             </a:lvl7pPr>
             <a:lvl8pPr>
-              <a:defRPr sz="1500"/>
+              <a:defRPr sz="1800"/>
             </a:lvl8pPr>
             <a:lvl9pPr>
-              <a:defRPr sz="1500"/>
+              <a:defRPr sz="1800"/>
             </a:lvl9pPr>
           </a:lstStyle>
           <a:p>
@@ -2430,7 +2385,7 @@
               <a:pPr>
                 <a:defRPr/>
               </a:pPr>
-              <a:t>29/12/2023</a:t>
+              <a:t>28/12/2024</a:t>
             </a:fld>
             <a:endParaRPr lang="en-GB" altLang="en-US"/>
           </a:p>
@@ -2548,8 +2503,8 @@
         </p:nvSpPr>
         <p:spPr>
           <a:xfrm>
-            <a:off x="457200" y="228865"/>
-            <a:ext cx="8229600" cy="952500"/>
+            <a:off x="609600" y="274638"/>
+            <a:ext cx="10972800" cy="1143000"/>
           </a:xfrm>
         </p:spPr>
         <p:txBody>
@@ -2580,8 +2535,8 @@
         </p:nvSpPr>
         <p:spPr>
           <a:xfrm>
-            <a:off x="457200" y="1279263"/>
-            <a:ext cx="4040188" cy="533135"/>
+            <a:off x="609600" y="1535116"/>
+            <a:ext cx="5386917" cy="639762"/>
           </a:xfrm>
         </p:spPr>
         <p:txBody>
@@ -2589,39 +2544,39 @@
           <a:lstStyle>
             <a:lvl1pPr marL="0" indent="0">
               <a:buNone/>
+              <a:defRPr sz="2400" b="1"/>
+            </a:lvl1pPr>
+            <a:lvl2pPr marL="457171" indent="0">
+              <a:buNone/>
               <a:defRPr sz="2000" b="1"/>
-            </a:lvl1pPr>
-            <a:lvl2pPr marL="380976" indent="0">
+            </a:lvl2pPr>
+            <a:lvl3pPr marL="914342" indent="0">
               <a:buNone/>
-              <a:defRPr sz="1667" b="1"/>
-            </a:lvl2pPr>
-            <a:lvl3pPr marL="761952" indent="0">
+              <a:defRPr sz="1800" b="1"/>
+            </a:lvl3pPr>
+            <a:lvl4pPr marL="1371511" indent="0">
               <a:buNone/>
-              <a:defRPr sz="1500" b="1"/>
-            </a:lvl3pPr>
-            <a:lvl4pPr marL="1142926" indent="0">
+              <a:defRPr sz="1600" b="1"/>
+            </a:lvl4pPr>
+            <a:lvl5pPr marL="1828681" indent="0">
               <a:buNone/>
-              <a:defRPr sz="1333" b="1"/>
-            </a:lvl4pPr>
-            <a:lvl5pPr marL="1523901" indent="0">
+              <a:defRPr sz="1600" b="1"/>
+            </a:lvl5pPr>
+            <a:lvl6pPr marL="2285851" indent="0">
               <a:buNone/>
-              <a:defRPr sz="1333" b="1"/>
-            </a:lvl5pPr>
-            <a:lvl6pPr marL="1904876" indent="0">
+              <a:defRPr sz="1600" b="1"/>
+            </a:lvl6pPr>
+            <a:lvl7pPr marL="2743022" indent="0">
               <a:buNone/>
-              <a:defRPr sz="1333" b="1"/>
-            </a:lvl6pPr>
-            <a:lvl7pPr marL="2285852" indent="0">
+              <a:defRPr sz="1600" b="1"/>
+            </a:lvl7pPr>
+            <a:lvl8pPr marL="3200192" indent="0">
               <a:buNone/>
-              <a:defRPr sz="1333" b="1"/>
-            </a:lvl7pPr>
-            <a:lvl8pPr marL="2666827" indent="0">
+              <a:defRPr sz="1600" b="1"/>
+            </a:lvl8pPr>
+            <a:lvl9pPr marL="3657362" indent="0">
               <a:buNone/>
-              <a:defRPr sz="1333" b="1"/>
-            </a:lvl8pPr>
-            <a:lvl9pPr marL="3047802" indent="0">
-              <a:buNone/>
-              <a:defRPr sz="1333" b="1"/>
+              <a:defRPr sz="1600" b="1"/>
             </a:lvl9pPr>
           </a:lstStyle>
           <a:p>
@@ -2645,39 +2600,39 @@
         </p:nvSpPr>
         <p:spPr>
           <a:xfrm>
-            <a:off x="457200" y="1812396"/>
-            <a:ext cx="4040188" cy="3292740"/>
+            <a:off x="609600" y="2174875"/>
+            <a:ext cx="5386917" cy="3951288"/>
           </a:xfrm>
         </p:spPr>
         <p:txBody>
           <a:bodyPr/>
           <a:lstStyle>
             <a:lvl1pPr>
-              <a:defRPr sz="2000"/>
+              <a:defRPr sz="2400"/>
             </a:lvl1pPr>
             <a:lvl2pPr>
-              <a:defRPr sz="1667"/>
+              <a:defRPr sz="2000"/>
             </a:lvl2pPr>
             <a:lvl3pPr>
-              <a:defRPr sz="1500"/>
+              <a:defRPr sz="1800"/>
             </a:lvl3pPr>
             <a:lvl4pPr>
-              <a:defRPr sz="1333"/>
+              <a:defRPr sz="1600"/>
             </a:lvl4pPr>
             <a:lvl5pPr>
-              <a:defRPr sz="1333"/>
+              <a:defRPr sz="1600"/>
             </a:lvl5pPr>
             <a:lvl6pPr>
-              <a:defRPr sz="1333"/>
+              <a:defRPr sz="1600"/>
             </a:lvl6pPr>
             <a:lvl7pPr>
-              <a:defRPr sz="1333"/>
+              <a:defRPr sz="1600"/>
             </a:lvl7pPr>
             <a:lvl8pPr>
-              <a:defRPr sz="1333"/>
+              <a:defRPr sz="1600"/>
             </a:lvl8pPr>
             <a:lvl9pPr>
-              <a:defRPr sz="1333"/>
+              <a:defRPr sz="1600"/>
             </a:lvl9pPr>
           </a:lstStyle>
           <a:p>
@@ -2730,8 +2685,8 @@
         </p:nvSpPr>
         <p:spPr>
           <a:xfrm>
-            <a:off x="4645028" y="1279263"/>
-            <a:ext cx="4041775" cy="533135"/>
+            <a:off x="6193372" y="1535116"/>
+            <a:ext cx="5389033" cy="639762"/>
           </a:xfrm>
         </p:spPr>
         <p:txBody>
@@ -2739,39 +2694,39 @@
           <a:lstStyle>
             <a:lvl1pPr marL="0" indent="0">
               <a:buNone/>
+              <a:defRPr sz="2400" b="1"/>
+            </a:lvl1pPr>
+            <a:lvl2pPr marL="457171" indent="0">
+              <a:buNone/>
               <a:defRPr sz="2000" b="1"/>
-            </a:lvl1pPr>
-            <a:lvl2pPr marL="380976" indent="0">
+            </a:lvl2pPr>
+            <a:lvl3pPr marL="914342" indent="0">
               <a:buNone/>
-              <a:defRPr sz="1667" b="1"/>
-            </a:lvl2pPr>
-            <a:lvl3pPr marL="761952" indent="0">
+              <a:defRPr sz="1800" b="1"/>
+            </a:lvl3pPr>
+            <a:lvl4pPr marL="1371511" indent="0">
               <a:buNone/>
-              <a:defRPr sz="1500" b="1"/>
-            </a:lvl3pPr>
-            <a:lvl4pPr marL="1142926" indent="0">
+              <a:defRPr sz="1600" b="1"/>
+            </a:lvl4pPr>
+            <a:lvl5pPr marL="1828681" indent="0">
               <a:buNone/>
-              <a:defRPr sz="1333" b="1"/>
-            </a:lvl4pPr>
-            <a:lvl5pPr marL="1523901" indent="0">
+              <a:defRPr sz="1600" b="1"/>
+            </a:lvl5pPr>
+            <a:lvl6pPr marL="2285851" indent="0">
               <a:buNone/>
-              <a:defRPr sz="1333" b="1"/>
-            </a:lvl5pPr>
-            <a:lvl6pPr marL="1904876" indent="0">
+              <a:defRPr sz="1600" b="1"/>
+            </a:lvl6pPr>
+            <a:lvl7pPr marL="2743022" indent="0">
               <a:buNone/>
-              <a:defRPr sz="1333" b="1"/>
-            </a:lvl6pPr>
-            <a:lvl7pPr marL="2285852" indent="0">
+              <a:defRPr sz="1600" b="1"/>
+            </a:lvl7pPr>
+            <a:lvl8pPr marL="3200192" indent="0">
               <a:buNone/>
-              <a:defRPr sz="1333" b="1"/>
-            </a:lvl7pPr>
-            <a:lvl8pPr marL="2666827" indent="0">
+              <a:defRPr sz="1600" b="1"/>
+            </a:lvl8pPr>
+            <a:lvl9pPr marL="3657362" indent="0">
               <a:buNone/>
-              <a:defRPr sz="1333" b="1"/>
-            </a:lvl8pPr>
-            <a:lvl9pPr marL="3047802" indent="0">
-              <a:buNone/>
-              <a:defRPr sz="1333" b="1"/>
+              <a:defRPr sz="1600" b="1"/>
             </a:lvl9pPr>
           </a:lstStyle>
           <a:p>
@@ -2795,39 +2750,39 @@
         </p:nvSpPr>
         <p:spPr>
           <a:xfrm>
-            <a:off x="4645028" y="1812396"/>
-            <a:ext cx="4041775" cy="3292740"/>
+            <a:off x="6193372" y="2174875"/>
+            <a:ext cx="5389033" cy="3951288"/>
           </a:xfrm>
         </p:spPr>
         <p:txBody>
           <a:bodyPr/>
           <a:lstStyle>
             <a:lvl1pPr>
-              <a:defRPr sz="2000"/>
+              <a:defRPr sz="2400"/>
             </a:lvl1pPr>
             <a:lvl2pPr>
-              <a:defRPr sz="1667"/>
+              <a:defRPr sz="2000"/>
             </a:lvl2pPr>
             <a:lvl3pPr>
-              <a:defRPr sz="1500"/>
+              <a:defRPr sz="1800"/>
             </a:lvl3pPr>
             <a:lvl4pPr>
-              <a:defRPr sz="1333"/>
+              <a:defRPr sz="1600"/>
             </a:lvl4pPr>
             <a:lvl5pPr>
-              <a:defRPr sz="1333"/>
+              <a:defRPr sz="1600"/>
             </a:lvl5pPr>
             <a:lvl6pPr>
-              <a:defRPr sz="1333"/>
+              <a:defRPr sz="1600"/>
             </a:lvl6pPr>
             <a:lvl7pPr>
-              <a:defRPr sz="1333"/>
+              <a:defRPr sz="1600"/>
             </a:lvl7pPr>
             <a:lvl8pPr>
-              <a:defRPr sz="1333"/>
+              <a:defRPr sz="1600"/>
             </a:lvl8pPr>
             <a:lvl9pPr>
-              <a:defRPr sz="1333"/>
+              <a:defRPr sz="1600"/>
             </a:lvl9pPr>
           </a:lstStyle>
           <a:p>
@@ -2903,7 +2858,7 @@
               <a:pPr>
                 <a:defRPr/>
               </a:pPr>
-              <a:t>29/12/2023</a:t>
+              <a:t>28/12/2024</a:t>
             </a:fld>
             <a:endParaRPr lang="en-GB" altLang="en-US"/>
           </a:p>
@@ -3067,7 +3022,7 @@
               <a:pPr>
                 <a:defRPr/>
               </a:pPr>
-              <a:t>29/12/2023</a:t>
+              <a:t>28/12/2024</a:t>
             </a:fld>
             <a:endParaRPr lang="en-GB" altLang="en-US"/>
           </a:p>
@@ -3208,7 +3163,7 @@
               <a:pPr>
                 <a:defRPr/>
               </a:pPr>
-              <a:t>29/12/2023</a:t>
+              <a:t>28/12/2024</a:t>
             </a:fld>
             <a:endParaRPr lang="en-GB" altLang="en-US"/>
           </a:p>
@@ -3326,15 +3281,15 @@
         </p:nvSpPr>
         <p:spPr>
           <a:xfrm>
-            <a:off x="1792288" y="4000500"/>
-            <a:ext cx="5486400" cy="472282"/>
+            <a:off x="2389717" y="4800600"/>
+            <a:ext cx="7315200" cy="566738"/>
           </a:xfrm>
         </p:spPr>
         <p:txBody>
           <a:bodyPr anchor="b"/>
           <a:lstStyle>
             <a:lvl1pPr algn="l">
-              <a:defRPr sz="1667" b="1"/>
+              <a:defRPr sz="2000" b="1"/>
             </a:lvl1pPr>
           </a:lstStyle>
           <a:p>
@@ -3358,8 +3313,8 @@
         </p:nvSpPr>
         <p:spPr>
           <a:xfrm>
-            <a:off x="1792288" y="510646"/>
-            <a:ext cx="5486400" cy="3429000"/>
+            <a:off x="2389717" y="612775"/>
+            <a:ext cx="7315200" cy="4114800"/>
           </a:xfrm>
         </p:spPr>
         <p:txBody>
@@ -3367,39 +3322,39 @@
           <a:lstStyle>
             <a:lvl1pPr marL="0" indent="0">
               <a:buNone/>
-              <a:defRPr sz="2667"/>
+              <a:defRPr sz="3200"/>
             </a:lvl1pPr>
-            <a:lvl2pPr marL="380976" indent="0">
+            <a:lvl2pPr marL="457171" indent="0">
               <a:buNone/>
-              <a:defRPr sz="2333"/>
+              <a:defRPr sz="2800"/>
             </a:lvl2pPr>
-            <a:lvl3pPr marL="761952" indent="0">
+            <a:lvl3pPr marL="914342" indent="0">
+              <a:buNone/>
+              <a:defRPr sz="2400"/>
+            </a:lvl3pPr>
+            <a:lvl4pPr marL="1371511" indent="0">
               <a:buNone/>
               <a:defRPr sz="2000"/>
-            </a:lvl3pPr>
-            <a:lvl4pPr marL="1142926" indent="0">
+            </a:lvl4pPr>
+            <a:lvl5pPr marL="1828681" indent="0">
               <a:buNone/>
-              <a:defRPr sz="1667"/>
-            </a:lvl4pPr>
-            <a:lvl5pPr marL="1523901" indent="0">
+              <a:defRPr sz="2000"/>
+            </a:lvl5pPr>
+            <a:lvl6pPr marL="2285851" indent="0">
               <a:buNone/>
-              <a:defRPr sz="1667"/>
-            </a:lvl5pPr>
-            <a:lvl6pPr marL="1904876" indent="0">
+              <a:defRPr sz="2000"/>
+            </a:lvl6pPr>
+            <a:lvl7pPr marL="2743022" indent="0">
               <a:buNone/>
-              <a:defRPr sz="1667"/>
-            </a:lvl6pPr>
-            <a:lvl7pPr marL="2285852" indent="0">
+              <a:defRPr sz="2000"/>
+            </a:lvl7pPr>
+            <a:lvl8pPr marL="3200192" indent="0">
               <a:buNone/>
-              <a:defRPr sz="1667"/>
-            </a:lvl7pPr>
-            <a:lvl8pPr marL="2666827" indent="0">
+              <a:defRPr sz="2000"/>
+            </a:lvl8pPr>
+            <a:lvl9pPr marL="3657362" indent="0">
               <a:buNone/>
-              <a:defRPr sz="1667"/>
-            </a:lvl8pPr>
-            <a:lvl9pPr marL="3047802" indent="0">
-              <a:buNone/>
-              <a:defRPr sz="1667"/>
+              <a:defRPr sz="2000"/>
             </a:lvl9pPr>
           </a:lstStyle>
           <a:p>
@@ -3420,8 +3375,8 @@
         </p:nvSpPr>
         <p:spPr>
           <a:xfrm>
-            <a:off x="1792288" y="4472782"/>
-            <a:ext cx="5486400" cy="670718"/>
+            <a:off x="2389717" y="5367338"/>
+            <a:ext cx="7315200" cy="804862"/>
           </a:xfrm>
         </p:spPr>
         <p:txBody>
@@ -3429,39 +3384,39 @@
           <a:lstStyle>
             <a:lvl1pPr marL="0" indent="0">
               <a:buNone/>
-              <a:defRPr sz="1167"/>
+              <a:defRPr sz="1400"/>
             </a:lvl1pPr>
-            <a:lvl2pPr marL="380976" indent="0">
+            <a:lvl2pPr marL="457171" indent="0">
+              <a:buNone/>
+              <a:defRPr sz="1200"/>
+            </a:lvl2pPr>
+            <a:lvl3pPr marL="914342" indent="0">
               <a:buNone/>
               <a:defRPr sz="1000"/>
-            </a:lvl2pPr>
-            <a:lvl3pPr marL="761952" indent="0">
+            </a:lvl3pPr>
+            <a:lvl4pPr marL="1371511" indent="0">
               <a:buNone/>
-              <a:defRPr sz="833"/>
-            </a:lvl3pPr>
-            <a:lvl4pPr marL="1142926" indent="0">
+              <a:defRPr sz="901"/>
+            </a:lvl4pPr>
+            <a:lvl5pPr marL="1828681" indent="0">
               <a:buNone/>
-              <a:defRPr sz="751"/>
-            </a:lvl4pPr>
-            <a:lvl5pPr marL="1523901" indent="0">
+              <a:defRPr sz="901"/>
+            </a:lvl5pPr>
+            <a:lvl6pPr marL="2285851" indent="0">
               <a:buNone/>
-              <a:defRPr sz="751"/>
-            </a:lvl5pPr>
-            <a:lvl6pPr marL="1904876" indent="0">
+              <a:defRPr sz="901"/>
+            </a:lvl6pPr>
+            <a:lvl7pPr marL="2743022" indent="0">
               <a:buNone/>
-              <a:defRPr sz="751"/>
-            </a:lvl6pPr>
-            <a:lvl7pPr marL="2285852" indent="0">
+              <a:defRPr sz="901"/>
+            </a:lvl7pPr>
+            <a:lvl8pPr marL="3200192" indent="0">
               <a:buNone/>
-              <a:defRPr sz="751"/>
-            </a:lvl7pPr>
-            <a:lvl8pPr marL="2666827" indent="0">
+              <a:defRPr sz="901"/>
+            </a:lvl8pPr>
+            <a:lvl9pPr marL="3657362" indent="0">
               <a:buNone/>
-              <a:defRPr sz="751"/>
-            </a:lvl8pPr>
-            <a:lvl9pPr marL="3047802" indent="0">
-              <a:buNone/>
-              <a:defRPr sz="751"/>
+              <a:defRPr sz="901"/>
             </a:lvl9pPr>
           </a:lstStyle>
           <a:p>
@@ -3508,7 +3463,7 @@
               <a:pPr>
                 <a:defRPr/>
               </a:pPr>
-              <a:t>29/12/2023</a:t>
+              <a:t>28/12/2024</a:t>
             </a:fld>
             <a:endParaRPr lang="en-GB" altLang="en-US"/>
           </a:p>
@@ -3640,8 +3595,8 @@
         </p:nvSpPr>
         <p:spPr bwMode="auto">
           <a:xfrm>
-            <a:off x="457200" y="-22488"/>
-            <a:ext cx="8229600" cy="952501"/>
+            <a:off x="609600" y="-26985"/>
+            <a:ext cx="10972800" cy="1143001"/>
           </a:xfrm>
           <a:prstGeom prst="rect">
             <a:avLst/>
@@ -3704,8 +3659,8 @@
         </p:nvSpPr>
         <p:spPr bwMode="auto">
           <a:xfrm>
-            <a:off x="457200" y="1057013"/>
-            <a:ext cx="8229600" cy="4140729"/>
+            <a:off x="609600" y="1268416"/>
+            <a:ext cx="10972800" cy="4968875"/>
           </a:xfrm>
           <a:prstGeom prst="rect">
             <a:avLst/>
@@ -3796,8 +3751,8 @@
         </p:nvSpPr>
         <p:spPr bwMode="auto">
           <a:xfrm>
-            <a:off x="457200" y="5318126"/>
-            <a:ext cx="2133600" cy="283104"/>
+            <a:off x="609600" y="6381751"/>
+            <a:ext cx="2844800" cy="339725"/>
           </a:xfrm>
           <a:prstGeom prst="rect">
             <a:avLst/>
@@ -3819,7 +3774,7 @@
           </a:bodyPr>
           <a:lstStyle>
             <a:lvl1pPr eaLnBrk="1" hangingPunct="1">
-              <a:defRPr sz="1167" smtClean="0">
+              <a:defRPr sz="1400" smtClean="0">
                 <a:latin typeface="Gill Sans MT" panose="020B0502020104020203" pitchFamily="34" charset="77"/>
                 <a:ea typeface="ＭＳ Ｐゴシック" charset="-128"/>
               </a:defRPr>
@@ -3834,7 +3789,7 @@
               <a:pPr>
                 <a:defRPr/>
               </a:pPr>
-              <a:t>29/12/2023</a:t>
+              <a:t>28/12/2024</a:t>
             </a:fld>
             <a:endParaRPr lang="en-GB" altLang="en-US"/>
           </a:p>
@@ -3858,8 +3813,8 @@
         </p:nvSpPr>
         <p:spPr bwMode="auto">
           <a:xfrm>
-            <a:off x="3124200" y="5318126"/>
-            <a:ext cx="2895600" cy="283104"/>
+            <a:off x="4165600" y="6381751"/>
+            <a:ext cx="3860800" cy="339725"/>
           </a:xfrm>
           <a:prstGeom prst="rect">
             <a:avLst/>
@@ -3881,7 +3836,7 @@
           </a:bodyPr>
           <a:lstStyle>
             <a:lvl1pPr algn="ctr" eaLnBrk="1" hangingPunct="1">
-              <a:defRPr sz="1167">
+              <a:defRPr sz="1400">
                 <a:latin typeface="Gill Sans MT" panose="020B0502020104020203" pitchFamily="34" charset="77"/>
                 <a:ea typeface="ＭＳ Ｐゴシック" charset="0"/>
               </a:defRPr>
@@ -3913,8 +3868,8 @@
         </p:nvSpPr>
         <p:spPr bwMode="auto">
           <a:xfrm>
-            <a:off x="6553200" y="5318126"/>
-            <a:ext cx="2133600" cy="283104"/>
+            <a:off x="8737600" y="6381751"/>
+            <a:ext cx="2844800" cy="339725"/>
           </a:xfrm>
           <a:prstGeom prst="rect">
             <a:avLst/>
@@ -3936,7 +3891,7 @@
           </a:bodyPr>
           <a:lstStyle>
             <a:lvl1pPr algn="r" eaLnBrk="1" hangingPunct="1">
-              <a:defRPr sz="1167">
+              <a:defRPr sz="1400">
                 <a:latin typeface="Gill Sans MT" panose="020B0502020104020203" pitchFamily="34" charset="77"/>
               </a:defRPr>
             </a:lvl1pPr>
@@ -3953,41 +3908,49 @@
       </p:sp>
       <p:pic>
         <p:nvPicPr>
-          <p:cNvPr id="2" name="Graphic 1">
-            <a:extLst>
-              <a:ext uri="{FF2B5EF4-FFF2-40B4-BE49-F238E27FC236}">
-                <a16:creationId xmlns:a16="http://schemas.microsoft.com/office/drawing/2014/main" id="{53A3A363-7BDB-0011-BBFD-2AE874825249}"/>
+          <p:cNvPr id="3" name="Picture 2" descr="Logo PMS Blue">
+            <a:extLst>
+              <a:ext uri="{FF2B5EF4-FFF2-40B4-BE49-F238E27FC236}">
+                <a16:creationId xmlns:a16="http://schemas.microsoft.com/office/drawing/2014/main" id="{CA522B43-28B2-68DF-6981-6716854D0089}"/>
               </a:ext>
             </a:extLst>
           </p:cNvPr>
           <p:cNvPicPr>
-            <a:picLocks noChangeAspect="1"/>
+            <a:picLocks noChangeAspect="1" noChangeArrowheads="1"/>
           </p:cNvPicPr>
           <p:nvPr userDrawn="1"/>
         </p:nvPicPr>
         <p:blipFill>
-          <a:blip r:embed="rId10">
+          <a:blip r:embed="rId10" r:link="rId11">
             <a:extLst>
               <a:ext uri="{28A0092B-C50C-407E-A947-70E740481C1C}">
                 <a14:useLocalDpi xmlns:a14="http://schemas.microsoft.com/office/drawing/2010/main" val="0"/>
               </a:ext>
-              <a:ext uri="{96DAC541-7B7A-43D3-8B79-37D633B846F1}">
-                <asvg:svgBlip xmlns:asvg="http://schemas.microsoft.com/office/drawing/2016/SVG/main" r:embed="rId11"/>
-              </a:ext>
             </a:extLst>
           </a:blip>
+          <a:srcRect/>
           <a:stretch>
             <a:fillRect/>
           </a:stretch>
         </p:blipFill>
-        <p:spPr>
+        <p:spPr bwMode="auto">
           <a:xfrm>
-            <a:off x="7308304" y="216308"/>
-            <a:ext cx="1667210" cy="601900"/>
+            <a:off x="9840416" y="286433"/>
+            <a:ext cx="2082304" cy="204641"/>
           </a:xfrm>
           <a:prstGeom prst="rect">
             <a:avLst/>
           </a:prstGeom>
+          <a:noFill/>
+          <a:extLst>
+            <a:ext uri="{909E8E84-426E-40DD-AFC4-6F175D3DCCD1}">
+              <a14:hiddenFill xmlns:a14="http://schemas.microsoft.com/office/drawing/2010/main">
+                <a:solidFill>
+                  <a:srgbClr val="FFFFFF"/>
+                </a:solidFill>
+              </a14:hiddenFill>
+            </a:ext>
+          </a:extLst>
         </p:spPr>
       </p:pic>
     </p:spTree>
@@ -4013,7 +3976,7 @@
         <a:spcAft>
           <a:spcPct val="0"/>
         </a:spcAft>
-        <a:defRPr sz="2333">
+        <a:defRPr sz="2800">
           <a:solidFill>
             <a:srgbClr val="003D7D"/>
           </a:solidFill>
@@ -4029,7 +3992,7 @@
         <a:spcAft>
           <a:spcPct val="0"/>
         </a:spcAft>
-        <a:defRPr sz="2333">
+        <a:defRPr sz="2800">
           <a:solidFill>
             <a:srgbClr val="003D7D"/>
           </a:solidFill>
@@ -4045,7 +4008,7 @@
         <a:spcAft>
           <a:spcPct val="0"/>
         </a:spcAft>
-        <a:defRPr sz="2333">
+        <a:defRPr sz="2800">
           <a:solidFill>
             <a:srgbClr val="003D7D"/>
           </a:solidFill>
@@ -4061,7 +4024,7 @@
         <a:spcAft>
           <a:spcPct val="0"/>
         </a:spcAft>
-        <a:defRPr sz="2333">
+        <a:defRPr sz="2800">
           <a:solidFill>
             <a:srgbClr val="003D7D"/>
           </a:solidFill>
@@ -4077,7 +4040,7 @@
         <a:spcAft>
           <a:spcPct val="0"/>
         </a:spcAft>
-        <a:defRPr sz="2333">
+        <a:defRPr sz="2800">
           <a:solidFill>
             <a:srgbClr val="003D7D"/>
           </a:solidFill>
@@ -4086,14 +4049,14 @@
           <a:cs typeface="Arial" charset="0"/>
         </a:defRPr>
       </a:lvl5pPr>
-      <a:lvl6pPr marL="380976" algn="l" rtl="0" eaLnBrk="0" fontAlgn="base" hangingPunct="0">
+      <a:lvl6pPr marL="457171" algn="l" rtl="0" eaLnBrk="0" fontAlgn="base" hangingPunct="0">
         <a:spcBef>
           <a:spcPct val="0"/>
         </a:spcBef>
         <a:spcAft>
           <a:spcPct val="0"/>
         </a:spcAft>
-        <a:defRPr sz="2333">
+        <a:defRPr sz="2800">
           <a:solidFill>
             <a:srgbClr val="003D7D"/>
           </a:solidFill>
@@ -4101,14 +4064,14 @@
           <a:cs typeface="Arial" charset="0"/>
         </a:defRPr>
       </a:lvl6pPr>
-      <a:lvl7pPr marL="761952" algn="l" rtl="0" eaLnBrk="0" fontAlgn="base" hangingPunct="0">
+      <a:lvl7pPr marL="914342" algn="l" rtl="0" eaLnBrk="0" fontAlgn="base" hangingPunct="0">
         <a:spcBef>
           <a:spcPct val="0"/>
         </a:spcBef>
         <a:spcAft>
           <a:spcPct val="0"/>
         </a:spcAft>
-        <a:defRPr sz="2333">
+        <a:defRPr sz="2800">
           <a:solidFill>
             <a:srgbClr val="003D7D"/>
           </a:solidFill>
@@ -4116,14 +4079,14 @@
           <a:cs typeface="Arial" charset="0"/>
         </a:defRPr>
       </a:lvl7pPr>
-      <a:lvl8pPr marL="1142926" algn="l" rtl="0" eaLnBrk="0" fontAlgn="base" hangingPunct="0">
+      <a:lvl8pPr marL="1371511" algn="l" rtl="0" eaLnBrk="0" fontAlgn="base" hangingPunct="0">
         <a:spcBef>
           <a:spcPct val="0"/>
         </a:spcBef>
         <a:spcAft>
           <a:spcPct val="0"/>
         </a:spcAft>
-        <a:defRPr sz="2333">
+        <a:defRPr sz="2800">
           <a:solidFill>
             <a:srgbClr val="003D7D"/>
           </a:solidFill>
@@ -4131,14 +4094,14 @@
           <a:cs typeface="Arial" charset="0"/>
         </a:defRPr>
       </a:lvl8pPr>
-      <a:lvl9pPr marL="1523901" algn="l" rtl="0" eaLnBrk="0" fontAlgn="base" hangingPunct="0">
+      <a:lvl9pPr marL="1828681" algn="l" rtl="0" eaLnBrk="0" fontAlgn="base" hangingPunct="0">
         <a:spcBef>
           <a:spcPct val="0"/>
         </a:spcBef>
         <a:spcAft>
           <a:spcPct val="0"/>
         </a:spcAft>
-        <a:defRPr sz="2333">
+        <a:defRPr sz="2800">
           <a:solidFill>
             <a:srgbClr val="003D7D"/>
           </a:solidFill>
@@ -4148,7 +4111,25 @@
       </a:lvl9pPr>
     </p:titleStyle>
     <p:bodyStyle>
-      <a:lvl1pPr marL="285732" indent="-285732" algn="l" rtl="0" eaLnBrk="0" fontAlgn="base" hangingPunct="0">
+      <a:lvl1pPr marL="342878" indent="-342878" algn="l" rtl="0" eaLnBrk="0" fontAlgn="base" hangingPunct="0">
+        <a:spcBef>
+          <a:spcPct val="20000"/>
+        </a:spcBef>
+        <a:spcAft>
+          <a:spcPct val="0"/>
+        </a:spcAft>
+        <a:buFont typeface="Verdana" panose="020B0604030504040204" pitchFamily="34" charset="0"/>
+        <a:buChar char="−"/>
+        <a:defRPr sz="2400">
+          <a:solidFill>
+            <a:schemeClr val="tx1"/>
+          </a:solidFill>
+          <a:latin typeface="Gill Sans MT" panose="020B0502020104020203" pitchFamily="34" charset="77"/>
+          <a:ea typeface="ＭＳ Ｐゴシック" charset="0"/>
+          <a:cs typeface="+mn-cs"/>
+        </a:defRPr>
+      </a:lvl1pPr>
+      <a:lvl2pPr marL="742902" indent="-285731" algn="l" rtl="0" eaLnBrk="0" fontAlgn="base" hangingPunct="0">
         <a:spcBef>
           <a:spcPct val="20000"/>
         </a:spcBef>
@@ -4162,29 +4143,11 @@
             <a:schemeClr val="tx1"/>
           </a:solidFill>
           <a:latin typeface="Gill Sans MT" panose="020B0502020104020203" pitchFamily="34" charset="77"/>
-          <a:ea typeface="ＭＳ Ｐゴシック" charset="0"/>
-          <a:cs typeface="+mn-cs"/>
-        </a:defRPr>
-      </a:lvl1pPr>
-      <a:lvl2pPr marL="619085" indent="-238109" algn="l" rtl="0" eaLnBrk="0" fontAlgn="base" hangingPunct="0">
-        <a:spcBef>
-          <a:spcPct val="20000"/>
-        </a:spcBef>
-        <a:spcAft>
-          <a:spcPct val="0"/>
-        </a:spcAft>
-        <a:buFont typeface="Verdana" panose="020B0604030504040204" pitchFamily="34" charset="0"/>
-        <a:buChar char="−"/>
-        <a:defRPr sz="1667">
-          <a:solidFill>
-            <a:schemeClr val="tx1"/>
-          </a:solidFill>
-          <a:latin typeface="Gill Sans MT" panose="020B0502020104020203" pitchFamily="34" charset="77"/>
           <a:ea typeface="Arial" charset="0"/>
           <a:cs typeface="+mn-cs"/>
         </a:defRPr>
       </a:lvl2pPr>
-      <a:lvl3pPr marL="952439" indent="-190487" algn="l" rtl="0" eaLnBrk="0" fontAlgn="base" hangingPunct="0">
+      <a:lvl3pPr marL="1142927" indent="-228584" algn="l" rtl="0" eaLnBrk="0" fontAlgn="base" hangingPunct="0">
         <a:spcBef>
           <a:spcPct val="20000"/>
         </a:spcBef>
@@ -4202,7 +4165,7 @@
           <a:cs typeface="+mn-cs"/>
         </a:defRPr>
       </a:lvl3pPr>
-      <a:lvl4pPr marL="1333413" indent="-190487" algn="l" rtl="0" eaLnBrk="0" fontAlgn="base" hangingPunct="0">
+      <a:lvl4pPr marL="1600096" indent="-228584" algn="l" rtl="0" eaLnBrk="0" fontAlgn="base" hangingPunct="0">
         <a:spcBef>
           <a:spcPct val="20000"/>
         </a:spcBef>
@@ -4211,7 +4174,7 @@
         </a:spcAft>
         <a:buFont typeface="Verdana" panose="020B0604030504040204" pitchFamily="34" charset="0"/>
         <a:buChar char="−"/>
-        <a:defRPr sz="1333">
+        <a:defRPr sz="1600">
           <a:solidFill>
             <a:schemeClr val="tx1"/>
           </a:solidFill>
@@ -4220,7 +4183,7 @@
           <a:cs typeface="+mn-cs"/>
         </a:defRPr>
       </a:lvl4pPr>
-      <a:lvl5pPr marL="1714388" indent="-190487" algn="l" rtl="0" eaLnBrk="0" fontAlgn="base" hangingPunct="0">
+      <a:lvl5pPr marL="2057266" indent="-228584" algn="l" rtl="0" eaLnBrk="0" fontAlgn="base" hangingPunct="0">
         <a:spcBef>
           <a:spcPct val="20000"/>
         </a:spcBef>
@@ -4229,7 +4192,7 @@
         </a:spcAft>
         <a:buFont typeface="Verdana" panose="020B0604030504040204" pitchFamily="34" charset="0"/>
         <a:buChar char="−"/>
-        <a:defRPr sz="1333">
+        <a:defRPr sz="1600">
           <a:solidFill>
             <a:schemeClr val="tx1"/>
           </a:solidFill>
@@ -4238,7 +4201,7 @@
           <a:cs typeface="+mn-cs"/>
         </a:defRPr>
       </a:lvl5pPr>
-      <a:lvl6pPr marL="2095364" indent="-190487" algn="l" rtl="0" eaLnBrk="0" fontAlgn="base" hangingPunct="0">
+      <a:lvl6pPr marL="2514437" indent="-228584" algn="l" rtl="0" eaLnBrk="0" fontAlgn="base" hangingPunct="0">
         <a:spcBef>
           <a:spcPct val="20000"/>
         </a:spcBef>
@@ -4247,7 +4210,7 @@
         </a:spcAft>
         <a:buFont typeface="Verdana" pitchFamily="34" charset="0"/>
         <a:buChar char="−"/>
-        <a:defRPr sz="1333">
+        <a:defRPr sz="1600">
           <a:solidFill>
             <a:schemeClr val="tx1"/>
           </a:solidFill>
@@ -4255,7 +4218,7 @@
           <a:cs typeface="+mn-cs"/>
         </a:defRPr>
       </a:lvl6pPr>
-      <a:lvl7pPr marL="2476339" indent="-190487" algn="l" rtl="0" eaLnBrk="0" fontAlgn="base" hangingPunct="0">
+      <a:lvl7pPr marL="2971607" indent="-228584" algn="l" rtl="0" eaLnBrk="0" fontAlgn="base" hangingPunct="0">
         <a:spcBef>
           <a:spcPct val="20000"/>
         </a:spcBef>
@@ -4264,7 +4227,7 @@
         </a:spcAft>
         <a:buFont typeface="Verdana" pitchFamily="34" charset="0"/>
         <a:buChar char="−"/>
-        <a:defRPr sz="1333">
+        <a:defRPr sz="1600">
           <a:solidFill>
             <a:schemeClr val="tx1"/>
           </a:solidFill>
@@ -4272,7 +4235,7 @@
           <a:cs typeface="+mn-cs"/>
         </a:defRPr>
       </a:lvl7pPr>
-      <a:lvl8pPr marL="2857315" indent="-190487" algn="l" rtl="0" eaLnBrk="0" fontAlgn="base" hangingPunct="0">
+      <a:lvl8pPr marL="3428778" indent="-228584" algn="l" rtl="0" eaLnBrk="0" fontAlgn="base" hangingPunct="0">
         <a:spcBef>
           <a:spcPct val="20000"/>
         </a:spcBef>
@@ -4281,7 +4244,7 @@
         </a:spcAft>
         <a:buFont typeface="Verdana" pitchFamily="34" charset="0"/>
         <a:buChar char="−"/>
-        <a:defRPr sz="1333">
+        <a:defRPr sz="1600">
           <a:solidFill>
             <a:schemeClr val="tx1"/>
           </a:solidFill>
@@ -4289,7 +4252,7 @@
           <a:cs typeface="+mn-cs"/>
         </a:defRPr>
       </a:lvl8pPr>
-      <a:lvl9pPr marL="3238290" indent="-190487" algn="l" rtl="0" eaLnBrk="0" fontAlgn="base" hangingPunct="0">
+      <a:lvl9pPr marL="3885948" indent="-228584" algn="l" rtl="0" eaLnBrk="0" fontAlgn="base" hangingPunct="0">
         <a:spcBef>
           <a:spcPct val="20000"/>
         </a:spcBef>
@@ -4298,7 +4261,7 @@
         </a:spcAft>
         <a:buFont typeface="Verdana" pitchFamily="34" charset="0"/>
         <a:buChar char="−"/>
-        <a:defRPr sz="1333">
+        <a:defRPr sz="1600">
           <a:solidFill>
             <a:schemeClr val="tx1"/>
           </a:solidFill>
@@ -4311,8 +4274,8 @@
       <a:defPPr>
         <a:defRPr lang="en-US"/>
       </a:defPPr>
-      <a:lvl1pPr marL="0" algn="l" defTabSz="761952" rtl="0" eaLnBrk="1" latinLnBrk="0" hangingPunct="1">
-        <a:defRPr sz="1500" kern="1200">
+      <a:lvl1pPr marL="0" algn="l" defTabSz="914342" rtl="0" eaLnBrk="1" latinLnBrk="0" hangingPunct="1">
+        <a:defRPr sz="1800" kern="1200">
           <a:solidFill>
             <a:schemeClr val="tx1"/>
           </a:solidFill>
@@ -4321,8 +4284,8 @@
           <a:cs typeface="+mn-cs"/>
         </a:defRPr>
       </a:lvl1pPr>
-      <a:lvl2pPr marL="380976" algn="l" defTabSz="761952" rtl="0" eaLnBrk="1" latinLnBrk="0" hangingPunct="1">
-        <a:defRPr sz="1500" kern="1200">
+      <a:lvl2pPr marL="457171" algn="l" defTabSz="914342" rtl="0" eaLnBrk="1" latinLnBrk="0" hangingPunct="1">
+        <a:defRPr sz="1800" kern="1200">
           <a:solidFill>
             <a:schemeClr val="tx1"/>
           </a:solidFill>
@@ -4331,8 +4294,8 @@
           <a:cs typeface="+mn-cs"/>
         </a:defRPr>
       </a:lvl2pPr>
-      <a:lvl3pPr marL="761952" algn="l" defTabSz="761952" rtl="0" eaLnBrk="1" latinLnBrk="0" hangingPunct="1">
-        <a:defRPr sz="1500" kern="1200">
+      <a:lvl3pPr marL="914342" algn="l" defTabSz="914342" rtl="0" eaLnBrk="1" latinLnBrk="0" hangingPunct="1">
+        <a:defRPr sz="1800" kern="1200">
           <a:solidFill>
             <a:schemeClr val="tx1"/>
           </a:solidFill>
@@ -4341,8 +4304,8 @@
           <a:cs typeface="+mn-cs"/>
         </a:defRPr>
       </a:lvl3pPr>
-      <a:lvl4pPr marL="1142926" algn="l" defTabSz="761952" rtl="0" eaLnBrk="1" latinLnBrk="0" hangingPunct="1">
-        <a:defRPr sz="1500" kern="1200">
+      <a:lvl4pPr marL="1371511" algn="l" defTabSz="914342" rtl="0" eaLnBrk="1" latinLnBrk="0" hangingPunct="1">
+        <a:defRPr sz="1800" kern="1200">
           <a:solidFill>
             <a:schemeClr val="tx1"/>
           </a:solidFill>
@@ -4351,8 +4314,8 @@
           <a:cs typeface="+mn-cs"/>
         </a:defRPr>
       </a:lvl4pPr>
-      <a:lvl5pPr marL="1523901" algn="l" defTabSz="761952" rtl="0" eaLnBrk="1" latinLnBrk="0" hangingPunct="1">
-        <a:defRPr sz="1500" kern="1200">
+      <a:lvl5pPr marL="1828681" algn="l" defTabSz="914342" rtl="0" eaLnBrk="1" latinLnBrk="0" hangingPunct="1">
+        <a:defRPr sz="1800" kern="1200">
           <a:solidFill>
             <a:schemeClr val="tx1"/>
           </a:solidFill>
@@ -4361,8 +4324,8 @@
           <a:cs typeface="+mn-cs"/>
         </a:defRPr>
       </a:lvl5pPr>
-      <a:lvl6pPr marL="1904876" algn="l" defTabSz="761952" rtl="0" eaLnBrk="1" latinLnBrk="0" hangingPunct="1">
-        <a:defRPr sz="1500" kern="1200">
+      <a:lvl6pPr marL="2285851" algn="l" defTabSz="914342" rtl="0" eaLnBrk="1" latinLnBrk="0" hangingPunct="1">
+        <a:defRPr sz="1800" kern="1200">
           <a:solidFill>
             <a:schemeClr val="tx1"/>
           </a:solidFill>
@@ -4371,8 +4334,8 @@
           <a:cs typeface="+mn-cs"/>
         </a:defRPr>
       </a:lvl6pPr>
-      <a:lvl7pPr marL="2285852" algn="l" defTabSz="761952" rtl="0" eaLnBrk="1" latinLnBrk="0" hangingPunct="1">
-        <a:defRPr sz="1500" kern="1200">
+      <a:lvl7pPr marL="2743022" algn="l" defTabSz="914342" rtl="0" eaLnBrk="1" latinLnBrk="0" hangingPunct="1">
+        <a:defRPr sz="1800" kern="1200">
           <a:solidFill>
             <a:schemeClr val="tx1"/>
           </a:solidFill>
@@ -4381,8 +4344,8 @@
           <a:cs typeface="+mn-cs"/>
         </a:defRPr>
       </a:lvl7pPr>
-      <a:lvl8pPr marL="2666827" algn="l" defTabSz="761952" rtl="0" eaLnBrk="1" latinLnBrk="0" hangingPunct="1">
-        <a:defRPr sz="1500" kern="1200">
+      <a:lvl8pPr marL="3200192" algn="l" defTabSz="914342" rtl="0" eaLnBrk="1" latinLnBrk="0" hangingPunct="1">
+        <a:defRPr sz="1800" kern="1200">
           <a:solidFill>
             <a:schemeClr val="tx1"/>
           </a:solidFill>
@@ -4391,8 +4354,8 @@
           <a:cs typeface="+mn-cs"/>
         </a:defRPr>
       </a:lvl8pPr>
-      <a:lvl9pPr marL="3047802" algn="l" defTabSz="761952" rtl="0" eaLnBrk="1" latinLnBrk="0" hangingPunct="1">
-        <a:defRPr sz="1500" kern="1200">
+      <a:lvl9pPr marL="3657362" algn="l" defTabSz="914342" rtl="0" eaLnBrk="1" latinLnBrk="0" hangingPunct="1">
+        <a:defRPr sz="1800" kern="1200">
           <a:solidFill>
             <a:schemeClr val="tx1"/>
           </a:solidFill>
@@ -4471,7 +4434,7 @@
               </a:spcBef>
               <a:buFont typeface="Verdana" panose="020B0604030504040204" pitchFamily="34" charset="0"/>
               <a:buChar char="−"/>
-              <a:defRPr sz="2000">
+              <a:defRPr sz="2400">
                 <a:solidFill>
                   <a:schemeClr val="tx1"/>
                 </a:solidFill>
@@ -4480,13 +4443,13 @@
                 <a:cs typeface="Arial" panose="020B0604020202020204" pitchFamily="34" charset="0"/>
               </a:defRPr>
             </a:lvl1pPr>
-            <a:lvl2pPr marL="619085" indent="-238109">
+            <a:lvl2pPr marL="742902" indent="-285731">
               <a:spcBef>
                 <a:spcPct val="20000"/>
               </a:spcBef>
               <a:buFont typeface="Verdana" panose="020B0604030504040204" pitchFamily="34" charset="0"/>
               <a:buChar char="−"/>
-              <a:defRPr sz="1667">
+              <a:defRPr sz="2000">
                 <a:solidFill>
                   <a:schemeClr val="tx1"/>
                 </a:solidFill>
@@ -4495,7 +4458,7 @@
                 <a:cs typeface="Arial" panose="020B0604020202020204" pitchFamily="34" charset="0"/>
               </a:defRPr>
             </a:lvl2pPr>
-            <a:lvl3pPr marL="952439" indent="-190487">
+            <a:lvl3pPr marL="1142927" indent="-228584">
               <a:spcBef>
                 <a:spcPct val="20000"/>
               </a:spcBef>
@@ -4510,13 +4473,13 @@
                 <a:cs typeface="Arial" panose="020B0604020202020204" pitchFamily="34" charset="0"/>
               </a:defRPr>
             </a:lvl3pPr>
-            <a:lvl4pPr marL="1333413" indent="-190487">
+            <a:lvl4pPr marL="1600096" indent="-228584">
               <a:spcBef>
                 <a:spcPct val="20000"/>
               </a:spcBef>
               <a:buFont typeface="Verdana" panose="020B0604030504040204" pitchFamily="34" charset="0"/>
               <a:buChar char="−"/>
-              <a:defRPr sz="1333">
+              <a:defRPr sz="1600">
                 <a:solidFill>
                   <a:schemeClr val="tx1"/>
                 </a:solidFill>
@@ -4525,13 +4488,13 @@
                 <a:cs typeface="Arial" panose="020B0604020202020204" pitchFamily="34" charset="0"/>
               </a:defRPr>
             </a:lvl4pPr>
-            <a:lvl5pPr marL="1714388" indent="-190487">
+            <a:lvl5pPr marL="2057266" indent="-228584">
               <a:spcBef>
                 <a:spcPct val="20000"/>
               </a:spcBef>
               <a:buFont typeface="Verdana" panose="020B0604030504040204" pitchFamily="34" charset="0"/>
               <a:buChar char="−"/>
-              <a:defRPr sz="1333">
+              <a:defRPr sz="1600">
                 <a:solidFill>
                   <a:schemeClr val="tx1"/>
                 </a:solidFill>
@@ -4540,7 +4503,7 @@
                 <a:cs typeface="Arial" panose="020B0604020202020204" pitchFamily="34" charset="0"/>
               </a:defRPr>
             </a:lvl5pPr>
-            <a:lvl6pPr marL="2095364" indent="-190487" eaLnBrk="0" fontAlgn="base" hangingPunct="0">
+            <a:lvl6pPr marL="2514437" indent="-228584" eaLnBrk="0" fontAlgn="base" hangingPunct="0">
               <a:spcBef>
                 <a:spcPct val="20000"/>
               </a:spcBef>
@@ -4549,7 +4512,7 @@
               </a:spcAft>
               <a:buFont typeface="Verdana" panose="020B0604030504040204" pitchFamily="34" charset="0"/>
               <a:buChar char="−"/>
-              <a:defRPr sz="1333">
+              <a:defRPr sz="1600">
                 <a:solidFill>
                   <a:schemeClr val="tx1"/>
                 </a:solidFill>
@@ -4558,7 +4521,7 @@
                 <a:cs typeface="Arial" panose="020B0604020202020204" pitchFamily="34" charset="0"/>
               </a:defRPr>
             </a:lvl6pPr>
-            <a:lvl7pPr marL="2476339" indent="-190487" eaLnBrk="0" fontAlgn="base" hangingPunct="0">
+            <a:lvl7pPr marL="2971607" indent="-228584" eaLnBrk="0" fontAlgn="base" hangingPunct="0">
               <a:spcBef>
                 <a:spcPct val="20000"/>
               </a:spcBef>
@@ -4567,7 +4530,7 @@
               </a:spcAft>
               <a:buFont typeface="Verdana" panose="020B0604030504040204" pitchFamily="34" charset="0"/>
               <a:buChar char="−"/>
-              <a:defRPr sz="1333">
+              <a:defRPr sz="1600">
                 <a:solidFill>
                   <a:schemeClr val="tx1"/>
                 </a:solidFill>
@@ -4576,7 +4539,7 @@
                 <a:cs typeface="Arial" panose="020B0604020202020204" pitchFamily="34" charset="0"/>
               </a:defRPr>
             </a:lvl7pPr>
-            <a:lvl8pPr marL="2857315" indent="-190487" eaLnBrk="0" fontAlgn="base" hangingPunct="0">
+            <a:lvl8pPr marL="3428778" indent="-228584" eaLnBrk="0" fontAlgn="base" hangingPunct="0">
               <a:spcBef>
                 <a:spcPct val="20000"/>
               </a:spcBef>
@@ -4585,7 +4548,7 @@
               </a:spcAft>
               <a:buFont typeface="Verdana" panose="020B0604030504040204" pitchFamily="34" charset="0"/>
               <a:buChar char="−"/>
-              <a:defRPr sz="1333">
+              <a:defRPr sz="1600">
                 <a:solidFill>
                   <a:schemeClr val="tx1"/>
                 </a:solidFill>
@@ -4594,7 +4557,7 @@
                 <a:cs typeface="Arial" panose="020B0604020202020204" pitchFamily="34" charset="0"/>
               </a:defRPr>
             </a:lvl8pPr>
-            <a:lvl9pPr marL="3238290" indent="-190487" eaLnBrk="0" fontAlgn="base" hangingPunct="0">
+            <a:lvl9pPr marL="3885948" indent="-228584" eaLnBrk="0" fontAlgn="base" hangingPunct="0">
               <a:spcBef>
                 <a:spcPct val="20000"/>
               </a:spcBef>
@@ -4603,7 +4566,7 @@
               </a:spcAft>
               <a:buFont typeface="Verdana" panose="020B0604030504040204" pitchFamily="34" charset="0"/>
               <a:buChar char="−"/>
-              <a:defRPr sz="1333">
+              <a:defRPr sz="1600">
                 <a:solidFill>
                   <a:schemeClr val="tx1"/>
                 </a:solidFill>
@@ -4622,7 +4585,7 @@
               <a:buNone/>
             </a:pPr>
             <a:fld id="{0F366BD3-0E5B-9C42-A03F-75400BAFC63E}" type="slidenum">
-              <a:rPr lang="en-GB" altLang="en-US" sz="1167"/>
+              <a:rPr lang="en-GB" altLang="en-US" sz="1400"/>
               <a:pPr>
                 <a:spcBef>
                   <a:spcPct val="0"/>
@@ -4632,16 +4595,272 @@
               </a:pPr>
               <a:t>1</a:t>
             </a:fld>
-            <a:endParaRPr lang="en-GB" altLang="en-US" sz="1167"/>
-          </a:p>
-        </p:txBody>
-      </p:sp>
-      <p:sp>
-        <p:nvSpPr>
-          <p:cNvPr id="16386" name="Text Box 2">
-            <a:extLst>
-              <a:ext uri="{FF2B5EF4-FFF2-40B4-BE49-F238E27FC236}">
-                <a16:creationId xmlns:a16="http://schemas.microsoft.com/office/drawing/2014/main" id="{CB2856F0-5122-C748-A4E1-B1FC924AA33E}"/>
+            <a:endParaRPr lang="en-GB" altLang="en-US" sz="1400"/>
+          </a:p>
+        </p:txBody>
+      </p:sp>
+      <p:sp>
+        <p:nvSpPr>
+          <p:cNvPr id="16388" name="Rectangle 8">
+            <a:extLst>
+              <a:ext uri="{FF2B5EF4-FFF2-40B4-BE49-F238E27FC236}">
+                <a16:creationId xmlns:a16="http://schemas.microsoft.com/office/drawing/2014/main" id="{668D6855-F81A-A24F-918B-A2C47560C262}"/>
+              </a:ext>
+            </a:extLst>
+          </p:cNvPr>
+          <p:cNvSpPr>
+            <a:spLocks noChangeArrowheads="1"/>
+          </p:cNvSpPr>
+          <p:nvPr/>
+        </p:nvSpPr>
+        <p:spPr bwMode="auto">
+          <a:xfrm>
+            <a:off x="9912353" y="6237289"/>
+            <a:ext cx="358775" cy="433387"/>
+          </a:xfrm>
+          <a:prstGeom prst="rect">
+            <a:avLst/>
+          </a:prstGeom>
+          <a:solidFill>
+            <a:schemeClr val="bg1"/>
+          </a:solidFill>
+          <a:ln>
+            <a:noFill/>
+          </a:ln>
+          <a:extLst>
+            <a:ext uri="{91240B29-F687-4F45-9708-019B960494DF}">
+              <a14:hiddenLine xmlns:a14="http://schemas.microsoft.com/office/drawing/2010/main" w="9525">
+                <a:solidFill>
+                  <a:srgbClr val="000000"/>
+                </a:solidFill>
+                <a:miter lim="800000"/>
+                <a:headEnd/>
+                <a:tailEnd/>
+              </a14:hiddenLine>
+            </a:ext>
+          </a:extLst>
+        </p:spPr>
+        <p:txBody>
+          <a:bodyPr wrap="none" anchor="ctr"/>
+          <a:lstStyle>
+            <a:lvl1pPr>
+              <a:spcBef>
+                <a:spcPct val="20000"/>
+              </a:spcBef>
+              <a:buFont typeface="Verdana" panose="020B0604030504040204" pitchFamily="34" charset="0"/>
+              <a:buChar char="−"/>
+              <a:defRPr sz="2400">
+                <a:solidFill>
+                  <a:schemeClr val="tx1"/>
+                </a:solidFill>
+                <a:latin typeface="Gill Sans MT" panose="020B0502020104020203" pitchFamily="34" charset="77"/>
+                <a:ea typeface="ＭＳ Ｐゴシック" panose="020B0600070205080204" pitchFamily="34" charset="-128"/>
+                <a:cs typeface="Arial" panose="020B0604020202020204" pitchFamily="34" charset="0"/>
+              </a:defRPr>
+            </a:lvl1pPr>
+            <a:lvl2pPr marL="742950" indent="-285750">
+              <a:spcBef>
+                <a:spcPct val="20000"/>
+              </a:spcBef>
+              <a:buFont typeface="Verdana" panose="020B0604030504040204" pitchFamily="34" charset="0"/>
+              <a:buChar char="−"/>
+              <a:defRPr sz="2000">
+                <a:solidFill>
+                  <a:schemeClr val="tx1"/>
+                </a:solidFill>
+                <a:latin typeface="Gill Sans MT" panose="020B0502020104020203" pitchFamily="34" charset="77"/>
+                <a:ea typeface="Arial" panose="020B0604020202020204" pitchFamily="34" charset="0"/>
+                <a:cs typeface="Arial" panose="020B0604020202020204" pitchFamily="34" charset="0"/>
+              </a:defRPr>
+            </a:lvl2pPr>
+            <a:lvl3pPr marL="1143000" indent="-228600">
+              <a:spcBef>
+                <a:spcPct val="20000"/>
+              </a:spcBef>
+              <a:buFont typeface="Verdana" panose="020B0604030504040204" pitchFamily="34" charset="0"/>
+              <a:buChar char="−"/>
+              <a:defRPr>
+                <a:solidFill>
+                  <a:schemeClr val="tx1"/>
+                </a:solidFill>
+                <a:latin typeface="Gill Sans MT" panose="020B0502020104020203" pitchFamily="34" charset="77"/>
+                <a:ea typeface="Arial" panose="020B0604020202020204" pitchFamily="34" charset="0"/>
+                <a:cs typeface="Arial" panose="020B0604020202020204" pitchFamily="34" charset="0"/>
+              </a:defRPr>
+            </a:lvl3pPr>
+            <a:lvl4pPr marL="1600200" indent="-228600">
+              <a:spcBef>
+                <a:spcPct val="20000"/>
+              </a:spcBef>
+              <a:buFont typeface="Verdana" panose="020B0604030504040204" pitchFamily="34" charset="0"/>
+              <a:buChar char="−"/>
+              <a:defRPr sz="1600">
+                <a:solidFill>
+                  <a:schemeClr val="tx1"/>
+                </a:solidFill>
+                <a:latin typeface="Gill Sans MT" panose="020B0502020104020203" pitchFamily="34" charset="77"/>
+                <a:ea typeface="Arial" panose="020B0604020202020204" pitchFamily="34" charset="0"/>
+                <a:cs typeface="Arial" panose="020B0604020202020204" pitchFamily="34" charset="0"/>
+              </a:defRPr>
+            </a:lvl4pPr>
+            <a:lvl5pPr marL="2057400" indent="-228600">
+              <a:spcBef>
+                <a:spcPct val="20000"/>
+              </a:spcBef>
+              <a:buFont typeface="Verdana" panose="020B0604030504040204" pitchFamily="34" charset="0"/>
+              <a:buChar char="−"/>
+              <a:defRPr sz="1600">
+                <a:solidFill>
+                  <a:schemeClr val="tx1"/>
+                </a:solidFill>
+                <a:latin typeface="Gill Sans MT" panose="020B0502020104020203" pitchFamily="34" charset="77"/>
+                <a:ea typeface="Arial" panose="020B0604020202020204" pitchFamily="34" charset="0"/>
+                <a:cs typeface="Arial" panose="020B0604020202020204" pitchFamily="34" charset="0"/>
+              </a:defRPr>
+            </a:lvl5pPr>
+            <a:lvl6pPr marL="2514600" indent="-228600" eaLnBrk="0" fontAlgn="base" hangingPunct="0">
+              <a:spcBef>
+                <a:spcPct val="20000"/>
+              </a:spcBef>
+              <a:spcAft>
+                <a:spcPct val="0"/>
+              </a:spcAft>
+              <a:buFont typeface="Verdana" panose="020B0604030504040204" pitchFamily="34" charset="0"/>
+              <a:buChar char="−"/>
+              <a:defRPr sz="1600">
+                <a:solidFill>
+                  <a:schemeClr val="tx1"/>
+                </a:solidFill>
+                <a:latin typeface="Gill Sans MT" panose="020B0502020104020203" pitchFamily="34" charset="77"/>
+                <a:ea typeface="Arial" panose="020B0604020202020204" pitchFamily="34" charset="0"/>
+                <a:cs typeface="Arial" panose="020B0604020202020204" pitchFamily="34" charset="0"/>
+              </a:defRPr>
+            </a:lvl6pPr>
+            <a:lvl7pPr marL="2971800" indent="-228600" eaLnBrk="0" fontAlgn="base" hangingPunct="0">
+              <a:spcBef>
+                <a:spcPct val="20000"/>
+              </a:spcBef>
+              <a:spcAft>
+                <a:spcPct val="0"/>
+              </a:spcAft>
+              <a:buFont typeface="Verdana" panose="020B0604030504040204" pitchFamily="34" charset="0"/>
+              <a:buChar char="−"/>
+              <a:defRPr sz="1600">
+                <a:solidFill>
+                  <a:schemeClr val="tx1"/>
+                </a:solidFill>
+                <a:latin typeface="Gill Sans MT" panose="020B0502020104020203" pitchFamily="34" charset="77"/>
+                <a:ea typeface="Arial" panose="020B0604020202020204" pitchFamily="34" charset="0"/>
+                <a:cs typeface="Arial" panose="020B0604020202020204" pitchFamily="34" charset="0"/>
+              </a:defRPr>
+            </a:lvl7pPr>
+            <a:lvl8pPr marL="3429000" indent="-228600" eaLnBrk="0" fontAlgn="base" hangingPunct="0">
+              <a:spcBef>
+                <a:spcPct val="20000"/>
+              </a:spcBef>
+              <a:spcAft>
+                <a:spcPct val="0"/>
+              </a:spcAft>
+              <a:buFont typeface="Verdana" panose="020B0604030504040204" pitchFamily="34" charset="0"/>
+              <a:buChar char="−"/>
+              <a:defRPr sz="1600">
+                <a:solidFill>
+                  <a:schemeClr val="tx1"/>
+                </a:solidFill>
+                <a:latin typeface="Gill Sans MT" panose="020B0502020104020203" pitchFamily="34" charset="77"/>
+                <a:ea typeface="Arial" panose="020B0604020202020204" pitchFamily="34" charset="0"/>
+                <a:cs typeface="Arial" panose="020B0604020202020204" pitchFamily="34" charset="0"/>
+              </a:defRPr>
+            </a:lvl8pPr>
+            <a:lvl9pPr marL="3886200" indent="-228600" eaLnBrk="0" fontAlgn="base" hangingPunct="0">
+              <a:spcBef>
+                <a:spcPct val="20000"/>
+              </a:spcBef>
+              <a:spcAft>
+                <a:spcPct val="0"/>
+              </a:spcAft>
+              <a:buFont typeface="Verdana" panose="020B0604030504040204" pitchFamily="34" charset="0"/>
+              <a:buChar char="−"/>
+              <a:defRPr sz="1600">
+                <a:solidFill>
+                  <a:schemeClr val="tx1"/>
+                </a:solidFill>
+                <a:latin typeface="Gill Sans MT" panose="020B0502020104020203" pitchFamily="34" charset="77"/>
+                <a:ea typeface="Arial" panose="020B0604020202020204" pitchFamily="34" charset="0"/>
+                <a:cs typeface="Arial" panose="020B0604020202020204" pitchFamily="34" charset="0"/>
+              </a:defRPr>
+            </a:lvl9pPr>
+          </a:lstStyle>
+          <a:p>
+            <a:pPr eaLnBrk="1" hangingPunct="1">
+              <a:spcBef>
+                <a:spcPct val="0"/>
+              </a:spcBef>
+              <a:buFontTx/>
+              <a:buNone/>
+            </a:pPr>
+            <a:endParaRPr lang="en-GB" altLang="en-US" sz="1800"/>
+          </a:p>
+        </p:txBody>
+      </p:sp>
+      <p:sp>
+        <p:nvSpPr>
+          <p:cNvPr id="4" name="Rectangle 3">
+            <a:extLst>
+              <a:ext uri="{FF2B5EF4-FFF2-40B4-BE49-F238E27FC236}">
+                <a16:creationId xmlns:a16="http://schemas.microsoft.com/office/drawing/2014/main" id="{5E18BEC9-A3BB-7FCC-2484-4024CA13A7BA}"/>
+              </a:ext>
+            </a:extLst>
+          </p:cNvPr>
+          <p:cNvSpPr/>
+          <p:nvPr/>
+        </p:nvSpPr>
+        <p:spPr>
+          <a:xfrm>
+            <a:off x="10661974" y="6289429"/>
+            <a:ext cx="490746" cy="432048"/>
+          </a:xfrm>
+          <a:prstGeom prst="rect">
+            <a:avLst/>
+          </a:prstGeom>
+          <a:solidFill>
+            <a:schemeClr val="bg1"/>
+          </a:solidFill>
+          <a:ln>
+            <a:noFill/>
+          </a:ln>
+        </p:spPr>
+        <p:style>
+          <a:lnRef idx="2">
+            <a:schemeClr val="accent1">
+              <a:shade val="50000"/>
+            </a:schemeClr>
+          </a:lnRef>
+          <a:fillRef idx="1">
+            <a:schemeClr val="accent1"/>
+          </a:fillRef>
+          <a:effectRef idx="0">
+            <a:schemeClr val="accent1"/>
+          </a:effectRef>
+          <a:fontRef idx="minor">
+            <a:schemeClr val="lt1"/>
+          </a:fontRef>
+        </p:style>
+        <p:txBody>
+          <a:bodyPr rtlCol="0" anchor="ctr"/>
+          <a:lstStyle/>
+          <a:p>
+            <a:pPr algn="ctr"/>
+            <a:endParaRPr lang="en-US"/>
+          </a:p>
+        </p:txBody>
+      </p:sp>
+      <p:sp>
+        <p:nvSpPr>
+          <p:cNvPr id="5" name="Text Box 2">
+            <a:extLst>
+              <a:ext uri="{FF2B5EF4-FFF2-40B4-BE49-F238E27FC236}">
+                <a16:creationId xmlns:a16="http://schemas.microsoft.com/office/drawing/2014/main" id="{0344BBAC-F915-7A78-702C-78BD9E6C1B4E}"/>
               </a:ext>
             </a:extLst>
           </p:cNvPr>
@@ -4652,8 +4871,8 @@
         </p:nvSpPr>
         <p:spPr bwMode="auto">
           <a:xfrm>
-            <a:off x="1043611" y="1345335"/>
-            <a:ext cx="6299729" cy="2144113"/>
+            <a:off x="983432" y="1983780"/>
+            <a:ext cx="8568952" cy="646331"/>
           </a:xfrm>
           <a:prstGeom prst="rect">
             <a:avLst/>
@@ -4683,7 +4902,7 @@
           </a:extLst>
         </p:spPr>
         <p:txBody>
-          <a:bodyPr>
+          <a:bodyPr wrap="square">
             <a:spAutoFit/>
           </a:bodyPr>
           <a:lstStyle>
@@ -4844,83 +5063,22 @@
               <a:buNone/>
             </a:pPr>
             <a:r>
-              <a:rPr lang="en-GB" altLang="en-US" sz="3333" dirty="0">
+              <a:rPr lang="en-GB" sz="3600" dirty="0">
                 <a:solidFill>
                   <a:srgbClr val="003D7D"/>
                 </a:solidFill>
               </a:rPr>
-              <a:t>Machine Learning for Neuroscience </a:t>
-            </a:r>
-          </a:p>
-          <a:p>
-            <a:pPr eaLnBrk="1" hangingPunct="1">
-              <a:spcBef>
-                <a:spcPct val="0"/>
-              </a:spcBef>
-              <a:buFontTx/>
-              <a:buNone/>
-            </a:pPr>
-            <a:endParaRPr lang="en-GB" altLang="en-US" sz="3000" dirty="0">
-              <a:solidFill>
-                <a:srgbClr val="003D7D"/>
-              </a:solidFill>
-            </a:endParaRPr>
-          </a:p>
-          <a:p>
-            <a:pPr eaLnBrk="1" hangingPunct="1">
-              <a:spcBef>
-                <a:spcPct val="0"/>
-              </a:spcBef>
-              <a:buNone/>
-            </a:pPr>
-            <a:r>
-              <a:rPr lang="en-GB" sz="2000" dirty="0">
-                <a:solidFill>
-                  <a:srgbClr val="003D7D"/>
-                </a:solidFill>
-              </a:rPr>
-              <a:t>Regression models and linear prediction</a:t>
-            </a:r>
-          </a:p>
-          <a:p>
-            <a:pPr eaLnBrk="1" hangingPunct="1">
-              <a:spcBef>
-                <a:spcPct val="0"/>
-              </a:spcBef>
-              <a:buFontTx/>
-              <a:buNone/>
-            </a:pPr>
-            <a:r>
-              <a:rPr lang="en-GB" altLang="en-US" sz="2000" dirty="0">
-                <a:solidFill>
-                  <a:srgbClr val="003D7D"/>
-                </a:solidFill>
-              </a:rPr>
-              <a:t> </a:t>
-            </a:r>
-          </a:p>
-          <a:p>
-            <a:pPr eaLnBrk="1" hangingPunct="1">
-              <a:spcBef>
-                <a:spcPct val="0"/>
-              </a:spcBef>
-              <a:buFontTx/>
-              <a:buNone/>
-            </a:pPr>
-            <a:endParaRPr lang="en-GB" altLang="en-US" sz="3000" dirty="0">
-              <a:solidFill>
-                <a:srgbClr val="003D7D"/>
-              </a:solidFill>
-            </a:endParaRPr>
-          </a:p>
-        </p:txBody>
-      </p:sp>
-      <p:sp>
-        <p:nvSpPr>
-          <p:cNvPr id="16387" name="Text Box 4">
-            <a:extLst>
-              <a:ext uri="{FF2B5EF4-FFF2-40B4-BE49-F238E27FC236}">
-                <a16:creationId xmlns:a16="http://schemas.microsoft.com/office/drawing/2014/main" id="{77FCB97C-8E46-1747-89C5-F16122F24E7D}"/>
+              <a:t>Regression Models and Linear Prediction</a:t>
+            </a:r>
+          </a:p>
+        </p:txBody>
+      </p:sp>
+      <p:sp>
+        <p:nvSpPr>
+          <p:cNvPr id="6" name="Text Box 4">
+            <a:extLst>
+              <a:ext uri="{FF2B5EF4-FFF2-40B4-BE49-F238E27FC236}">
+                <a16:creationId xmlns:a16="http://schemas.microsoft.com/office/drawing/2014/main" id="{ECEAC964-9821-90BD-92A5-D1C786EE581C}"/>
               </a:ext>
             </a:extLst>
           </p:cNvPr>
@@ -4931,8 +5089,8 @@
         </p:nvSpPr>
         <p:spPr bwMode="auto">
           <a:xfrm>
-            <a:off x="1103139" y="3611491"/>
-            <a:ext cx="4415896" cy="1220591"/>
+            <a:off x="983432" y="4293096"/>
+            <a:ext cx="9145016" cy="1815882"/>
           </a:xfrm>
           <a:prstGeom prst="rect">
             <a:avLst/>
@@ -4962,7 +5120,7 @@
           </a:extLst>
         </p:spPr>
         <p:txBody>
-          <a:bodyPr>
+          <a:bodyPr wrap="square">
             <a:spAutoFit/>
           </a:bodyPr>
           <a:lstStyle>
@@ -5123,26 +5281,15 @@
               <a:buNone/>
             </a:pPr>
             <a:r>
-              <a:rPr lang="en-GB" altLang="en-US" sz="1333" dirty="0">
+              <a:rPr lang="en-GB" sz="1600" noProof="0" dirty="0">
                 <a:solidFill>
                   <a:srgbClr val="003D7D"/>
                 </a:solidFill>
+                <a:ea typeface="Helvetica Neue" panose="02000503000000020004" pitchFamily="2" charset="0"/>
+                <a:cs typeface="Helvetica Neue" panose="02000503000000020004" pitchFamily="2" charset="0"/>
               </a:rPr>
-              <a:t>Payam </a:t>
-            </a:r>
-            <a:r>
-              <a:rPr lang="en-GB" altLang="en-US" sz="1333" dirty="0" err="1">
-                <a:solidFill>
-                  <a:srgbClr val="003D7D"/>
-                </a:solidFill>
-              </a:rPr>
-              <a:t>Barnaghi</a:t>
-            </a:r>
-            <a:endParaRPr lang="en-GB" altLang="en-US" sz="1333" dirty="0">
-              <a:solidFill>
-                <a:srgbClr val="003D7D"/>
-              </a:solidFill>
-            </a:endParaRPr>
+              <a:t>Payam Barnaghi</a:t>
+            </a:r>
           </a:p>
           <a:p>
             <a:pPr eaLnBrk="1" hangingPunct="1">
@@ -5153,12 +5300,14 @@
               <a:buNone/>
             </a:pPr>
             <a:r>
-              <a:rPr lang="en-GB" altLang="en-US" sz="1333" dirty="0">
+              <a:rPr lang="en-GB" sz="1600" noProof="0" dirty="0">
                 <a:solidFill>
                   <a:srgbClr val="003D7D"/>
                 </a:solidFill>
+                <a:ea typeface="Helvetica Neue" panose="02000503000000020004" pitchFamily="2" charset="0"/>
+                <a:cs typeface="Helvetica Neue" panose="02000503000000020004" pitchFamily="2" charset="0"/>
               </a:rPr>
-              <a:t>Department of Brain Sciences</a:t>
+              <a:t>Department of Brain Sciences &amp;</a:t>
             </a:r>
           </a:p>
           <a:p>
@@ -5170,12 +5319,14 @@
               <a:buNone/>
             </a:pPr>
             <a:r>
-              <a:rPr lang="en-GB" altLang="en-US" sz="1333" dirty="0">
+              <a:rPr lang="en-GB" sz="1600" noProof="0" dirty="0">
                 <a:solidFill>
                   <a:srgbClr val="003D7D"/>
                 </a:solidFill>
+                <a:ea typeface="Helvetica Neue" panose="02000503000000020004" pitchFamily="2" charset="0"/>
+                <a:cs typeface="Helvetica Neue" panose="02000503000000020004" pitchFamily="2" charset="0"/>
               </a:rPr>
-              <a:t>Imperial College London  </a:t>
+              <a:t>School of Convergence Science in Human and Artificial Intelligence</a:t>
             </a:r>
           </a:p>
           <a:p>
@@ -5187,272 +5338,71 @@
               <a:buNone/>
             </a:pPr>
             <a:r>
-              <a:rPr lang="en-GB" altLang="en-US" sz="1333" dirty="0">
+              <a:rPr lang="en-GB" sz="1600" noProof="0" dirty="0">
+                <a:solidFill>
+                  <a:srgbClr val="003D7D"/>
+                </a:solidFill>
+                <a:ea typeface="Helvetica Neue" panose="02000503000000020004" pitchFamily="2" charset="0"/>
+                <a:cs typeface="Helvetica Neue" panose="02000503000000020004" pitchFamily="2" charset="0"/>
+              </a:rPr>
+              <a:t>Imperial College London  </a:t>
+            </a:r>
+          </a:p>
+          <a:p>
+            <a:pPr eaLnBrk="1" hangingPunct="1">
+              <a:spcBef>
+                <a:spcPct val="50000"/>
+              </a:spcBef>
+              <a:buFontTx/>
+              <a:buNone/>
+            </a:pPr>
+            <a:r>
+              <a:rPr lang="en-GB" sz="1600" noProof="0" dirty="0">
                 <a:solidFill>
                   <a:srgbClr val="003D7D"/>
                 </a:solidFill>
               </a:rPr>
-              <a:t>January 2024</a:t>
-            </a:r>
-          </a:p>
-        </p:txBody>
-      </p:sp>
-      <p:sp>
-        <p:nvSpPr>
-          <p:cNvPr id="16388" name="Rectangle 8">
-            <a:extLst>
-              <a:ext uri="{FF2B5EF4-FFF2-40B4-BE49-F238E27FC236}">
-                <a16:creationId xmlns:a16="http://schemas.microsoft.com/office/drawing/2014/main" id="{668D6855-F81A-A24F-918B-A2C47560C262}"/>
-              </a:ext>
-            </a:extLst>
-          </p:cNvPr>
-          <p:cNvSpPr>
-            <a:spLocks noChangeArrowheads="1"/>
-          </p:cNvSpPr>
+              <a:t>January 2025</a:t>
+            </a:r>
+          </a:p>
+        </p:txBody>
+      </p:sp>
+      <p:pic>
+        <p:nvPicPr>
+          <p:cNvPr id="2" name="Picture 1" descr="A colorful letters and numbers&#10;&#10;Description automatically generated">
+            <a:extLst>
+              <a:ext uri="{FF2B5EF4-FFF2-40B4-BE49-F238E27FC236}">
+                <a16:creationId xmlns:a16="http://schemas.microsoft.com/office/drawing/2014/main" id="{5CC0224B-8E13-A77C-D78F-3DF85D3A8674}"/>
+              </a:ext>
+            </a:extLst>
+          </p:cNvPr>
+          <p:cNvPicPr>
+            <a:picLocks noChangeAspect="1"/>
+          </p:cNvPicPr>
           <p:nvPr/>
-        </p:nvSpPr>
-        <p:spPr bwMode="auto">
+        </p:nvPicPr>
+        <p:blipFill>
+          <a:blip r:embed="rId3">
+            <a:extLst>
+              <a:ext uri="{28A0092B-C50C-407E-A947-70E740481C1C}">
+                <a14:useLocalDpi xmlns:a14="http://schemas.microsoft.com/office/drawing/2010/main" val="0"/>
+              </a:ext>
+            </a:extLst>
+          </a:blip>
+          <a:stretch>
+            <a:fillRect/>
+          </a:stretch>
+        </p:blipFill>
+        <p:spPr>
           <a:xfrm>
-            <a:off x="7752294" y="5197741"/>
-            <a:ext cx="298979" cy="361156"/>
+            <a:off x="9696400" y="836712"/>
+            <a:ext cx="2253532" cy="1147068"/>
           </a:xfrm>
           <a:prstGeom prst="rect">
             <a:avLst/>
           </a:prstGeom>
-          <a:solidFill>
-            <a:schemeClr val="bg1"/>
-          </a:solidFill>
-          <a:ln>
-            <a:noFill/>
-          </a:ln>
-          <a:extLst>
-            <a:ext uri="{91240B29-F687-4F45-9708-019B960494DF}">
-              <a14:hiddenLine xmlns:a14="http://schemas.microsoft.com/office/drawing/2010/main" w="9525">
-                <a:solidFill>
-                  <a:srgbClr val="000000"/>
-                </a:solidFill>
-                <a:miter lim="800000"/>
-                <a:headEnd/>
-                <a:tailEnd/>
-              </a14:hiddenLine>
-            </a:ext>
-          </a:extLst>
         </p:spPr>
-        <p:txBody>
-          <a:bodyPr wrap="none" anchor="ctr"/>
-          <a:lstStyle>
-            <a:lvl1pPr>
-              <a:spcBef>
-                <a:spcPct val="20000"/>
-              </a:spcBef>
-              <a:buFont typeface="Verdana" panose="020B0604030504040204" pitchFamily="34" charset="0"/>
-              <a:buChar char="−"/>
-              <a:defRPr sz="2400">
-                <a:solidFill>
-                  <a:schemeClr val="tx1"/>
-                </a:solidFill>
-                <a:latin typeface="Gill Sans MT" panose="020B0502020104020203" pitchFamily="34" charset="77"/>
-                <a:ea typeface="ＭＳ Ｐゴシック" panose="020B0600070205080204" pitchFamily="34" charset="-128"/>
-                <a:cs typeface="Arial" panose="020B0604020202020204" pitchFamily="34" charset="0"/>
-              </a:defRPr>
-            </a:lvl1pPr>
-            <a:lvl2pPr marL="742950" indent="-285750">
-              <a:spcBef>
-                <a:spcPct val="20000"/>
-              </a:spcBef>
-              <a:buFont typeface="Verdana" panose="020B0604030504040204" pitchFamily="34" charset="0"/>
-              <a:buChar char="−"/>
-              <a:defRPr sz="2000">
-                <a:solidFill>
-                  <a:schemeClr val="tx1"/>
-                </a:solidFill>
-                <a:latin typeface="Gill Sans MT" panose="020B0502020104020203" pitchFamily="34" charset="77"/>
-                <a:ea typeface="Arial" panose="020B0604020202020204" pitchFamily="34" charset="0"/>
-                <a:cs typeface="Arial" panose="020B0604020202020204" pitchFamily="34" charset="0"/>
-              </a:defRPr>
-            </a:lvl2pPr>
-            <a:lvl3pPr marL="1143000" indent="-228600">
-              <a:spcBef>
-                <a:spcPct val="20000"/>
-              </a:spcBef>
-              <a:buFont typeface="Verdana" panose="020B0604030504040204" pitchFamily="34" charset="0"/>
-              <a:buChar char="−"/>
-              <a:defRPr>
-                <a:solidFill>
-                  <a:schemeClr val="tx1"/>
-                </a:solidFill>
-                <a:latin typeface="Gill Sans MT" panose="020B0502020104020203" pitchFamily="34" charset="77"/>
-                <a:ea typeface="Arial" panose="020B0604020202020204" pitchFamily="34" charset="0"/>
-                <a:cs typeface="Arial" panose="020B0604020202020204" pitchFamily="34" charset="0"/>
-              </a:defRPr>
-            </a:lvl3pPr>
-            <a:lvl4pPr marL="1600200" indent="-228600">
-              <a:spcBef>
-                <a:spcPct val="20000"/>
-              </a:spcBef>
-              <a:buFont typeface="Verdana" panose="020B0604030504040204" pitchFamily="34" charset="0"/>
-              <a:buChar char="−"/>
-              <a:defRPr sz="1600">
-                <a:solidFill>
-                  <a:schemeClr val="tx1"/>
-                </a:solidFill>
-                <a:latin typeface="Gill Sans MT" panose="020B0502020104020203" pitchFamily="34" charset="77"/>
-                <a:ea typeface="Arial" panose="020B0604020202020204" pitchFamily="34" charset="0"/>
-                <a:cs typeface="Arial" panose="020B0604020202020204" pitchFamily="34" charset="0"/>
-              </a:defRPr>
-            </a:lvl4pPr>
-            <a:lvl5pPr marL="2057400" indent="-228600">
-              <a:spcBef>
-                <a:spcPct val="20000"/>
-              </a:spcBef>
-              <a:buFont typeface="Verdana" panose="020B0604030504040204" pitchFamily="34" charset="0"/>
-              <a:buChar char="−"/>
-              <a:defRPr sz="1600">
-                <a:solidFill>
-                  <a:schemeClr val="tx1"/>
-                </a:solidFill>
-                <a:latin typeface="Gill Sans MT" panose="020B0502020104020203" pitchFamily="34" charset="77"/>
-                <a:ea typeface="Arial" panose="020B0604020202020204" pitchFamily="34" charset="0"/>
-                <a:cs typeface="Arial" panose="020B0604020202020204" pitchFamily="34" charset="0"/>
-              </a:defRPr>
-            </a:lvl5pPr>
-            <a:lvl6pPr marL="2514600" indent="-228600" eaLnBrk="0" fontAlgn="base" hangingPunct="0">
-              <a:spcBef>
-                <a:spcPct val="20000"/>
-              </a:spcBef>
-              <a:spcAft>
-                <a:spcPct val="0"/>
-              </a:spcAft>
-              <a:buFont typeface="Verdana" panose="020B0604030504040204" pitchFamily="34" charset="0"/>
-              <a:buChar char="−"/>
-              <a:defRPr sz="1600">
-                <a:solidFill>
-                  <a:schemeClr val="tx1"/>
-                </a:solidFill>
-                <a:latin typeface="Gill Sans MT" panose="020B0502020104020203" pitchFamily="34" charset="77"/>
-                <a:ea typeface="Arial" panose="020B0604020202020204" pitchFamily="34" charset="0"/>
-                <a:cs typeface="Arial" panose="020B0604020202020204" pitchFamily="34" charset="0"/>
-              </a:defRPr>
-            </a:lvl6pPr>
-            <a:lvl7pPr marL="2971800" indent="-228600" eaLnBrk="0" fontAlgn="base" hangingPunct="0">
-              <a:spcBef>
-                <a:spcPct val="20000"/>
-              </a:spcBef>
-              <a:spcAft>
-                <a:spcPct val="0"/>
-              </a:spcAft>
-              <a:buFont typeface="Verdana" panose="020B0604030504040204" pitchFamily="34" charset="0"/>
-              <a:buChar char="−"/>
-              <a:defRPr sz="1600">
-                <a:solidFill>
-                  <a:schemeClr val="tx1"/>
-                </a:solidFill>
-                <a:latin typeface="Gill Sans MT" panose="020B0502020104020203" pitchFamily="34" charset="77"/>
-                <a:ea typeface="Arial" panose="020B0604020202020204" pitchFamily="34" charset="0"/>
-                <a:cs typeface="Arial" panose="020B0604020202020204" pitchFamily="34" charset="0"/>
-              </a:defRPr>
-            </a:lvl7pPr>
-            <a:lvl8pPr marL="3429000" indent="-228600" eaLnBrk="0" fontAlgn="base" hangingPunct="0">
-              <a:spcBef>
-                <a:spcPct val="20000"/>
-              </a:spcBef>
-              <a:spcAft>
-                <a:spcPct val="0"/>
-              </a:spcAft>
-              <a:buFont typeface="Verdana" panose="020B0604030504040204" pitchFamily="34" charset="0"/>
-              <a:buChar char="−"/>
-              <a:defRPr sz="1600">
-                <a:solidFill>
-                  <a:schemeClr val="tx1"/>
-                </a:solidFill>
-                <a:latin typeface="Gill Sans MT" panose="020B0502020104020203" pitchFamily="34" charset="77"/>
-                <a:ea typeface="Arial" panose="020B0604020202020204" pitchFamily="34" charset="0"/>
-                <a:cs typeface="Arial" panose="020B0604020202020204" pitchFamily="34" charset="0"/>
-              </a:defRPr>
-            </a:lvl8pPr>
-            <a:lvl9pPr marL="3886200" indent="-228600" eaLnBrk="0" fontAlgn="base" hangingPunct="0">
-              <a:spcBef>
-                <a:spcPct val="20000"/>
-              </a:spcBef>
-              <a:spcAft>
-                <a:spcPct val="0"/>
-              </a:spcAft>
-              <a:buFont typeface="Verdana" panose="020B0604030504040204" pitchFamily="34" charset="0"/>
-              <a:buChar char="−"/>
-              <a:defRPr sz="1600">
-                <a:solidFill>
-                  <a:schemeClr val="tx1"/>
-                </a:solidFill>
-                <a:latin typeface="Gill Sans MT" panose="020B0502020104020203" pitchFamily="34" charset="77"/>
-                <a:ea typeface="Arial" panose="020B0604020202020204" pitchFamily="34" charset="0"/>
-                <a:cs typeface="Arial" panose="020B0604020202020204" pitchFamily="34" charset="0"/>
-              </a:defRPr>
-            </a:lvl9pPr>
-          </a:lstStyle>
-          <a:p>
-            <a:pPr eaLnBrk="1" hangingPunct="1">
-              <a:spcBef>
-                <a:spcPct val="0"/>
-              </a:spcBef>
-              <a:buFontTx/>
-              <a:buNone/>
-            </a:pPr>
-            <a:endParaRPr lang="en-GB" altLang="en-US" sz="1500"/>
-          </a:p>
-        </p:txBody>
-      </p:sp>
-      <p:sp>
-        <p:nvSpPr>
-          <p:cNvPr id="4" name="Rectangle 3">
-            <a:extLst>
-              <a:ext uri="{FF2B5EF4-FFF2-40B4-BE49-F238E27FC236}">
-                <a16:creationId xmlns:a16="http://schemas.microsoft.com/office/drawing/2014/main" id="{5E18BEC9-A3BB-7FCC-2484-4024CA13A7BA}"/>
-              </a:ext>
-            </a:extLst>
-          </p:cNvPr>
-          <p:cNvSpPr/>
-          <p:nvPr/>
-        </p:nvSpPr>
-        <p:spPr>
-          <a:xfrm>
-            <a:off x="8376978" y="5241191"/>
-            <a:ext cx="408955" cy="360040"/>
-          </a:xfrm>
-          <a:prstGeom prst="rect">
-            <a:avLst/>
-          </a:prstGeom>
-          <a:solidFill>
-            <a:schemeClr val="bg1"/>
-          </a:solidFill>
-          <a:ln>
-            <a:noFill/>
-          </a:ln>
-        </p:spPr>
-        <p:style>
-          <a:lnRef idx="2">
-            <a:schemeClr val="accent1">
-              <a:shade val="50000"/>
-            </a:schemeClr>
-          </a:lnRef>
-          <a:fillRef idx="1">
-            <a:schemeClr val="accent1"/>
-          </a:fillRef>
-          <a:effectRef idx="0">
-            <a:schemeClr val="accent1"/>
-          </a:effectRef>
-          <a:fontRef idx="minor">
-            <a:schemeClr val="lt1"/>
-          </a:fontRef>
-        </p:style>
-        <p:txBody>
-          <a:bodyPr rtlCol="0" anchor="ctr"/>
-          <a:lstStyle/>
-          <a:p>
-            <a:pPr algn="ctr"/>
-            <a:endParaRPr lang="en-US"/>
-          </a:p>
-        </p:txBody>
-      </p:sp>
+      </p:pic>
     </p:spTree>
   </p:cSld>
   <p:clrMapOvr>
@@ -6120,8 +6070,8 @@
         </p:blipFill>
         <p:spPr>
           <a:xfrm>
-            <a:off x="2555776" y="1324272"/>
-            <a:ext cx="3382896" cy="2549429"/>
+            <a:off x="3676531" y="1589127"/>
+            <a:ext cx="4059475" cy="3059315"/>
           </a:xfrm>
           <a:prstGeom prst="rect">
             <a:avLst/>
@@ -6150,8 +6100,8 @@
         </p:blipFill>
         <p:spPr>
           <a:xfrm>
-            <a:off x="928967" y="4585695"/>
-            <a:ext cx="4357887" cy="190103"/>
+            <a:off x="1732331" y="5121553"/>
+            <a:ext cx="5229464" cy="228124"/>
           </a:xfrm>
           <a:prstGeom prst="rect">
             <a:avLst/>
@@ -6180,14 +6130,85 @@
         </p:blipFill>
         <p:spPr>
           <a:xfrm>
-            <a:off x="961487" y="5057430"/>
-            <a:ext cx="5069284" cy="246659"/>
+            <a:off x="1771354" y="5687636"/>
+            <a:ext cx="6083141" cy="295991"/>
           </a:xfrm>
           <a:prstGeom prst="rect">
             <a:avLst/>
           </a:prstGeom>
         </p:spPr>
       </p:pic>
+      <p:sp>
+        <p:nvSpPr>
+          <p:cNvPr id="7" name="TextBox 6">
+            <a:extLst>
+              <a:ext uri="{FF2B5EF4-FFF2-40B4-BE49-F238E27FC236}">
+                <a16:creationId xmlns:a16="http://schemas.microsoft.com/office/drawing/2014/main" id="{FDA34614-170E-1F34-59F5-79B927F74429}"/>
+              </a:ext>
+            </a:extLst>
+          </p:cNvPr>
+          <p:cNvSpPr txBox="1"/>
+          <p:nvPr/>
+        </p:nvSpPr>
+        <p:spPr>
+          <a:xfrm>
+            <a:off x="467283" y="6554079"/>
+            <a:ext cx="6494512" cy="246221"/>
+          </a:xfrm>
+          <a:prstGeom prst="rect">
+            <a:avLst/>
+          </a:prstGeom>
+          <a:noFill/>
+        </p:spPr>
+        <p:txBody>
+          <a:bodyPr wrap="square">
+            <a:spAutoFit/>
+          </a:bodyPr>
+          <a:lstStyle/>
+          <a:p>
+            <a:pPr lvl="1"/>
+            <a:r>
+              <a:rPr lang="en-GB" sz="1000" dirty="0">
+                <a:latin typeface="Gill Sans MT" panose="020B0502020104020203" pitchFamily="34" charset="77"/>
+              </a:rPr>
+              <a:t>Source: : </a:t>
+            </a:r>
+            <a:r>
+              <a:rPr lang="en-GB" sz="1000" dirty="0" err="1">
+                <a:latin typeface="Gill Sans MT" panose="020B0502020104020203" pitchFamily="34" charset="77"/>
+              </a:rPr>
+              <a:t>Tibshirani</a:t>
+            </a:r>
+            <a:r>
+              <a:rPr lang="en-GB" sz="1000" dirty="0">
+                <a:latin typeface="Gill Sans MT" panose="020B0502020104020203" pitchFamily="34" charset="77"/>
+              </a:rPr>
+              <a:t> </a:t>
+            </a:r>
+            <a:r>
+              <a:rPr lang="en-GB" sz="1000" i="1" dirty="0">
+                <a:latin typeface="Gill Sans MT" panose="020B0502020104020203" pitchFamily="34" charset="77"/>
+              </a:rPr>
+              <a:t>et al.,</a:t>
+            </a:r>
+            <a:r>
+              <a:rPr lang="en-GB" sz="1000" dirty="0">
+                <a:latin typeface="Gill Sans MT" panose="020B0502020104020203" pitchFamily="34" charset="77"/>
+              </a:rPr>
+              <a:t> An introduction to statistical learning, Springer,: https://</a:t>
+            </a:r>
+            <a:r>
+              <a:rPr lang="en-GB" sz="1000" dirty="0" err="1">
+                <a:latin typeface="Gill Sans MT" panose="020B0502020104020203" pitchFamily="34" charset="77"/>
+              </a:rPr>
+              <a:t>www.statlearning.com</a:t>
+            </a:r>
+            <a:endParaRPr lang="en-GB" sz="1000" dirty="0">
+              <a:latin typeface="Gill Sans MT" panose="020B0502020104020203" pitchFamily="34" charset="77"/>
+            </a:endParaRPr>
+          </a:p>
+        </p:txBody>
+      </p:sp>
     </p:spTree>
     <p:extLst>
       <p:ext uri="{BB962C8B-B14F-4D97-AF65-F5344CB8AC3E}">
@@ -6282,7 +6303,7 @@
                         <m:accPr>
                           <m:chr m:val="̂"/>
                           <m:ctrlPr>
-                            <a:rPr lang="en-US" sz="1800" i="1">
+                            <a:rPr lang="en-US" sz="2160" i="1">
                               <a:latin typeface="Cambria Math" panose="02040503050406030204" pitchFamily="18" charset="0"/>
                             </a:rPr>
                           </m:ctrlPr>
@@ -6291,14 +6312,14 @@
                           <m:sSub>
                             <m:sSubPr>
                               <m:ctrlPr>
-                                <a:rPr lang="en-US" sz="1800" i="1">
+                                <a:rPr lang="en-US" sz="2160" i="1">
                                   <a:latin typeface="Cambria Math" panose="02040503050406030204" pitchFamily="18" charset="0"/>
                                 </a:rPr>
                               </m:ctrlPr>
                             </m:sSubPr>
                             <m:e>
                               <m:r>
-                                <a:rPr lang="en-GB" sz="1800" i="1">
+                                <a:rPr lang="en-GB" sz="2160" i="1">
                                   <a:latin typeface="Cambria Math" panose="02040503050406030204" pitchFamily="18" charset="0"/>
                                 </a:rPr>
                                 <m:t>𝑦</m:t>
@@ -6306,7 +6327,7 @@
                             </m:e>
                             <m:sub>
                               <m:r>
-                                <a:rPr lang="en-GB" sz="1800" i="1">
+                                <a:rPr lang="en-GB" sz="2160" i="1">
                                   <a:latin typeface="Cambria Math" panose="02040503050406030204" pitchFamily="18" charset="0"/>
                                 </a:rPr>
                                 <m:t>𝑖</m:t>
@@ -6316,7 +6337,7 @@
                         </m:e>
                       </m:acc>
                       <m:r>
-                        <a:rPr lang="en-GB" sz="1800" i="1">
+                        <a:rPr lang="en-GB" sz="2160" i="1">
                           <a:latin typeface="Cambria Math" panose="02040503050406030204" pitchFamily="18" charset="0"/>
                         </a:rPr>
                         <m:t>= </m:t>
@@ -6325,7 +6346,7 @@
                         <m:accPr>
                           <m:chr m:val="̂"/>
                           <m:ctrlPr>
-                            <a:rPr lang="en-GB" sz="1800" i="1">
+                            <a:rPr lang="en-GB" sz="2160" i="1">
                               <a:latin typeface="Cambria Math" panose="02040503050406030204" pitchFamily="18" charset="0"/>
                             </a:rPr>
                           </m:ctrlPr>
@@ -6334,14 +6355,14 @@
                           <m:sSub>
                             <m:sSubPr>
                               <m:ctrlPr>
-                                <a:rPr lang="en-GB" sz="1800" i="1">
+                                <a:rPr lang="en-GB" sz="2160" i="1">
                                   <a:latin typeface="Cambria Math" panose="02040503050406030204" pitchFamily="18" charset="0"/>
                                 </a:rPr>
                               </m:ctrlPr>
                             </m:sSubPr>
                             <m:e>
                               <m:r>
-                                <a:rPr lang="en-GB" sz="1800" i="1">
+                                <a:rPr lang="en-GB" sz="2160" i="1">
                                   <a:latin typeface="Cambria Math" panose="02040503050406030204" pitchFamily="18" charset="0"/>
                                   <a:ea typeface="Cambria Math" panose="02040503050406030204" pitchFamily="18" charset="0"/>
                                 </a:rPr>
@@ -6350,7 +6371,7 @@
                             </m:e>
                             <m:sub>
                               <m:r>
-                                <a:rPr lang="en-GB" sz="1800" i="1">
+                                <a:rPr lang="en-GB" sz="2160" i="1">
                                   <a:latin typeface="Cambria Math" panose="02040503050406030204" pitchFamily="18" charset="0"/>
                                 </a:rPr>
                                 <m:t>0</m:t>
@@ -6360,7 +6381,7 @@
                         </m:e>
                       </m:acc>
                       <m:r>
-                        <a:rPr lang="en-GB" sz="1800" i="1">
+                        <a:rPr lang="en-GB" sz="2160" i="1">
                           <a:latin typeface="Cambria Math" panose="02040503050406030204" pitchFamily="18" charset="0"/>
                         </a:rPr>
                         <m:t>+  </m:t>
@@ -6369,7 +6390,7 @@
                         <m:accPr>
                           <m:chr m:val="̂"/>
                           <m:ctrlPr>
-                            <a:rPr lang="en-GB" sz="1800" i="1">
+                            <a:rPr lang="en-GB" sz="2160" i="1">
                               <a:latin typeface="Cambria Math" panose="02040503050406030204" pitchFamily="18" charset="0"/>
                             </a:rPr>
                           </m:ctrlPr>
@@ -6378,14 +6399,14 @@
                           <m:sSub>
                             <m:sSubPr>
                               <m:ctrlPr>
-                                <a:rPr lang="en-GB" sz="1800" i="1">
+                                <a:rPr lang="en-GB" sz="2160" i="1">
                                   <a:latin typeface="Cambria Math" panose="02040503050406030204" pitchFamily="18" charset="0"/>
                                 </a:rPr>
                               </m:ctrlPr>
                             </m:sSubPr>
                             <m:e>
                               <m:r>
-                                <a:rPr lang="en-GB" sz="1800" i="1">
+                                <a:rPr lang="en-GB" sz="2160" i="1">
                                   <a:latin typeface="Cambria Math" panose="02040503050406030204" pitchFamily="18" charset="0"/>
                                   <a:ea typeface="Cambria Math" panose="02040503050406030204" pitchFamily="18" charset="0"/>
                                 </a:rPr>
@@ -6394,7 +6415,7 @@
                             </m:e>
                             <m:sub>
                               <m:r>
-                                <a:rPr lang="en-GB" sz="1800" i="1">
+                                <a:rPr lang="en-GB" sz="2160" i="1">
                                   <a:latin typeface="Cambria Math" panose="02040503050406030204" pitchFamily="18" charset="0"/>
                                 </a:rPr>
                                 <m:t>1</m:t>
@@ -6402,7 +6423,7 @@
                             </m:sub>
                           </m:sSub>
                           <m:r>
-                            <a:rPr lang="en-GB" sz="1800" i="1">
+                            <a:rPr lang="en-GB" sz="2160" i="1">
                               <a:latin typeface="Cambria Math" panose="02040503050406030204" pitchFamily="18" charset="0"/>
                             </a:rPr>
                             <m:t> </m:t>
@@ -6412,14 +6433,14 @@
                       <m:sSub>
                         <m:sSubPr>
                           <m:ctrlPr>
-                            <a:rPr lang="en-US" sz="1800" i="1">
+                            <a:rPr lang="en-US" sz="2160" i="1">
                               <a:latin typeface="Cambria Math" panose="02040503050406030204" pitchFamily="18" charset="0"/>
                             </a:rPr>
                           </m:ctrlPr>
                         </m:sSubPr>
                         <m:e>
                           <m:r>
-                            <a:rPr lang="en-GB" sz="1800" i="1">
+                            <a:rPr lang="en-GB" sz="2160" i="1">
                               <a:latin typeface="Cambria Math" panose="02040503050406030204" pitchFamily="18" charset="0"/>
                             </a:rPr>
                             <m:t>𝑥</m:t>
@@ -6427,7 +6448,7 @@
                         </m:e>
                         <m:sub>
                           <m:r>
-                            <a:rPr lang="en-GB" sz="1800" i="1">
+                            <a:rPr lang="en-GB" sz="2160" i="1">
                               <a:latin typeface="Cambria Math" panose="02040503050406030204" pitchFamily="18" charset="0"/>
                             </a:rPr>
                             <m:t>𝑖</m:t>
@@ -6437,7 +6458,7 @@
                     </m:oMath>
                   </m:oMathPara>
                 </a14:m>
-                <a:endParaRPr lang="en-GB" sz="1800" dirty="0">
+                <a:endParaRPr lang="en-GB" sz="2160" dirty="0">
                   <a:solidFill>
                     <a:srgbClr val="3333B2"/>
                   </a:solidFill>
@@ -6453,14 +6474,14 @@
                     <m:sSub>
                       <m:sSubPr>
                         <m:ctrlPr>
-                          <a:rPr lang="en-US" sz="1800" i="1">
+                          <a:rPr lang="en-US" sz="2160" i="1">
                             <a:latin typeface="Cambria Math" panose="02040503050406030204" pitchFamily="18" charset="0"/>
                           </a:rPr>
                         </m:ctrlPr>
                       </m:sSubPr>
                       <m:e>
                         <m:r>
-                          <a:rPr lang="en-GB" sz="1800" i="1">
+                          <a:rPr lang="en-GB" sz="2160" i="1">
                             <a:latin typeface="Cambria Math" panose="02040503050406030204" pitchFamily="18" charset="0"/>
                           </a:rPr>
                           <m:t>𝑒</m:t>
@@ -6468,7 +6489,7 @@
                       </m:e>
                       <m:sub>
                         <m:r>
-                          <a:rPr lang="en-GB" sz="1800" i="1">
+                          <a:rPr lang="en-GB" sz="2160" i="1">
                             <a:latin typeface="Cambria Math" panose="02040503050406030204" pitchFamily="18" charset="0"/>
                           </a:rPr>
                           <m:t>𝑖</m:t>
@@ -6478,7 +6499,7 @@
                   </m:oMath>
                 </a14:m>
                 <a:r>
-                  <a:rPr lang="en-US" sz="1800" dirty="0"/>
+                  <a:rPr lang="en-US" sz="2160" dirty="0"/>
                   <a:t> = </a:t>
                 </a:r>
                 <a14:m>
@@ -6486,14 +6507,14 @@
                     <m:sSub>
                       <m:sSubPr>
                         <m:ctrlPr>
-                          <a:rPr lang="en-US" sz="1800" i="1">
+                          <a:rPr lang="en-US" sz="2160" i="1">
                             <a:latin typeface="Cambria Math" panose="02040503050406030204" pitchFamily="18" charset="0"/>
                           </a:rPr>
                         </m:ctrlPr>
                       </m:sSubPr>
                       <m:e>
                         <m:r>
-                          <a:rPr lang="en-GB" sz="1800" i="1">
+                          <a:rPr lang="en-GB" sz="2160" i="1">
                             <a:latin typeface="Cambria Math" panose="02040503050406030204" pitchFamily="18" charset="0"/>
                           </a:rPr>
                           <m:t>𝑦</m:t>
@@ -6501,7 +6522,7 @@
                       </m:e>
                       <m:sub>
                         <m:r>
-                          <a:rPr lang="en-GB" sz="1800" i="1">
+                          <a:rPr lang="en-GB" sz="2160" i="1">
                             <a:latin typeface="Cambria Math" panose="02040503050406030204" pitchFamily="18" charset="0"/>
                           </a:rPr>
                           <m:t>𝑖</m:t>
@@ -6511,7 +6532,7 @@
                   </m:oMath>
                 </a14:m>
                 <a:r>
-                  <a:rPr lang="en-US" sz="1800" dirty="0"/>
+                  <a:rPr lang="en-US" sz="2160" dirty="0"/>
                   <a:t> - </a:t>
                 </a:r>
                 <a14:m>
@@ -6520,7 +6541,7 @@
                       <m:accPr>
                         <m:chr m:val="̂"/>
                         <m:ctrlPr>
-                          <a:rPr lang="en-US" sz="1800" i="1">
+                          <a:rPr lang="en-US" sz="2160" i="1">
                             <a:latin typeface="Cambria Math" panose="02040503050406030204" pitchFamily="18" charset="0"/>
                           </a:rPr>
                         </m:ctrlPr>
@@ -6529,14 +6550,14 @@
                         <m:sSub>
                           <m:sSubPr>
                             <m:ctrlPr>
-                              <a:rPr lang="en-US" sz="1800" i="1">
+                              <a:rPr lang="en-US" sz="2160" i="1">
                                 <a:latin typeface="Cambria Math" panose="02040503050406030204" pitchFamily="18" charset="0"/>
                               </a:rPr>
                             </m:ctrlPr>
                           </m:sSubPr>
                           <m:e>
                             <m:r>
-                              <a:rPr lang="en-GB" sz="1800" i="1">
+                              <a:rPr lang="en-GB" sz="2160" i="1">
                                 <a:latin typeface="Cambria Math" panose="02040503050406030204" pitchFamily="18" charset="0"/>
                               </a:rPr>
                               <m:t>𝑦</m:t>
@@ -6544,7 +6565,7 @@
                           </m:e>
                           <m:sub>
                             <m:r>
-                              <a:rPr lang="en-GB" sz="1800" i="1">
+                              <a:rPr lang="en-GB" sz="2160" i="1">
                                 <a:latin typeface="Cambria Math" panose="02040503050406030204" pitchFamily="18" charset="0"/>
                               </a:rPr>
                               <m:t>𝑖</m:t>
@@ -6555,7 +6576,7 @@
                     </m:acc>
                   </m:oMath>
                 </a14:m>
-                <a:endParaRPr lang="en-GB" sz="1800" dirty="0">
+                <a:endParaRPr lang="en-GB" sz="2160" dirty="0">
                   <a:solidFill>
                     <a:srgbClr val="3333B2"/>
                   </a:solidFill>
@@ -6563,7 +6584,7 @@
                 </a:endParaRPr>
               </a:p>
               <a:p>
-                <a:endParaRPr lang="en-GB" sz="1800" dirty="0">
+                <a:endParaRPr lang="en-GB" sz="2160" dirty="0">
                   <a:solidFill>
                     <a:srgbClr val="3333B2"/>
                   </a:solidFill>
@@ -6572,7 +6593,7 @@
               </a:p>
               <a:p>
                 <a:r>
-                  <a:rPr lang="en-GB" sz="1800" dirty="0">
+                  <a:rPr lang="en-GB" sz="2160" dirty="0">
                     <a:solidFill>
                       <a:srgbClr val="3333B2"/>
                     </a:solidFill>
@@ -6581,7 +6602,7 @@
                   <a:t>The </a:t>
                 </a:r>
                 <a:r>
-                  <a:rPr lang="en-GB" sz="1800" dirty="0">
+                  <a:rPr lang="en-GB" sz="2160" dirty="0">
                     <a:solidFill>
                       <a:srgbClr val="009900"/>
                     </a:solidFill>
@@ -6590,7 +6611,7 @@
                   <a:t>residual sum of squares </a:t>
                 </a:r>
                 <a:r>
-                  <a:rPr lang="en-GB" sz="1800" dirty="0">
+                  <a:rPr lang="en-GB" sz="2160" dirty="0">
                     <a:solidFill>
                       <a:srgbClr val="3333B2"/>
                     </a:solidFill>
@@ -6600,7 +6621,7 @@
                 </a:r>
               </a:p>
               <a:p>
-                <a:endParaRPr lang="en-GB" sz="1800" dirty="0">
+                <a:endParaRPr lang="en-GB" sz="2160" dirty="0">
                   <a:solidFill>
                     <a:srgbClr val="3333B2"/>
                   </a:solidFill>
@@ -6614,7 +6635,7 @@
                 <a14:m>
                   <m:oMath xmlns:m="http://schemas.openxmlformats.org/officeDocument/2006/math">
                     <m:r>
-                      <a:rPr lang="en-GB" sz="1800" i="1">
+                      <a:rPr lang="en-GB" sz="2160" i="1">
                         <a:solidFill>
                           <a:srgbClr val="3333B2"/>
                         </a:solidFill>
@@ -6623,7 +6644,7 @@
                       <m:t>𝑅𝑆𝑆</m:t>
                     </m:r>
                     <m:r>
-                      <a:rPr lang="en-GB" sz="1800" i="1">
+                      <a:rPr lang="en-GB" sz="2160" i="1">
                         <a:solidFill>
                           <a:srgbClr val="3333B2"/>
                         </a:solidFill>
@@ -6634,7 +6655,7 @@
                     <m:sSubSup>
                       <m:sSubSupPr>
                         <m:ctrlPr>
-                          <a:rPr lang="en-GB" sz="1800" i="1">
+                          <a:rPr lang="en-GB" sz="2160" i="1">
                             <a:solidFill>
                               <a:srgbClr val="3333B2"/>
                             </a:solidFill>
@@ -6644,7 +6665,7 @@
                       </m:sSubSupPr>
                       <m:e>
                         <m:r>
-                          <a:rPr lang="en-GB" sz="1800" i="1">
+                          <a:rPr lang="en-GB" sz="2160" i="1">
                             <a:solidFill>
                               <a:srgbClr val="3333B2"/>
                             </a:solidFill>
@@ -6655,7 +6676,7 @@
                       </m:e>
                       <m:sub>
                         <m:r>
-                          <a:rPr lang="en-GB" sz="1800" i="1">
+                          <a:rPr lang="en-GB" sz="2160" i="1">
                             <a:solidFill>
                               <a:srgbClr val="3333B2"/>
                             </a:solidFill>
@@ -6666,7 +6687,7 @@
                       </m:sub>
                       <m:sup>
                         <m:r>
-                          <a:rPr lang="en-GB" sz="1800" i="1">
+                          <a:rPr lang="en-GB" sz="2160" i="1">
                             <a:solidFill>
                               <a:srgbClr val="3333B2"/>
                             </a:solidFill>
@@ -6679,7 +6700,7 @@
                   </m:oMath>
                 </a14:m>
                 <a:r>
-                  <a:rPr lang="en-GB" sz="1800" dirty="0">
+                  <a:rPr lang="en-GB" sz="2160" dirty="0">
                     <a:solidFill>
                       <a:srgbClr val="3333B2"/>
                     </a:solidFill>
@@ -6692,7 +6713,7 @@
                     <m:sSubSup>
                       <m:sSubSupPr>
                         <m:ctrlPr>
-                          <a:rPr lang="en-GB" sz="1800" i="1">
+                          <a:rPr lang="en-GB" sz="2160" i="1">
                             <a:solidFill>
                               <a:srgbClr val="3333B2"/>
                             </a:solidFill>
@@ -6702,7 +6723,7 @@
                       </m:sSubSupPr>
                       <m:e>
                         <m:r>
-                          <a:rPr lang="en-GB" sz="1800" i="1">
+                          <a:rPr lang="en-GB" sz="2160" i="1">
                             <a:solidFill>
                               <a:srgbClr val="3333B2"/>
                             </a:solidFill>
@@ -6713,7 +6734,7 @@
                       </m:e>
                       <m:sub>
                         <m:r>
-                          <a:rPr lang="en-GB" sz="1800" i="1">
+                          <a:rPr lang="en-GB" sz="2160" i="1">
                             <a:solidFill>
                               <a:srgbClr val="3333B2"/>
                             </a:solidFill>
@@ -6724,7 +6745,7 @@
                       </m:sub>
                       <m:sup>
                         <m:r>
-                          <a:rPr lang="en-GB" sz="1800" i="1">
+                          <a:rPr lang="en-GB" sz="2160" i="1">
                             <a:solidFill>
                               <a:srgbClr val="3333B2"/>
                             </a:solidFill>
@@ -6737,7 +6758,7 @@
                   </m:oMath>
                 </a14:m>
                 <a:r>
-                  <a:rPr lang="en-GB" sz="1800" dirty="0">
+                  <a:rPr lang="en-GB" sz="2160" dirty="0">
                     <a:solidFill>
                       <a:srgbClr val="3333B2"/>
                     </a:solidFill>
@@ -6750,7 +6771,7 @@
                     <m:sSubSup>
                       <m:sSubSupPr>
                         <m:ctrlPr>
-                          <a:rPr lang="en-GB" sz="1800" i="1">
+                          <a:rPr lang="en-GB" sz="2160" i="1">
                             <a:solidFill>
                               <a:srgbClr val="3333B2"/>
                             </a:solidFill>
@@ -6760,7 +6781,7 @@
                       </m:sSubSupPr>
                       <m:e>
                         <m:r>
-                          <a:rPr lang="en-GB" sz="1800" i="1">
+                          <a:rPr lang="en-GB" sz="2160" i="1">
                             <a:solidFill>
                               <a:srgbClr val="3333B2"/>
                             </a:solidFill>
@@ -6771,7 +6792,7 @@
                       </m:e>
                       <m:sub>
                         <m:r>
-                          <a:rPr lang="en-GB" sz="1800" i="1">
+                          <a:rPr lang="en-GB" sz="2160" i="1">
                             <a:solidFill>
                               <a:srgbClr val="3333B2"/>
                             </a:solidFill>
@@ -6782,7 +6803,7 @@
                       </m:sub>
                       <m:sup>
                         <m:r>
-                          <a:rPr lang="en-GB" sz="1800" i="1">
+                          <a:rPr lang="en-GB" sz="2160" i="1">
                             <a:solidFill>
                               <a:srgbClr val="3333B2"/>
                             </a:solidFill>
@@ -6795,7 +6816,7 @@
                   </m:oMath>
                 </a14:m>
                 <a:r>
-                  <a:rPr lang="en-GB" sz="1800" dirty="0">
+                  <a:rPr lang="en-GB" sz="2160" dirty="0">
                     <a:solidFill>
                       <a:srgbClr val="3333B2"/>
                     </a:solidFill>
@@ -6803,7 +6824,7 @@
                   </a:rPr>
                   <a:t> </a:t>
                 </a:r>
-                <a:endParaRPr lang="en-GB" sz="1800" dirty="0">
+                <a:endParaRPr lang="en-GB" sz="2160" dirty="0">
                   <a:solidFill>
                     <a:srgbClr val="3333B2"/>
                   </a:solidFill>
@@ -6966,7 +6987,7 @@
           <a:lstStyle/>
           <a:p>
             <a:r>
-              <a:rPr lang="en-GB" sz="1800" dirty="0">
+              <a:rPr lang="en-GB" sz="2160" dirty="0">
                 <a:solidFill>
                   <a:srgbClr val="3333B2"/>
                 </a:solidFill>
@@ -6975,7 +6996,7 @@
               <a:t>The least squares approach chooses </a:t>
             </a:r>
             <a:r>
-              <a:rPr lang="el-GR" sz="1800" dirty="0">
+              <a:rPr lang="el-GR" sz="2160" dirty="0">
                 <a:solidFill>
                   <a:srgbClr val="3333B2"/>
                 </a:solidFill>
@@ -6984,7 +7005,7 @@
               <a:t>β</a:t>
             </a:r>
             <a:r>
-              <a:rPr lang="el-GR" sz="1800" dirty="0">
+              <a:rPr lang="el-GR" sz="2160" dirty="0">
                 <a:solidFill>
                   <a:srgbClr val="3333B2"/>
                 </a:solidFill>
@@ -6993,7 +7014,7 @@
               <a:t>ˆ</a:t>
             </a:r>
             <a:r>
-              <a:rPr lang="el-GR" sz="1800" baseline="-25000" dirty="0">
+              <a:rPr lang="el-GR" sz="2160" baseline="-25000" dirty="0">
                 <a:solidFill>
                   <a:srgbClr val="3333B2"/>
                 </a:solidFill>
@@ -7002,7 +7023,7 @@
               <a:t>0</a:t>
             </a:r>
             <a:r>
-              <a:rPr lang="el-GR" sz="1800" dirty="0">
+              <a:rPr lang="el-GR" sz="2160" dirty="0">
                 <a:solidFill>
                   <a:srgbClr val="3333B2"/>
                 </a:solidFill>
@@ -7011,7 +7032,7 @@
               <a:t> </a:t>
             </a:r>
             <a:r>
-              <a:rPr lang="en-GB" sz="1800" dirty="0">
+              <a:rPr lang="en-GB" sz="2160" dirty="0">
                 <a:solidFill>
                   <a:srgbClr val="3333B2"/>
                 </a:solidFill>
@@ -7020,7 +7041,7 @@
               <a:t>and </a:t>
             </a:r>
             <a:r>
-              <a:rPr lang="el-GR" sz="1800" dirty="0">
+              <a:rPr lang="el-GR" sz="2160" dirty="0">
                 <a:solidFill>
                   <a:srgbClr val="3333B2"/>
                 </a:solidFill>
@@ -7029,7 +7050,7 @@
               <a:t>β</a:t>
             </a:r>
             <a:r>
-              <a:rPr lang="el-GR" sz="1800" dirty="0">
+              <a:rPr lang="el-GR" sz="2160" dirty="0">
                 <a:solidFill>
                   <a:srgbClr val="3333B2"/>
                 </a:solidFill>
@@ -7038,7 +7059,7 @@
               <a:t>ˆ</a:t>
             </a:r>
             <a:r>
-              <a:rPr lang="el-GR" sz="1800" baseline="-25000" dirty="0">
+              <a:rPr lang="el-GR" sz="2160" baseline="-25000" dirty="0">
                 <a:solidFill>
                   <a:srgbClr val="3333B2"/>
                 </a:solidFill>
@@ -7047,7 +7068,7 @@
               <a:t>1</a:t>
             </a:r>
             <a:r>
-              <a:rPr lang="el-GR" sz="1800" dirty="0">
+              <a:rPr lang="el-GR" sz="2160" dirty="0">
                 <a:solidFill>
                   <a:srgbClr val="3333B2"/>
                 </a:solidFill>
@@ -7056,26 +7077,26 @@
               <a:t> </a:t>
             </a:r>
             <a:r>
-              <a:rPr lang="en-GB" sz="1800" dirty="0">
+              <a:rPr lang="en-GB" sz="2160" dirty="0">
                 <a:solidFill>
                   <a:srgbClr val="3333B2"/>
                 </a:solidFill>
                 <a:latin typeface="CMR10"/>
               </a:rPr>
-              <a:t>to minimize the RSS. </a:t>
-            </a:r>
-          </a:p>
-          <a:p>
-            <a:r>
-              <a:rPr lang="en-GB" sz="1800" dirty="0">
+              <a:t>to minimise the RSS. </a:t>
+            </a:r>
+          </a:p>
+          <a:p>
+            <a:r>
+              <a:rPr lang="en-GB" sz="2160" dirty="0">
                 <a:solidFill>
                   <a:srgbClr val="3333B2"/>
                 </a:solidFill>
                 <a:latin typeface="CMR10"/>
               </a:rPr>
-              <a:t>The minimizing values can be shown to be </a:t>
-            </a:r>
-            <a:endParaRPr lang="en-GB" sz="1800" dirty="0">
+              <a:t>The minimising values can be shown to be </a:t>
+            </a:r>
+            <a:endParaRPr lang="en-GB" sz="2160" dirty="0">
               <a:solidFill>
                 <a:srgbClr val="3333B2"/>
               </a:solidFill>
@@ -7145,8 +7166,8 @@
         </p:blipFill>
         <p:spPr>
           <a:xfrm>
-            <a:off x="685800" y="2137423"/>
-            <a:ext cx="7772400" cy="2281485"/>
+            <a:off x="1432560" y="2564908"/>
+            <a:ext cx="9326880" cy="2737782"/>
           </a:xfrm>
           <a:prstGeom prst="rect">
             <a:avLst/>
@@ -7167,8 +7188,8 @@
         </p:nvSpPr>
         <p:spPr>
           <a:xfrm>
-            <a:off x="-914400" y="4907025"/>
-            <a:ext cx="10585176" cy="830997"/>
+            <a:off x="609600" y="5595949"/>
+            <a:ext cx="10382944" cy="830997"/>
           </a:xfrm>
           <a:prstGeom prst="rect">
             <a:avLst/>
@@ -7194,8 +7215,79 @@
               <a:rPr lang="en-GB" sz="1600" dirty="0">
                 <a:latin typeface="Gill Sans MT" panose="020B0502020104020203" pitchFamily="34" charset="77"/>
               </a:rPr>
-              <a:t>:  When you see this star sign (*) on the slides, it means you can skip this slide if you are not interested in the detailed mathematical background. This information is provided as additional background and will not be part of the module assessment and you are not expected to know them. </a:t>
-            </a:r>
+              <a:t>:  When you see this star sign (*) on the slides, you can skip it if you are not interested in the detailed mathematical background. This information is provided as an additional background and will not be part of the module assessment, and you are not expected to know them. </a:t>
+            </a:r>
+          </a:p>
+        </p:txBody>
+      </p:sp>
+      <p:sp>
+        <p:nvSpPr>
+          <p:cNvPr id="7" name="TextBox 6">
+            <a:extLst>
+              <a:ext uri="{FF2B5EF4-FFF2-40B4-BE49-F238E27FC236}">
+                <a16:creationId xmlns:a16="http://schemas.microsoft.com/office/drawing/2014/main" id="{6480B133-63CC-DF8C-A695-51CEB478F736}"/>
+              </a:ext>
+            </a:extLst>
+          </p:cNvPr>
+          <p:cNvSpPr txBox="1"/>
+          <p:nvPr/>
+        </p:nvSpPr>
+        <p:spPr>
+          <a:xfrm>
+            <a:off x="0" y="6580133"/>
+            <a:ext cx="6494512" cy="246221"/>
+          </a:xfrm>
+          <a:prstGeom prst="rect">
+            <a:avLst/>
+          </a:prstGeom>
+          <a:noFill/>
+        </p:spPr>
+        <p:txBody>
+          <a:bodyPr wrap="square">
+            <a:spAutoFit/>
+          </a:bodyPr>
+          <a:lstStyle/>
+          <a:p>
+            <a:pPr lvl="1"/>
+            <a:r>
+              <a:rPr lang="en-GB" sz="1000" dirty="0">
+                <a:latin typeface="Gill Sans MT" panose="020B0502020104020203" pitchFamily="34" charset="77"/>
+              </a:rPr>
+              <a:t>Source: </a:t>
+            </a:r>
+            <a:r>
+              <a:rPr lang="en-GB" sz="1000" dirty="0" err="1">
+                <a:latin typeface="Gill Sans MT" panose="020B0502020104020203" pitchFamily="34" charset="77"/>
+              </a:rPr>
+              <a:t>Tibshirani</a:t>
+            </a:r>
+            <a:r>
+              <a:rPr lang="en-GB" sz="1000" dirty="0">
+                <a:latin typeface="Gill Sans MT" panose="020B0502020104020203" pitchFamily="34" charset="77"/>
+              </a:rPr>
+              <a:t> </a:t>
+            </a:r>
+            <a:r>
+              <a:rPr lang="en-GB" sz="1000" i="1" dirty="0">
+                <a:latin typeface="Gill Sans MT" panose="020B0502020104020203" pitchFamily="34" charset="77"/>
+              </a:rPr>
+              <a:t>et al.,</a:t>
+            </a:r>
+            <a:r>
+              <a:rPr lang="en-GB" sz="1000" dirty="0">
+                <a:latin typeface="Gill Sans MT" panose="020B0502020104020203" pitchFamily="34" charset="77"/>
+              </a:rPr>
+              <a:t> An introduction to statistical learning, Springer,: https://</a:t>
+            </a:r>
+            <a:r>
+              <a:rPr lang="en-GB" sz="1000" dirty="0" err="1">
+                <a:latin typeface="Gill Sans MT" panose="020B0502020104020203" pitchFamily="34" charset="77"/>
+              </a:rPr>
+              <a:t>www.statlearning.com</a:t>
+            </a:r>
+            <a:endParaRPr lang="en-GB" sz="1000" dirty="0">
+              <a:latin typeface="Gill Sans MT" panose="020B0502020104020203" pitchFamily="34" charset="77"/>
+            </a:endParaRPr>
           </a:p>
         </p:txBody>
       </p:sp>
@@ -7315,14 +7407,85 @@
         </p:blipFill>
         <p:spPr>
           <a:xfrm>
-            <a:off x="1331640" y="1182547"/>
-            <a:ext cx="5976664" cy="3824500"/>
+            <a:off x="2207568" y="1419056"/>
+            <a:ext cx="7171997" cy="4589400"/>
           </a:xfrm>
           <a:prstGeom prst="rect">
             <a:avLst/>
           </a:prstGeom>
         </p:spPr>
       </p:pic>
+      <p:sp>
+        <p:nvSpPr>
+          <p:cNvPr id="4" name="TextBox 3">
+            <a:extLst>
+              <a:ext uri="{FF2B5EF4-FFF2-40B4-BE49-F238E27FC236}">
+                <a16:creationId xmlns:a16="http://schemas.microsoft.com/office/drawing/2014/main" id="{5C039F7E-72BF-0B6D-C9CA-8878F9C6EE0D}"/>
+              </a:ext>
+            </a:extLst>
+          </p:cNvPr>
+          <p:cNvSpPr txBox="1"/>
+          <p:nvPr/>
+        </p:nvSpPr>
+        <p:spPr>
+          <a:xfrm>
+            <a:off x="609600" y="6381751"/>
+            <a:ext cx="6494512" cy="246221"/>
+          </a:xfrm>
+          <a:prstGeom prst="rect">
+            <a:avLst/>
+          </a:prstGeom>
+          <a:noFill/>
+        </p:spPr>
+        <p:txBody>
+          <a:bodyPr wrap="square">
+            <a:spAutoFit/>
+          </a:bodyPr>
+          <a:lstStyle/>
+          <a:p>
+            <a:pPr lvl="1"/>
+            <a:r>
+              <a:rPr lang="en-GB" sz="1000" dirty="0">
+                <a:latin typeface="Gill Sans MT" panose="020B0502020104020203" pitchFamily="34" charset="77"/>
+              </a:rPr>
+              <a:t>Figure source: </a:t>
+            </a:r>
+            <a:r>
+              <a:rPr lang="en-GB" sz="1000" dirty="0" err="1">
+                <a:latin typeface="Gill Sans MT" panose="020B0502020104020203" pitchFamily="34" charset="77"/>
+              </a:rPr>
+              <a:t>Tibshirani</a:t>
+            </a:r>
+            <a:r>
+              <a:rPr lang="en-GB" sz="1000" dirty="0">
+                <a:latin typeface="Gill Sans MT" panose="020B0502020104020203" pitchFamily="34" charset="77"/>
+              </a:rPr>
+              <a:t> </a:t>
+            </a:r>
+            <a:r>
+              <a:rPr lang="en-GB" sz="1000" i="1" dirty="0">
+                <a:latin typeface="Gill Sans MT" panose="020B0502020104020203" pitchFamily="34" charset="77"/>
+              </a:rPr>
+              <a:t>et al.,</a:t>
+            </a:r>
+            <a:r>
+              <a:rPr lang="en-GB" sz="1000" dirty="0">
+                <a:latin typeface="Gill Sans MT" panose="020B0502020104020203" pitchFamily="34" charset="77"/>
+              </a:rPr>
+              <a:t> An introduction to statistical learning, Springer,: https://</a:t>
+            </a:r>
+            <a:r>
+              <a:rPr lang="en-GB" sz="1000" dirty="0" err="1">
+                <a:latin typeface="Gill Sans MT" panose="020B0502020104020203" pitchFamily="34" charset="77"/>
+              </a:rPr>
+              <a:t>www.statlearning.com</a:t>
+            </a:r>
+            <a:endParaRPr lang="en-GB" sz="1000" dirty="0">
+              <a:latin typeface="Gill Sans MT" panose="020B0502020104020203" pitchFamily="34" charset="77"/>
+            </a:endParaRPr>
+          </a:p>
+        </p:txBody>
+      </p:sp>
     </p:spTree>
     <p:extLst>
       <p:ext uri="{BB962C8B-B14F-4D97-AF65-F5344CB8AC3E}">
@@ -7412,8 +7575,8 @@
         </p:blipFill>
         <p:spPr bwMode="auto">
           <a:xfrm>
-            <a:off x="971600" y="673611"/>
-            <a:ext cx="6192688" cy="4644516"/>
+            <a:off x="1775520" y="808333"/>
+            <a:ext cx="7431226" cy="5573419"/>
           </a:xfrm>
           <a:prstGeom prst="rect">
             <a:avLst/>
@@ -7444,8 +7607,8 @@
         </p:nvSpPr>
         <p:spPr>
           <a:xfrm>
-            <a:off x="431329" y="5299679"/>
-            <a:ext cx="7787208" cy="230832"/>
+            <a:off x="1127195" y="6359615"/>
+            <a:ext cx="9344650" cy="258532"/>
           </a:xfrm>
           <a:prstGeom prst="rect">
             <a:avLst/>
@@ -7459,34 +7622,34 @@
           <a:lstStyle/>
           <a:p>
             <a:r>
-              <a:rPr lang="en-US" sz="900" dirty="0"/>
+              <a:rPr lang="en-US" sz="1080" dirty="0"/>
               <a:t>Source: Nagesh Singh Chauhan, </a:t>
             </a:r>
             <a:r>
-              <a:rPr lang="en-US" sz="900" dirty="0" err="1"/>
+              <a:rPr lang="en-US" sz="1080" dirty="0" err="1"/>
               <a:t>KDnuggets</a:t>
             </a:r>
             <a:r>
-              <a:rPr lang="en-US" sz="900" dirty="0"/>
+              <a:rPr lang="en-US" sz="1080" dirty="0"/>
               <a:t> </a:t>
             </a:r>
             <a:r>
-              <a:rPr lang="en-US" sz="900" i="1" dirty="0"/>
+              <a:rPr lang="en-US" sz="1080" i="1" dirty="0"/>
               <a:t>https://</a:t>
             </a:r>
             <a:r>
-              <a:rPr lang="en-US" sz="900" i="1" dirty="0" err="1"/>
+              <a:rPr lang="en-US" sz="1080" i="1" dirty="0" err="1"/>
               <a:t>www.kdnuggets.com</a:t>
             </a:r>
             <a:r>
-              <a:rPr lang="en-US" sz="900" i="1" dirty="0"/>
+              <a:rPr lang="en-US" sz="1080" i="1" dirty="0"/>
               <a:t>/2019/03/beginners-guide-linear-regression-python-scikit-</a:t>
             </a:r>
             <a:r>
-              <a:rPr lang="en-US" sz="900" i="1" dirty="0" err="1"/>
+              <a:rPr lang="en-US" sz="1080" i="1" dirty="0" err="1"/>
               <a:t>learn.html</a:t>
             </a:r>
-            <a:endParaRPr lang="en-US" sz="900" i="1" dirty="0"/>
+            <a:endParaRPr lang="en-US" sz="1080" i="1" dirty="0"/>
           </a:p>
         </p:txBody>
       </p:sp>
@@ -7607,8 +7770,8 @@
         </p:blipFill>
         <p:spPr>
           <a:xfrm>
-            <a:off x="1979712" y="1273325"/>
-            <a:ext cx="3736088" cy="3937620"/>
+            <a:off x="2985254" y="1527990"/>
+            <a:ext cx="4483306" cy="4725144"/>
           </a:xfrm>
           <a:prstGeom prst="rect">
             <a:avLst/>
@@ -7822,7 +7985,7 @@
                     </a:solidFill>
                     <a:effectLst/>
                   </a:rPr>
-                  <a:t> to minimise the residual sum of squares between the observed targets in the dataset, and the targets that are predicted by the linear approximation used in the model.</a:t>
+                  <a:t> to minimise the residual sum of squares between the observed targets in the dataset and the targets that are predicted by the linear approximation used in the model.</a:t>
                 </a:r>
                 <a:endParaRPr lang="en-US" dirty="0"/>
               </a:p>
@@ -7850,7 +8013,7 @@
               <a:blipFill>
                 <a:blip r:embed="rId2"/>
                 <a:stretch>
-                  <a:fillRect l="-772" t="-1223"/>
+                  <a:fillRect l="-925" t="-1018" r="-694"/>
                 </a:stretch>
               </a:blipFill>
             </p:spPr>
@@ -8099,8 +8262,8 @@
         </p:blipFill>
         <p:spPr>
           <a:xfrm>
-            <a:off x="2339752" y="2298701"/>
-            <a:ext cx="4064000" cy="596900"/>
+            <a:off x="3417302" y="2758441"/>
+            <a:ext cx="4876800" cy="716280"/>
           </a:xfrm>
           <a:prstGeom prst="rect">
             <a:avLst/>
@@ -8223,8 +8386,8 @@
         </p:blipFill>
         <p:spPr>
           <a:xfrm>
-            <a:off x="0" y="1059880"/>
-            <a:ext cx="8788680" cy="2646784"/>
+            <a:off x="609600" y="1271856"/>
+            <a:ext cx="10546416" cy="3176141"/>
           </a:xfrm>
           <a:prstGeom prst="rect">
             <a:avLst/>
@@ -8245,8 +8408,8 @@
         </p:nvSpPr>
         <p:spPr>
           <a:xfrm>
-            <a:off x="755576" y="4008792"/>
-            <a:ext cx="3456384" cy="646331"/>
+            <a:off x="1516291" y="4810551"/>
+            <a:ext cx="4147661" cy="369332"/>
           </a:xfrm>
           <a:prstGeom prst="rect">
             <a:avLst/>
@@ -8283,8 +8446,8 @@
         </p:nvSpPr>
         <p:spPr>
           <a:xfrm>
-            <a:off x="5148066" y="4084275"/>
-            <a:ext cx="3456383" cy="646331"/>
+            <a:off x="6787280" y="4901131"/>
+            <a:ext cx="4147660" cy="646331"/>
           </a:xfrm>
           <a:prstGeom prst="rect">
             <a:avLst/>
@@ -8305,6 +8468,77 @@
               <a:t>(b) Data with polynomial regression (degree 2).</a:t>
             </a:r>
             <a:endParaRPr lang="en-US" dirty="0">
+              <a:latin typeface="Gill Sans MT" panose="020B0502020104020203" pitchFamily="34" charset="77"/>
+            </a:endParaRPr>
+          </a:p>
+        </p:txBody>
+      </p:sp>
+      <p:sp>
+        <p:nvSpPr>
+          <p:cNvPr id="4" name="TextBox 3">
+            <a:extLst>
+              <a:ext uri="{FF2B5EF4-FFF2-40B4-BE49-F238E27FC236}">
+                <a16:creationId xmlns:a16="http://schemas.microsoft.com/office/drawing/2014/main" id="{AA94F762-B927-5D0E-BC6E-998B676C68FD}"/>
+              </a:ext>
+            </a:extLst>
+          </p:cNvPr>
+          <p:cNvSpPr txBox="1"/>
+          <p:nvPr/>
+        </p:nvSpPr>
+        <p:spPr>
+          <a:xfrm>
+            <a:off x="609600" y="6381751"/>
+            <a:ext cx="6494512" cy="246221"/>
+          </a:xfrm>
+          <a:prstGeom prst="rect">
+            <a:avLst/>
+          </a:prstGeom>
+          <a:noFill/>
+        </p:spPr>
+        <p:txBody>
+          <a:bodyPr wrap="square">
+            <a:spAutoFit/>
+          </a:bodyPr>
+          <a:lstStyle/>
+          <a:p>
+            <a:pPr lvl="1"/>
+            <a:r>
+              <a:rPr lang="en-GB" sz="1000" dirty="0">
+                <a:latin typeface="Gill Sans MT" panose="020B0502020104020203" pitchFamily="34" charset="77"/>
+              </a:rPr>
+              <a:t>Figure source: </a:t>
+            </a:r>
+            <a:r>
+              <a:rPr lang="en-GB" sz="1000" dirty="0" err="1">
+                <a:latin typeface="Gill Sans MT" panose="020B0502020104020203" pitchFamily="34" charset="77"/>
+              </a:rPr>
+              <a:t>Tibshirani</a:t>
+            </a:r>
+            <a:r>
+              <a:rPr lang="en-GB" sz="1000" dirty="0">
+                <a:latin typeface="Gill Sans MT" panose="020B0502020104020203" pitchFamily="34" charset="77"/>
+              </a:rPr>
+              <a:t> </a:t>
+            </a:r>
+            <a:r>
+              <a:rPr lang="en-GB" sz="1000" i="1" dirty="0">
+                <a:latin typeface="Gill Sans MT" panose="020B0502020104020203" pitchFamily="34" charset="77"/>
+              </a:rPr>
+              <a:t>et al.,</a:t>
+            </a:r>
+            <a:r>
+              <a:rPr lang="en-GB" sz="1000" dirty="0">
+                <a:latin typeface="Gill Sans MT" panose="020B0502020104020203" pitchFamily="34" charset="77"/>
+              </a:rPr>
+              <a:t> An introduction to statistical learning, Springer,: https://</a:t>
+            </a:r>
+            <a:r>
+              <a:rPr lang="en-GB" sz="1000" dirty="0" err="1">
+                <a:latin typeface="Gill Sans MT" panose="020B0502020104020203" pitchFamily="34" charset="77"/>
+              </a:rPr>
+              <a:t>www.statlearning.com</a:t>
+            </a:r>
+            <a:endParaRPr lang="en-GB" sz="1000" dirty="0">
               <a:latin typeface="Gill Sans MT" panose="020B0502020104020203" pitchFamily="34" charset="77"/>
             </a:endParaRPr>
           </a:p>
@@ -8398,7 +8632,7 @@
                     </a:solidFill>
                     <a:effectLst/>
                   </a:rPr>
-                  <a:t>Linear models uses a </a:t>
+                  <a:t>Linear models use a </a:t>
                 </a:r>
                 <a:r>
                   <a:rPr lang="en-GB" b="0" i="1" u="none" strike="noStrike" dirty="0">
@@ -8435,7 +8669,7 @@
                     </a:solidFill>
                     <a:effectLst/>
                   </a:rPr>
-                  <a:t>During the training process, model calculates weights for each of the features in the </a:t>
+                  <a:t>During the training process, the model calculates weights for each of the features in the </a:t>
                 </a:r>
                 <a:r>
                   <a:rPr lang="en-GB" dirty="0">
@@ -8467,7 +8701,7 @@
                 </a:r>
               </a:p>
               <a:p>
-                <a:pPr marL="333353" lvl="1" indent="0">
+                <a:pPr marL="400024" lvl="1" indent="0">
                   <a:buNone/>
                 </a:pPr>
                 <a14:m>
@@ -8624,7 +8858,7 @@
               <a:blipFill>
                 <a:blip r:embed="rId2"/>
                 <a:stretch>
-                  <a:fillRect l="-772" t="-1223"/>
+                  <a:fillRect l="-925" t="-1018" r="-694"/>
                 </a:stretch>
               </a:blipFill>
             </p:spPr>
@@ -10139,7 +10373,7 @@
           <a:lstStyle/>
           <a:p>
             <a:r>
-              <a:rPr lang="en-GB" sz="1800" dirty="0"/>
+              <a:rPr lang="en-GB" sz="2160" dirty="0"/>
               <a:t>Mean Squared Error (MSE) and Root Mean Squared Error (RMSE)</a:t>
             </a:r>
           </a:p>
@@ -10245,8 +10479,8 @@
         </p:nvSpPr>
         <p:spPr>
           <a:xfrm>
-            <a:off x="448469" y="5142517"/>
-            <a:ext cx="5976664" cy="230832"/>
+            <a:off x="479376" y="6186411"/>
+            <a:ext cx="7171997" cy="246221"/>
           </a:xfrm>
           <a:prstGeom prst="rect">
             <a:avLst/>
@@ -10261,19 +10495,19 @@
           <a:p>
             <a:pPr algn="ctr" fontAlgn="base"/>
             <a:r>
-              <a:rPr lang="en-GB" sz="900" dirty="0">
+              <a:rPr lang="en-GB" sz="1000" dirty="0">
                 <a:solidFill>
                   <a:srgbClr val="3D3B49"/>
                 </a:solidFill>
-                <a:latin typeface="guardian-text-oreilly"/>
+                <a:latin typeface="Gill Sans MT" panose="020B0502020104020203" pitchFamily="34" charset="77"/>
               </a:rPr>
               <a:t>Source: Machine Learning with Spark - Second Edition by Rajdeep Dua, Manpreet Singh Ghotra, Nick Pentreath, O’Reilly</a:t>
             </a:r>
-            <a:endParaRPr lang="en-GB" sz="900" dirty="0">
+            <a:endParaRPr lang="en-GB" sz="1000" dirty="0">
               <a:solidFill>
                 <a:srgbClr val="3D3B49"/>
               </a:solidFill>
-              <a:latin typeface="guardian-text-oreilly"/>
+              <a:latin typeface="Gill Sans MT" panose="020B0502020104020203" pitchFamily="34" charset="77"/>
               <a:hlinkClick r:id="rId2"/>
             </a:endParaRPr>
           </a:p>
@@ -10395,8 +10629,8 @@
         </p:blipFill>
         <p:spPr>
           <a:xfrm>
-            <a:off x="827585" y="1241954"/>
-            <a:ext cx="6080155" cy="3410819"/>
+            <a:off x="1602703" y="1490345"/>
+            <a:ext cx="7296186" cy="4092983"/>
           </a:xfrm>
           <a:prstGeom prst="rect">
             <a:avLst/>
@@ -10417,8 +10651,8 @@
         </p:nvSpPr>
         <p:spPr>
           <a:xfrm>
-            <a:off x="611561" y="5318130"/>
-            <a:ext cx="1271502" cy="246221"/>
+            <a:off x="1343473" y="6381757"/>
+            <a:ext cx="1356462" cy="276999"/>
           </a:xfrm>
           <a:prstGeom prst="rect">
             <a:avLst/>
@@ -10432,7 +10666,9 @@
           <a:lstStyle/>
           <a:p>
             <a:r>
-              <a:rPr lang="en-US" sz="1000" dirty="0"/>
+              <a:rPr lang="en-US" sz="1200" dirty="0">
+                <a:latin typeface="Gill Sans MT" panose="020B0502020104020203" pitchFamily="34" charset="77"/>
+              </a:rPr>
               <a:t>Source: scikit-learn</a:t>
             </a:r>
           </a:p>
@@ -10616,8 +10852,8 @@
         </p:blipFill>
         <p:spPr>
           <a:xfrm>
-            <a:off x="2637294" y="3217540"/>
-            <a:ext cx="2966731" cy="648072"/>
+            <a:off x="3774354" y="3861048"/>
+            <a:ext cx="3560077" cy="777686"/>
           </a:xfrm>
           <a:prstGeom prst="rect">
             <a:avLst/>
@@ -10815,7 +11051,7 @@
                   <a:rPr lang="en-GB" dirty="0">
                     <a:effectLst/>
                   </a:rPr>
-                  <a:t>It is also known as a squashing function, since it maps the whole real line to [0, 1].</a:t>
+                  <a:t>It is also known as a squashing function since it maps the whole real line to [0, 1].</a:t>
                 </a:r>
               </a:p>
               <a:p>
@@ -10850,7 +11086,7 @@
               <a:blipFill>
                 <a:blip r:embed="rId2"/>
                 <a:stretch>
-                  <a:fillRect l="-772" t="-1223" r="-1543" b="-1835"/>
+                  <a:fillRect l="-925" t="-1272"/>
                 </a:stretch>
               </a:blipFill>
             </p:spPr>
@@ -10927,8 +11163,8 @@
         </p:blipFill>
         <p:spPr>
           <a:xfrm>
-            <a:off x="1547665" y="2457450"/>
-            <a:ext cx="5035509" cy="976115"/>
+            <a:off x="2466799" y="2948941"/>
+            <a:ext cx="6042611" cy="1171338"/>
           </a:xfrm>
           <a:prstGeom prst="rect">
             <a:avLst/>
@@ -11028,7 +11264,7 @@
               <a:rPr lang="en-GB" dirty="0">
                 <a:effectLst/>
               </a:rPr>
-              <a:t>linear combination of the inputs, as before, but then we pass this through a logistics function is called logistic regression due to its similarity to linear regression (</a:t>
+              <a:t>a linear combination of the inputs, as before, but then we pass this through a logistics function, is called logistic regression due to its similarity to linear regression (</a:t>
             </a:r>
             <a:r>
               <a:rPr lang="en-GB" dirty="0">
@@ -11109,8 +11345,8 @@
         </p:blipFill>
         <p:spPr>
           <a:xfrm>
-            <a:off x="2627784" y="2492554"/>
-            <a:ext cx="3717776" cy="2765383"/>
+            <a:off x="3762941" y="2991065"/>
+            <a:ext cx="4461331" cy="3318460"/>
           </a:xfrm>
           <a:prstGeom prst="rect">
             <a:avLst/>
@@ -11443,8 +11679,8 @@
         </p:blipFill>
         <p:spPr>
           <a:xfrm>
-            <a:off x="2713112" y="2739724"/>
-            <a:ext cx="3515072" cy="2614607"/>
+            <a:off x="3865335" y="3287670"/>
+            <a:ext cx="4218086" cy="3137528"/>
           </a:xfrm>
           <a:prstGeom prst="rect">
             <a:avLst/>
@@ -11538,15 +11774,7 @@
               <a:rPr lang="en-GB" dirty="0">
                 <a:effectLst/>
               </a:rPr>
-              <a:t>his decision rule could have a non-zero error rate even on the training set. This is because the data is not linearly separable, i.e., there is no straight line we can draw to separate the 0s from the 1s. </a:t>
-            </a:r>
-          </a:p>
-          <a:p>
-            <a:r>
-              <a:rPr lang="en-GB" dirty="0">
-                <a:effectLst/>
-              </a:rPr>
-              <a:t>We can create models with non-linear decision boundaries using basis function expansion, just as we did with non-linear regression.</a:t>
+              <a:t>his decision rule could have a non-zero error rate even on the training set. This is because the data is not linearly separable, i.e., we can draw no straight line to separate the 0s from the 1s. </a:t>
             </a:r>
           </a:p>
           <a:p>
@@ -11612,8 +11840,8 @@
         </p:blipFill>
         <p:spPr>
           <a:xfrm>
-            <a:off x="2915816" y="3342964"/>
-            <a:ext cx="2664296" cy="1981776"/>
+            <a:off x="3359696" y="2693872"/>
+            <a:ext cx="4754803" cy="3536752"/>
           </a:xfrm>
           <a:prstGeom prst="rect">
             <a:avLst/>
@@ -11704,15 +11932,15 @@
               <a:rPr lang="en-GB" dirty="0">
                 <a:effectLst/>
               </a:rPr>
-              <a:t>Parametric vs non-parametric models</a:t>
+              <a:t>Parametric vs. non-parametric models</a:t>
             </a:r>
           </a:p>
           <a:p>
             <a:r>
               <a:rPr lang="en-GB" dirty="0"/>
-              <a:t>Non-parametric models makes no assumption on the data distribution or dataset size to generate a model.</a:t>
-            </a:r>
-            <a:endParaRPr lang="en-GB" sz="1667" dirty="0"/>
+              <a:t>Non-parametric models make no assumption on the data distribution or dataset size to generate a model.</a:t>
+            </a:r>
+            <a:endParaRPr lang="en-GB" sz="2000" dirty="0"/>
           </a:p>
           <a:p>
             <a:r>
@@ -11723,7 +11951,7 @@
           <a:p>
             <a:r>
               <a:rPr lang="en-GB" dirty="0"/>
-              <a:t>In non-parametric models the number of parameters grow with the amount of training data.</a:t>
+              <a:t>In non-parametric models , the number of parameters grows with the amount of training data.</a:t>
             </a:r>
           </a:p>
           <a:p>
@@ -11753,11 +11981,11 @@
           <a:lstStyle/>
           <a:p>
             <a:fld id="{44E22EE9-B8A0-0641-9265-052CFE9B95A7}" type="slidenum">
-              <a:rPr lang="en-GB" altLang="en-US" sz="2000"/>
+              <a:rPr lang="en-GB" altLang="en-US" sz="2400"/>
               <a:pPr/>
               <a:t>32</a:t>
             </a:fld>
-            <a:endParaRPr lang="en-GB" altLang="en-US" sz="2000"/>
+            <a:endParaRPr lang="en-GB" altLang="en-US" sz="2400"/>
           </a:p>
         </p:txBody>
       </p:sp>
@@ -11818,7 +12046,7 @@
                 <a:ea typeface="Helvetica Neue" panose="02000503000000020004" pitchFamily="2" charset="0"/>
                 <a:cs typeface="Helvetica Neue" panose="02000503000000020004" pitchFamily="2" charset="0"/>
               </a:rPr>
-              <a:t>Parametric vs non-parametric models</a:t>
+              <a:t>Parametric vs. non-parametric models</a:t>
             </a:r>
             <a:endParaRPr lang="en-US" dirty="0">
               <a:ea typeface="Helvetica Neue" panose="02000503000000020004" pitchFamily="2" charset="0"/>
@@ -12018,7 +12246,7 @@
               <a:rPr lang="en-GB" dirty="0">
                 <a:effectLst/>
               </a:rPr>
-              <a:t>It then counts how many members of each class are in this set and returns that empirical fraction as the estimate.</a:t>
+              <a:t>It then counts the number of members of each class in this set and returns the empirical fraction as the estimate.</a:t>
             </a:r>
           </a:p>
           <a:p>
@@ -12180,8 +12408,8 @@
         </p:blipFill>
         <p:spPr>
           <a:xfrm>
-            <a:off x="1763688" y="939803"/>
-            <a:ext cx="5272112" cy="4103551"/>
+            <a:off x="2726026" y="1127764"/>
+            <a:ext cx="6326534" cy="4924261"/>
           </a:xfrm>
           <a:prstGeom prst="rect">
             <a:avLst/>
@@ -12279,7 +12507,7 @@
               <a:rPr lang="en-GB" dirty="0">
                 <a:effectLst/>
               </a:rPr>
-              <a:t>The most common distance metric to use is Euclidean distance although other metrics can be used.</a:t>
+              <a:t>The most common distance metric to use is Euclidean distance , although other metrics can also be used.</a:t>
             </a:r>
           </a:p>
           <a:p>
@@ -12866,8 +13094,8 @@
             </p:nvSpPr>
             <p:spPr>
               <a:xfrm>
-                <a:off x="4591873" y="946712"/>
-                <a:ext cx="4572000" cy="1169936"/>
+                <a:off x="6119848" y="1136055"/>
+                <a:ext cx="5486400" cy="1169936"/>
               </a:xfrm>
               <a:prstGeom prst="rect">
                 <a:avLst/>
@@ -13096,8 +13324,8 @@
             </p:nvSpPr>
             <p:spPr>
               <a:xfrm>
-                <a:off x="4591873" y="946712"/>
-                <a:ext cx="4572000" cy="1169936"/>
+                <a:off x="6119848" y="1136055"/>
+                <a:ext cx="5486400" cy="1169936"/>
               </a:xfrm>
               <a:prstGeom prst="rect">
                 <a:avLst/>
@@ -13218,15 +13446,7 @@
               <a:rPr lang="en-GB" dirty="0">
                 <a:effectLst/>
               </a:rPr>
-              <a:t>In fact, it can be shown that the KNN classifier can come within a factor of 2 of the best possible performance, if N →∞ (Cover and Hart 1967).</a:t>
-            </a:r>
-          </a:p>
-          <a:p>
-            <a:r>
-              <a:rPr lang="en-GB" dirty="0">
-                <a:effectLst/>
-              </a:rPr>
-              <a:t>However, the main problem with KNN classifiers is that they do not work well with high dimensional inputs. The poor performance in high dimensional settings is due to the </a:t>
+              <a:t>However, the main problem with KNN classifiers is that they do not work well with high-dimensional inputs. The poor performance in high-dimensional settings is due to the </a:t>
             </a:r>
             <a:r>
               <a:rPr lang="en-GB" i="1" dirty="0">
@@ -13628,7 +13848,7 @@
           <p:cNvPr id="2" name="Title 1">
             <a:extLst>
               <a:ext uri="{FF2B5EF4-FFF2-40B4-BE49-F238E27FC236}">
-                <a16:creationId xmlns:a16="http://schemas.microsoft.com/office/drawing/2014/main" id="{3E65012C-C5F2-2043-C035-3E72BC1C424C}"/>
+                <a16:creationId xmlns:a16="http://schemas.microsoft.com/office/drawing/2014/main" id="{082E46DE-A630-6A8D-7E15-1BBCFE257428}"/>
               </a:ext>
             </a:extLst>
           </p:cNvPr>
@@ -13646,80 +13866,17 @@
           <a:p>
             <a:r>
               <a:rPr lang="en-US" dirty="0"/>
-              <a:t>Overfitting</a:t>
-            </a:r>
-          </a:p>
-        </p:txBody>
-      </p:sp>
-      <p:sp>
-        <p:nvSpPr>
-          <p:cNvPr id="3" name="Content Placeholder 2">
-            <a:extLst>
-              <a:ext uri="{FF2B5EF4-FFF2-40B4-BE49-F238E27FC236}">
-                <a16:creationId xmlns:a16="http://schemas.microsoft.com/office/drawing/2014/main" id="{62D1DD5E-8C40-3A83-E71F-1AB99EE4A4FC}"/>
-              </a:ext>
-            </a:extLst>
-          </p:cNvPr>
-          <p:cNvSpPr>
-            <a:spLocks noGrp="1"/>
-          </p:cNvSpPr>
-          <p:nvPr>
-            <p:ph idx="1"/>
-          </p:nvPr>
-        </p:nvSpPr>
-        <p:spPr/>
-        <p:txBody>
-          <a:bodyPr/>
-          <a:lstStyle/>
-          <a:p>
-            <a:r>
-              <a:rPr lang="en-GB" sz="1600" dirty="0"/>
-              <a:t>When we fit highly flexible models, we need to be careful that we do not overfit the data, that is, we should avoid trying to model every minor variation in the input, since this is more likely to be noise than true signal. </a:t>
-            </a:r>
-          </a:p>
-          <a:p>
-            <a:endParaRPr lang="en-GB" sz="1600" dirty="0"/>
-          </a:p>
-          <a:p>
-            <a:endParaRPr lang="en-GB" sz="1600" dirty="0"/>
-          </a:p>
-          <a:p>
-            <a:endParaRPr lang="en-GB" sz="1600" dirty="0"/>
-          </a:p>
-          <a:p>
-            <a:endParaRPr lang="en-GB" sz="1600" dirty="0"/>
-          </a:p>
-          <a:p>
-            <a:endParaRPr lang="en-GB" sz="1600" dirty="0"/>
-          </a:p>
-          <a:p>
-            <a:r>
-              <a:rPr lang="en-GB" sz="1600" dirty="0"/>
-              <a:t>This is illustrated in the figure above, where we see that using a high degree polynomial results in a curve that is very “wiggly”. It is unlikely that the true function has such extreme oscillations. </a:t>
-            </a:r>
-          </a:p>
-          <a:p>
-            <a:r>
-              <a:rPr lang="en-GB" sz="1600" dirty="0"/>
-              <a:t>Using such a model may not result in accurate predictions of future outputs.</a:t>
-            </a:r>
-          </a:p>
-          <a:p>
-            <a:endParaRPr lang="en-GB" dirty="0">
-              <a:effectLst/>
-            </a:endParaRPr>
-          </a:p>
-          <a:p>
-            <a:endParaRPr lang="en-US" dirty="0"/>
-          </a:p>
-        </p:txBody>
-      </p:sp>
-      <p:sp>
-        <p:nvSpPr>
-          <p:cNvPr id="4" name="Slide Number Placeholder 3">
-            <a:extLst>
-              <a:ext uri="{FF2B5EF4-FFF2-40B4-BE49-F238E27FC236}">
-                <a16:creationId xmlns:a16="http://schemas.microsoft.com/office/drawing/2014/main" id="{C13175EA-1BB2-FBAC-1705-F041A3AD71C1}"/>
+              <a:t>KNN in Python</a:t>
+            </a:r>
+          </a:p>
+        </p:txBody>
+      </p:sp>
+      <p:sp>
+        <p:nvSpPr>
+          <p:cNvPr id="3" name="Slide Number Placeholder 2">
+            <a:extLst>
+              <a:ext uri="{FF2B5EF4-FFF2-40B4-BE49-F238E27FC236}">
+                <a16:creationId xmlns:a16="http://schemas.microsoft.com/office/drawing/2014/main" id="{DD05F6B8-E4F9-F842-9D66-6313524309D5}"/>
               </a:ext>
             </a:extLst>
           </p:cNvPr>
@@ -13735,7 +13892,7 @@
           <a:bodyPr/>
           <a:lstStyle/>
           <a:p>
-            <a:fld id="{44E22EE9-B8A0-0641-9265-052CFE9B95A7}" type="slidenum">
+            <a:fld id="{BB98F552-A29D-2D4E-8192-F20670493719}" type="slidenum">
               <a:rPr lang="en-GB" altLang="en-US" smtClean="0"/>
               <a:pPr/>
               <a:t>40</a:t>
@@ -13746,10 +13903,10 @@
       </p:sp>
       <p:pic>
         <p:nvPicPr>
-          <p:cNvPr id="6" name="Picture 5" descr="Diagram&#10;&#10;Description automatically generated with medium confidence">
-            <a:extLst>
-              <a:ext uri="{FF2B5EF4-FFF2-40B4-BE49-F238E27FC236}">
-                <a16:creationId xmlns:a16="http://schemas.microsoft.com/office/drawing/2014/main" id="{56488A4E-318B-D63C-121E-7F8223C0FFF5}"/>
+          <p:cNvPr id="5" name="Picture 4" descr="Graphical user interface, text, application, email&#10;&#10;Description automatically generated">
+            <a:extLst>
+              <a:ext uri="{FF2B5EF4-FFF2-40B4-BE49-F238E27FC236}">
+                <a16:creationId xmlns:a16="http://schemas.microsoft.com/office/drawing/2014/main" id="{2A5219DD-B07E-1704-DAB2-B2B9948FA209}"/>
               </a:ext>
             </a:extLst>
           </p:cNvPr>
@@ -13758,7 +13915,7 @@
           </p:cNvPicPr>
           <p:nvPr/>
         </p:nvPicPr>
-        <p:blipFill rotWithShape="1">
+        <p:blipFill>
           <a:blip r:embed="rId2">
             <a:extLst>
               <a:ext uri="{28A0092B-C50C-407E-A947-70E740481C1C}">
@@ -13766,23 +13923,59 @@
               </a:ext>
             </a:extLst>
           </a:blip>
-          <a:srcRect t="14034" b="7376"/>
-          <a:stretch/>
+          <a:stretch>
+            <a:fillRect/>
+          </a:stretch>
         </p:blipFill>
         <p:spPr>
           <a:xfrm>
-            <a:off x="1187624" y="1993407"/>
-            <a:ext cx="6336704" cy="1643793"/>
+            <a:off x="1166515" y="920016"/>
+            <a:ext cx="9326880" cy="5017972"/>
           </a:xfrm>
           <a:prstGeom prst="rect">
             <a:avLst/>
           </a:prstGeom>
         </p:spPr>
       </p:pic>
+      <p:sp>
+        <p:nvSpPr>
+          <p:cNvPr id="6" name="TextBox 5">
+            <a:extLst>
+              <a:ext uri="{FF2B5EF4-FFF2-40B4-BE49-F238E27FC236}">
+                <a16:creationId xmlns:a16="http://schemas.microsoft.com/office/drawing/2014/main" id="{AB4D2F20-5FEB-6B85-4513-E52D72657387}"/>
+              </a:ext>
+            </a:extLst>
+          </p:cNvPr>
+          <p:cNvSpPr txBox="1"/>
+          <p:nvPr/>
+        </p:nvSpPr>
+        <p:spPr>
+          <a:xfrm>
+            <a:off x="1429883" y="6381757"/>
+            <a:ext cx="1489510" cy="276999"/>
+          </a:xfrm>
+          <a:prstGeom prst="rect">
+            <a:avLst/>
+          </a:prstGeom>
+          <a:noFill/>
+        </p:spPr>
+        <p:txBody>
+          <a:bodyPr wrap="none" rtlCol="0">
+            <a:spAutoFit/>
+          </a:bodyPr>
+          <a:lstStyle/>
+          <a:p>
+            <a:r>
+              <a:rPr lang="en-US" sz="1200" dirty="0"/>
+              <a:t>Source: scikit-learn</a:t>
+            </a:r>
+          </a:p>
+        </p:txBody>
+      </p:sp>
     </p:spTree>
     <p:extLst>
       <p:ext uri="{BB962C8B-B14F-4D97-AF65-F5344CB8AC3E}">
-        <p14:creationId xmlns:p14="http://schemas.microsoft.com/office/powerpoint/2010/main" val="1705591397"/>
+        <p14:creationId xmlns:p14="http://schemas.microsoft.com/office/powerpoint/2010/main" val="3433223162"/>
       </p:ext>
     </p:extLst>
   </p:cSld>
@@ -13814,7 +14007,7 @@
           <p:cNvPr id="2" name="Title 1">
             <a:extLst>
               <a:ext uri="{FF2B5EF4-FFF2-40B4-BE49-F238E27FC236}">
-                <a16:creationId xmlns:a16="http://schemas.microsoft.com/office/drawing/2014/main" id="{082E46DE-A630-6A8D-7E15-1BBCFE257428}"/>
+                <a16:creationId xmlns:a16="http://schemas.microsoft.com/office/drawing/2014/main" id="{ED761B14-0085-34F1-E23A-C418F55FEA44}"/>
               </a:ext>
             </a:extLst>
           </p:cNvPr>
@@ -13832,17 +14025,50 @@
           <a:p>
             <a:r>
               <a:rPr lang="en-US" dirty="0"/>
-              <a:t>KNN in Python</a:t>
-            </a:r>
-          </a:p>
-        </p:txBody>
-      </p:sp>
-      <p:sp>
-        <p:nvSpPr>
-          <p:cNvPr id="3" name="Slide Number Placeholder 2">
-            <a:extLst>
-              <a:ext uri="{FF2B5EF4-FFF2-40B4-BE49-F238E27FC236}">
-                <a16:creationId xmlns:a16="http://schemas.microsoft.com/office/drawing/2014/main" id="{DD05F6B8-E4F9-F842-9D66-6313524309D5}"/>
+              <a:t>Model selection</a:t>
+            </a:r>
+          </a:p>
+        </p:txBody>
+      </p:sp>
+      <p:sp>
+        <p:nvSpPr>
+          <p:cNvPr id="3" name="Content Placeholder 2">
+            <a:extLst>
+              <a:ext uri="{FF2B5EF4-FFF2-40B4-BE49-F238E27FC236}">
+                <a16:creationId xmlns:a16="http://schemas.microsoft.com/office/drawing/2014/main" id="{F3648474-BBE1-E6C3-FE38-172783F0FD04}"/>
+              </a:ext>
+            </a:extLst>
+          </p:cNvPr>
+          <p:cNvSpPr>
+            <a:spLocks noGrp="1"/>
+          </p:cNvSpPr>
+          <p:nvPr>
+            <p:ph idx="1"/>
+          </p:nvPr>
+        </p:nvSpPr>
+        <p:spPr/>
+        <p:txBody>
+          <a:bodyPr/>
+          <a:lstStyle/>
+          <a:p>
+            <a:r>
+              <a:rPr lang="en-GB" dirty="0">
+                <a:effectLst/>
+              </a:rPr>
+              <a:t>When we have a variety of models of different complexity (e.g., linear or logistic regression models with different degree polynomials or KNN classifiers with different values of K), how should we pick the right one?</a:t>
+            </a:r>
+          </a:p>
+          <a:p>
+            <a:endParaRPr lang="en-US" dirty="0"/>
+          </a:p>
+        </p:txBody>
+      </p:sp>
+      <p:sp>
+        <p:nvSpPr>
+          <p:cNvPr id="4" name="Slide Number Placeholder 3">
+            <a:extLst>
+              <a:ext uri="{FF2B5EF4-FFF2-40B4-BE49-F238E27FC236}">
+                <a16:creationId xmlns:a16="http://schemas.microsoft.com/office/drawing/2014/main" id="{9C43E36D-E499-BEF6-C3B8-554139D586D4}"/>
               </a:ext>
             </a:extLst>
           </p:cNvPr>
@@ -13858,7 +14084,7 @@
           <a:bodyPr/>
           <a:lstStyle/>
           <a:p>
-            <a:fld id="{BB98F552-A29D-2D4E-8192-F20670493719}" type="slidenum">
+            <a:fld id="{44E22EE9-B8A0-0641-9265-052CFE9B95A7}" type="slidenum">
               <a:rPr lang="en-GB" altLang="en-US" smtClean="0"/>
               <a:pPr/>
               <a:t>41</a:t>
@@ -13867,81 +14093,10 @@
           </a:p>
         </p:txBody>
       </p:sp>
-      <p:pic>
-        <p:nvPicPr>
-          <p:cNvPr id="5" name="Picture 4" descr="Graphical user interface, text, application, email&#10;&#10;Description automatically generated">
-            <a:extLst>
-              <a:ext uri="{FF2B5EF4-FFF2-40B4-BE49-F238E27FC236}">
-                <a16:creationId xmlns:a16="http://schemas.microsoft.com/office/drawing/2014/main" id="{2A5219DD-B07E-1704-DAB2-B2B9948FA209}"/>
-              </a:ext>
-            </a:extLst>
-          </p:cNvPr>
-          <p:cNvPicPr>
-            <a:picLocks noChangeAspect="1"/>
-          </p:cNvPicPr>
-          <p:nvPr/>
-        </p:nvPicPr>
-        <p:blipFill>
-          <a:blip r:embed="rId2">
-            <a:extLst>
-              <a:ext uri="{28A0092B-C50C-407E-A947-70E740481C1C}">
-                <a14:useLocalDpi xmlns:a14="http://schemas.microsoft.com/office/drawing/2010/main" val="0"/>
-              </a:ext>
-            </a:extLst>
-          </a:blip>
-          <a:stretch>
-            <a:fillRect/>
-          </a:stretch>
-        </p:blipFill>
-        <p:spPr>
-          <a:xfrm>
-            <a:off x="464096" y="766680"/>
-            <a:ext cx="7772400" cy="4181643"/>
-          </a:xfrm>
-          <a:prstGeom prst="rect">
-            <a:avLst/>
-          </a:prstGeom>
-        </p:spPr>
-      </p:pic>
-      <p:sp>
-        <p:nvSpPr>
-          <p:cNvPr id="6" name="TextBox 5">
-            <a:extLst>
-              <a:ext uri="{FF2B5EF4-FFF2-40B4-BE49-F238E27FC236}">
-                <a16:creationId xmlns:a16="http://schemas.microsoft.com/office/drawing/2014/main" id="{AB4D2F20-5FEB-6B85-4513-E52D72657387}"/>
-              </a:ext>
-            </a:extLst>
-          </p:cNvPr>
-          <p:cNvSpPr txBox="1"/>
-          <p:nvPr/>
-        </p:nvSpPr>
-        <p:spPr>
-          <a:xfrm>
-            <a:off x="683569" y="5318130"/>
-            <a:ext cx="1271502" cy="246221"/>
-          </a:xfrm>
-          <a:prstGeom prst="rect">
-            <a:avLst/>
-          </a:prstGeom>
-          <a:noFill/>
-        </p:spPr>
-        <p:txBody>
-          <a:bodyPr wrap="none" rtlCol="0">
-            <a:spAutoFit/>
-          </a:bodyPr>
-          <a:lstStyle/>
-          <a:p>
-            <a:r>
-              <a:rPr lang="en-US" sz="1000" dirty="0"/>
-              <a:t>Source: scikit-learn</a:t>
-            </a:r>
-          </a:p>
-        </p:txBody>
-      </p:sp>
     </p:spTree>
     <p:extLst>
       <p:ext uri="{BB962C8B-B14F-4D97-AF65-F5344CB8AC3E}">
-        <p14:creationId xmlns:p14="http://schemas.microsoft.com/office/powerpoint/2010/main" val="3433223162"/>
+        <p14:creationId xmlns:p14="http://schemas.microsoft.com/office/powerpoint/2010/main" val="1359593925"/>
       </p:ext>
     </p:extLst>
   </p:cSld>
@@ -13973,7 +14128,7 @@
           <p:cNvPr id="2" name="Title 1">
             <a:extLst>
               <a:ext uri="{FF2B5EF4-FFF2-40B4-BE49-F238E27FC236}">
-                <a16:creationId xmlns:a16="http://schemas.microsoft.com/office/drawing/2014/main" id="{ED761B14-0085-34F1-E23A-C418F55FEA44}"/>
+                <a16:creationId xmlns:a16="http://schemas.microsoft.com/office/drawing/2014/main" id="{7791CFC5-5624-37D2-D287-626CDB571E70}"/>
               </a:ext>
             </a:extLst>
           </p:cNvPr>
@@ -13991,7 +14146,7 @@
           <a:p>
             <a:r>
               <a:rPr lang="en-US" dirty="0"/>
-              <a:t>Model selection</a:t>
+              <a:t>Misclassification rate</a:t>
             </a:r>
           </a:p>
         </p:txBody>
@@ -14001,7 +14156,7 @@
           <p:cNvPr id="3" name="Content Placeholder 2">
             <a:extLst>
               <a:ext uri="{FF2B5EF4-FFF2-40B4-BE49-F238E27FC236}">
-                <a16:creationId xmlns:a16="http://schemas.microsoft.com/office/drawing/2014/main" id="{F3648474-BBE1-E6C3-FE38-172783F0FD04}"/>
+                <a16:creationId xmlns:a16="http://schemas.microsoft.com/office/drawing/2014/main" id="{2B16FE20-A20E-DEAD-EE76-3A67B8B3F72F}"/>
               </a:ext>
             </a:extLst>
           </p:cNvPr>
@@ -14021,8 +14176,54 @@
               <a:rPr lang="en-GB" dirty="0">
                 <a:effectLst/>
               </a:rPr>
-              <a:t>When we have a variety of models of different complexity (e.g., linear or logistic regression models with different degree polynomials, or KNN classifiers with different values of K), how should we pick the right one?</a:t>
-            </a:r>
+              <a:t>A natural approach is to compute the misclassification rate on the training set for each method.</a:t>
+            </a:r>
+          </a:p>
+          <a:p>
+            <a:r>
+              <a:rPr lang="en-GB" dirty="0">
+                <a:effectLst/>
+              </a:rPr>
+              <a:t>However, what we really care about is generalisation error, which is the expected value of the misclassification rate when averaged over future data.</a:t>
+            </a:r>
+          </a:p>
+          <a:p>
+            <a:r>
+              <a:rPr lang="en-GB" dirty="0">
+                <a:effectLst/>
+              </a:rPr>
+              <a:t>This can be approximated by computing the misclassification rate on a large independent </a:t>
+            </a:r>
+            <a:r>
+              <a:rPr lang="en-GB" dirty="0">
+                <a:solidFill>
+                  <a:srgbClr val="FF0000"/>
+                </a:solidFill>
+                <a:effectLst/>
+              </a:rPr>
+              <a:t>test set</a:t>
+            </a:r>
+            <a:r>
+              <a:rPr lang="en-GB" dirty="0">
+                <a:effectLst/>
+              </a:rPr>
+              <a:t>, not used during model training.</a:t>
+            </a:r>
+          </a:p>
+          <a:p>
+            <a:endParaRPr lang="en-GB" dirty="0">
+              <a:effectLst/>
+            </a:endParaRPr>
+          </a:p>
+          <a:p>
+            <a:endParaRPr lang="en-GB" dirty="0">
+              <a:effectLst/>
+            </a:endParaRPr>
+          </a:p>
+          <a:p>
+            <a:endParaRPr lang="en-GB" dirty="0">
+              <a:effectLst/>
+            </a:endParaRPr>
           </a:p>
           <a:p>
             <a:endParaRPr lang="en-US" dirty="0"/>
@@ -14034,7 +14235,7 @@
           <p:cNvPr id="4" name="Slide Number Placeholder 3">
             <a:extLst>
               <a:ext uri="{FF2B5EF4-FFF2-40B4-BE49-F238E27FC236}">
-                <a16:creationId xmlns:a16="http://schemas.microsoft.com/office/drawing/2014/main" id="{9C43E36D-E499-BEF6-C3B8-554139D586D4}"/>
+                <a16:creationId xmlns:a16="http://schemas.microsoft.com/office/drawing/2014/main" id="{5B5F96F7-92D0-8432-156F-D9768A1B7D5C}"/>
               </a:ext>
             </a:extLst>
           </p:cNvPr>
@@ -14062,7 +14263,7 @@
     </p:spTree>
     <p:extLst>
       <p:ext uri="{BB962C8B-B14F-4D97-AF65-F5344CB8AC3E}">
-        <p14:creationId xmlns:p14="http://schemas.microsoft.com/office/powerpoint/2010/main" val="1359593925"/>
+        <p14:creationId xmlns:p14="http://schemas.microsoft.com/office/powerpoint/2010/main" val="2977041722"/>
       </p:ext>
     </p:extLst>
   </p:cSld>
@@ -14094,7 +14295,7 @@
           <p:cNvPr id="2" name="Title 1">
             <a:extLst>
               <a:ext uri="{FF2B5EF4-FFF2-40B4-BE49-F238E27FC236}">
-                <a16:creationId xmlns:a16="http://schemas.microsoft.com/office/drawing/2014/main" id="{7791CFC5-5624-37D2-D287-626CDB571E70}"/>
+                <a16:creationId xmlns:a16="http://schemas.microsoft.com/office/drawing/2014/main" id="{9A564B71-995C-E2FC-6272-F858DACCCD5E}"/>
               </a:ext>
             </a:extLst>
           </p:cNvPr>
@@ -14112,7 +14313,7 @@
           <a:p>
             <a:r>
               <a:rPr lang="en-US" dirty="0"/>
-              <a:t>Misclassification rate</a:t>
+              <a:t>Model selection - revisited</a:t>
             </a:r>
           </a:p>
         </p:txBody>
@@ -14122,7 +14323,7 @@
           <p:cNvPr id="3" name="Content Placeholder 2">
             <a:extLst>
               <a:ext uri="{FF2B5EF4-FFF2-40B4-BE49-F238E27FC236}">
-                <a16:creationId xmlns:a16="http://schemas.microsoft.com/office/drawing/2014/main" id="{2B16FE20-A20E-DEAD-EE76-3A67B8B3F72F}"/>
+                <a16:creationId xmlns:a16="http://schemas.microsoft.com/office/drawing/2014/main" id="{176E7B53-FF71-8020-2903-D5FC9E846E72}"/>
               </a:ext>
             </a:extLst>
           </p:cNvPr>
@@ -14142,7 +14343,7 @@
               <a:rPr lang="en-GB" dirty="0">
                 <a:effectLst/>
               </a:rPr>
-              <a:t>A natural approach is to compute the misclassification rate on the training set for each method.</a:t>
+              <a:t>When training the model, we don’t have access to the test set (by assumption), so we cannot use the test set to pick the model of the right complexity. </a:t>
             </a:r>
           </a:p>
           <a:p>
@@ -14150,15 +14351,7 @@
               <a:rPr lang="en-GB" dirty="0">
                 <a:effectLst/>
               </a:rPr>
-              <a:t>However, what we really care about is generalisation error, which is the expected value of the misclassification rate when averaged over future data.</a:t>
-            </a:r>
-          </a:p>
-          <a:p>
-            <a:r>
-              <a:rPr lang="en-GB" dirty="0">
-                <a:effectLst/>
-              </a:rPr>
-              <a:t>This can be approximated by computing the misclassification rate on a large independent </a:t>
+              <a:t>However, we can create a test set by partitioning the training set into two parts: the part used for training the model and the second part, called the </a:t>
             </a:r>
             <a:r>
               <a:rPr lang="en-GB" dirty="0">
@@ -14167,29 +14360,52 @@
                 </a:solidFill>
                 <a:effectLst/>
               </a:rPr>
-              <a:t>test set</a:t>
+              <a:t>validation set</a:t>
             </a:r>
             <a:r>
               <a:rPr lang="en-GB" dirty="0">
                 <a:effectLst/>
               </a:rPr>
-              <a:t>, not used during model training.</a:t>
-            </a:r>
-          </a:p>
-          <a:p>
-            <a:endParaRPr lang="en-GB" dirty="0">
-              <a:effectLst/>
-            </a:endParaRPr>
-          </a:p>
-          <a:p>
-            <a:endParaRPr lang="en-GB" dirty="0">
-              <a:effectLst/>
-            </a:endParaRPr>
-          </a:p>
-          <a:p>
-            <a:endParaRPr lang="en-GB" dirty="0">
-              <a:effectLst/>
-            </a:endParaRPr>
+              <a:t>, used for selecting the model complexity. </a:t>
+            </a:r>
+          </a:p>
+          <a:p>
+            <a:r>
+              <a:rPr lang="en-GB" dirty="0">
+                <a:effectLst/>
+              </a:rPr>
+              <a:t>We then fit all the models on the training set, and evaluate their performance on the validation set, and pick the best model/</a:t>
+            </a:r>
+            <a:r>
+              <a:rPr lang="en-GB" dirty="0" err="1">
+                <a:effectLst/>
+              </a:rPr>
+              <a:t>paramters</a:t>
+            </a:r>
+            <a:r>
+              <a:rPr lang="en-GB" dirty="0">
+                <a:effectLst/>
+              </a:rPr>
+              <a:t>. </a:t>
+            </a:r>
+          </a:p>
+          <a:p>
+            <a:r>
+              <a:rPr lang="en-GB" dirty="0">
+                <a:effectLst/>
+              </a:rPr>
+              <a:t>Once we have picked the best model, we can refit it to all the available data. If we have a separate test set, we can evaluate performance on this, to estimate the performance of our</a:t>
+            </a:r>
+            <a:r>
+              <a:rPr lang="en-GB" dirty="0"/>
+              <a:t> </a:t>
+            </a:r>
+            <a:r>
+              <a:rPr lang="en-GB" dirty="0">
+                <a:effectLst/>
+              </a:rPr>
+              <a:t>method.</a:t>
+            </a:r>
           </a:p>
           <a:p>
             <a:endParaRPr lang="en-US" dirty="0"/>
@@ -14201,7 +14417,7 @@
           <p:cNvPr id="4" name="Slide Number Placeholder 3">
             <a:extLst>
               <a:ext uri="{FF2B5EF4-FFF2-40B4-BE49-F238E27FC236}">
-                <a16:creationId xmlns:a16="http://schemas.microsoft.com/office/drawing/2014/main" id="{5B5F96F7-92D0-8432-156F-D9768A1B7D5C}"/>
+                <a16:creationId xmlns:a16="http://schemas.microsoft.com/office/drawing/2014/main" id="{B59A71A4-E442-8C11-1C21-362017182918}"/>
               </a:ext>
             </a:extLst>
           </p:cNvPr>
@@ -14229,7 +14445,7 @@
     </p:spTree>
     <p:extLst>
       <p:ext uri="{BB962C8B-B14F-4D97-AF65-F5344CB8AC3E}">
-        <p14:creationId xmlns:p14="http://schemas.microsoft.com/office/powerpoint/2010/main" val="2977041722"/>
+        <p14:creationId xmlns:p14="http://schemas.microsoft.com/office/powerpoint/2010/main" val="3179898961"/>
       </p:ext>
     </p:extLst>
   </p:cSld>
@@ -14261,7 +14477,7 @@
           <p:cNvPr id="2" name="Title 1">
             <a:extLst>
               <a:ext uri="{FF2B5EF4-FFF2-40B4-BE49-F238E27FC236}">
-                <a16:creationId xmlns:a16="http://schemas.microsoft.com/office/drawing/2014/main" id="{9A564B71-995C-E2FC-6272-F858DACCCD5E}"/>
+                <a16:creationId xmlns:a16="http://schemas.microsoft.com/office/drawing/2014/main" id="{3E65012C-C5F2-2043-C035-3E72BC1C424C}"/>
               </a:ext>
             </a:extLst>
           </p:cNvPr>
@@ -14279,7 +14495,7 @@
           <a:p>
             <a:r>
               <a:rPr lang="en-US" dirty="0"/>
-              <a:t>Model selection - revisited</a:t>
+              <a:t>Overfitting</a:t>
             </a:r>
           </a:p>
         </p:txBody>
@@ -14289,7 +14505,7 @@
           <p:cNvPr id="3" name="Content Placeholder 2">
             <a:extLst>
               <a:ext uri="{FF2B5EF4-FFF2-40B4-BE49-F238E27FC236}">
-                <a16:creationId xmlns:a16="http://schemas.microsoft.com/office/drawing/2014/main" id="{176E7B53-FF71-8020-2903-D5FC9E846E72}"/>
+                <a16:creationId xmlns:a16="http://schemas.microsoft.com/office/drawing/2014/main" id="{62D1DD5E-8C40-3A83-E71F-1AB99EE4A4FC}"/>
               </a:ext>
             </a:extLst>
           </p:cNvPr>
@@ -14306,60 +14522,44 @@
           <a:lstStyle/>
           <a:p>
             <a:r>
-              <a:rPr lang="en-GB" dirty="0">
-                <a:effectLst/>
-              </a:rPr>
-              <a:t>When training the model, we don’t have access to the test set (by assumption), so we cannot use the test set to pick the model of the right complexity. </a:t>
-            </a:r>
-          </a:p>
-          <a:p>
-            <a:r>
-              <a:rPr lang="en-GB" dirty="0">
-                <a:effectLst/>
-              </a:rPr>
-              <a:t>However, we can create a test set by partitioning the training set into two: the part used for training the model, and a second part, called the </a:t>
-            </a:r>
-            <a:r>
-              <a:rPr lang="en-GB" dirty="0">
-                <a:solidFill>
-                  <a:srgbClr val="FF0000"/>
-                </a:solidFill>
-                <a:effectLst/>
-              </a:rPr>
-              <a:t>validation set</a:t>
-            </a:r>
-            <a:r>
-              <a:rPr lang="en-GB" dirty="0">
-                <a:effectLst/>
-              </a:rPr>
-              <a:t>, used for selecting the model complexity. </a:t>
-            </a:r>
-          </a:p>
-          <a:p>
-            <a:r>
-              <a:rPr lang="en-GB" dirty="0">
-                <a:effectLst/>
-              </a:rPr>
-              <a:t>We then fit all the models on the training set, and evaluate their performance on the validation set, and pick the best. </a:t>
-            </a:r>
-          </a:p>
-          <a:p>
-            <a:r>
-              <a:rPr lang="en-GB" dirty="0">
-                <a:effectLst/>
-              </a:rPr>
-              <a:t>Once we have picked the best, we can refit it to all the available data. If we have a separate test set, we can evaluate performance on this, to estimate the performance of our</a:t>
-            </a:r>
-            <a:r>
-              <a:rPr lang="en-GB" dirty="0"/>
-              <a:t> </a:t>
-            </a:r>
-            <a:r>
-              <a:rPr lang="en-GB" dirty="0">
-                <a:effectLst/>
-              </a:rPr>
-              <a:t>method.</a:t>
-            </a:r>
+              <a:rPr lang="en-GB" sz="1920" dirty="0"/>
+              <a:t>When we fit highly flexible models, we need to be careful not to overfit the data; that is, we should avoid trying to model every minor variation in the input since this is more likely to be noise than true signal. </a:t>
+            </a:r>
+          </a:p>
+          <a:p>
+            <a:endParaRPr lang="en-GB" sz="1920" dirty="0"/>
+          </a:p>
+          <a:p>
+            <a:endParaRPr lang="en-GB" sz="1920" dirty="0"/>
+          </a:p>
+          <a:p>
+            <a:endParaRPr lang="en-GB" sz="1920" dirty="0"/>
+          </a:p>
+          <a:p>
+            <a:endParaRPr lang="en-GB" sz="1920" dirty="0"/>
+          </a:p>
+          <a:p>
+            <a:endParaRPr lang="en-GB" sz="1920" dirty="0"/>
+          </a:p>
+          <a:p>
+            <a:endParaRPr lang="en-GB" sz="1920" dirty="0"/>
+          </a:p>
+          <a:p>
+            <a:r>
+              <a:rPr lang="en-GB" sz="1920" dirty="0"/>
+              <a:t>This is illustrated in the figure above, where we see that using a high-degree polynomial results in a very “wiggly” curve. It is unlikely that the true function has such extreme oscillations. </a:t>
+            </a:r>
+          </a:p>
+          <a:p>
+            <a:r>
+              <a:rPr lang="en-GB" sz="1920" dirty="0"/>
+              <a:t>Using such a model may result in in accurate predictions of future outputs.</a:t>
+            </a:r>
+          </a:p>
+          <a:p>
+            <a:endParaRPr lang="en-GB" dirty="0">
+              <a:effectLst/>
+            </a:endParaRPr>
           </a:p>
           <a:p>
             <a:endParaRPr lang="en-US" dirty="0"/>
@@ -14371,7 +14571,7 @@
           <p:cNvPr id="4" name="Slide Number Placeholder 3">
             <a:extLst>
               <a:ext uri="{FF2B5EF4-FFF2-40B4-BE49-F238E27FC236}">
-                <a16:creationId xmlns:a16="http://schemas.microsoft.com/office/drawing/2014/main" id="{B59A71A4-E442-8C11-1C21-362017182918}"/>
+                <a16:creationId xmlns:a16="http://schemas.microsoft.com/office/drawing/2014/main" id="{C13175EA-1BB2-FBAC-1705-F041A3AD71C1}"/>
               </a:ext>
             </a:extLst>
           </p:cNvPr>
@@ -14396,10 +14596,45 @@
           </a:p>
         </p:txBody>
       </p:sp>
+      <p:pic>
+        <p:nvPicPr>
+          <p:cNvPr id="6" name="Picture 5" descr="Diagram&#10;&#10;Description automatically generated with medium confidence">
+            <a:extLst>
+              <a:ext uri="{FF2B5EF4-FFF2-40B4-BE49-F238E27FC236}">
+                <a16:creationId xmlns:a16="http://schemas.microsoft.com/office/drawing/2014/main" id="{56488A4E-318B-D63C-121E-7F8223C0FFF5}"/>
+              </a:ext>
+            </a:extLst>
+          </p:cNvPr>
+          <p:cNvPicPr>
+            <a:picLocks noChangeAspect="1"/>
+          </p:cNvPicPr>
+          <p:nvPr/>
+        </p:nvPicPr>
+        <p:blipFill rotWithShape="1">
+          <a:blip r:embed="rId2">
+            <a:extLst>
+              <a:ext uri="{28A0092B-C50C-407E-A947-70E740481C1C}">
+                <a14:useLocalDpi xmlns:a14="http://schemas.microsoft.com/office/drawing/2010/main" val="0"/>
+              </a:ext>
+            </a:extLst>
+          </a:blip>
+          <a:srcRect t="14034" b="7376"/>
+          <a:stretch/>
+        </p:blipFill>
+        <p:spPr>
+          <a:xfrm>
+            <a:off x="2034749" y="2392089"/>
+            <a:ext cx="7604045" cy="1972552"/>
+          </a:xfrm>
+          <a:prstGeom prst="rect">
+            <a:avLst/>
+          </a:prstGeom>
+        </p:spPr>
+      </p:pic>
     </p:spTree>
     <p:extLst>
       <p:ext uri="{BB962C8B-B14F-4D97-AF65-F5344CB8AC3E}">
-        <p14:creationId xmlns:p14="http://schemas.microsoft.com/office/powerpoint/2010/main" val="3179898961"/>
+        <p14:creationId xmlns:p14="http://schemas.microsoft.com/office/powerpoint/2010/main" val="1705591397"/>
       </p:ext>
     </p:extLst>
   </p:cSld>
@@ -14512,8 +14747,8 @@
         </p:blipFill>
         <p:spPr>
           <a:xfrm>
-            <a:off x="822643" y="1357336"/>
-            <a:ext cx="6918639" cy="3338795"/>
+            <a:off x="1596772" y="1628804"/>
+            <a:ext cx="8302367" cy="4006554"/>
           </a:xfrm>
           <a:prstGeom prst="rect">
             <a:avLst/>
@@ -14534,8 +14769,8 @@
         </p:nvSpPr>
         <p:spPr>
           <a:xfrm>
-            <a:off x="1156939" y="5478755"/>
-            <a:ext cx="2626040" cy="220510"/>
+            <a:off x="1997928" y="6574507"/>
+            <a:ext cx="3105337" cy="246221"/>
           </a:xfrm>
           <a:prstGeom prst="rect">
             <a:avLst/>
@@ -14549,10 +14784,22 @@
           <a:lstStyle/>
           <a:p>
             <a:r>
-              <a:rPr lang="en-US" sz="833" dirty="0">
+              <a:rPr lang="en-US" sz="1000" dirty="0">
                 <a:latin typeface="Gill Sans MT" panose="020B0502020104020203" pitchFamily="34" charset="77"/>
               </a:rPr>
-              <a:t>Source: Deep Learning, Ian Goodfellow et al, MIT press.</a:t>
+              <a:t>Source: Deep Learning, Ian Goodfellow </a:t>
+            </a:r>
+            <a:r>
+              <a:rPr lang="en-US" sz="1000" i="1" dirty="0">
+                <a:latin typeface="Gill Sans MT" panose="020B0502020104020203" pitchFamily="34" charset="77"/>
+              </a:rPr>
+              <a:t>et al.</a:t>
+            </a:r>
+            <a:r>
+              <a:rPr lang="en-US" sz="1000" dirty="0">
+                <a:latin typeface="Gill Sans MT" panose="020B0502020104020203" pitchFamily="34" charset="77"/>
+              </a:rPr>
+              <a:t>, MIT press.</a:t>
             </a:r>
           </a:p>
         </p:txBody>
@@ -14610,7 +14857,7 @@
           <a:p>
             <a:r>
               <a:rPr lang="en-US" dirty="0"/>
-              <a:t>Cross validation</a:t>
+              <a:t>Cross-validation</a:t>
             </a:r>
           </a:p>
         </p:txBody>
@@ -14828,8 +15075,8 @@
         </p:blipFill>
         <p:spPr>
           <a:xfrm>
-            <a:off x="2374901" y="2353445"/>
-            <a:ext cx="4178300" cy="2705100"/>
+            <a:off x="3459481" y="2824134"/>
+            <a:ext cx="5013960" cy="3246120"/>
           </a:xfrm>
           <a:prstGeom prst="rect">
             <a:avLst/>
@@ -14952,37 +15199,40 @@
                 </a:solidFill>
                 <a:effectLst/>
               </a:rPr>
-              <a:t>leave-one out cross validation</a:t>
+              <a:t>leave-one-out cross-validation, or  LOOCV, since in fold </a:t>
+            </a:r>
+            <a:r>
+              <a:rPr lang="en-GB" dirty="0" err="1">
+                <a:solidFill>
+                  <a:srgbClr val="FF0000"/>
+                </a:solidFill>
+                <a:effectLst/>
+              </a:rPr>
+              <a:t>i</a:t>
+            </a:r>
+            <a:r>
+              <a:rPr lang="en-GB" dirty="0">
+                <a:solidFill>
+                  <a:srgbClr val="FF0000"/>
+                </a:solidFill>
+                <a:effectLst/>
+              </a:rPr>
+              <a:t>, we train on all the data cases except for </a:t>
+            </a:r>
+            <a:r>
+              <a:rPr lang="en-GB" dirty="0" err="1">
+                <a:solidFill>
+                  <a:srgbClr val="FF0000"/>
+                </a:solidFill>
+                <a:effectLst/>
+              </a:rPr>
+              <a:t>i</a:t>
             </a:r>
             <a:r>
               <a:rPr lang="en-GB" dirty="0">
                 <a:effectLst/>
               </a:rPr>
-              <a:t>, or  LOOCV, since in fold </a:t>
-            </a:r>
-            <a:r>
-              <a:rPr lang="en-GB" dirty="0" err="1">
-                <a:effectLst/>
-              </a:rPr>
-              <a:t>i</a:t>
-            </a:r>
-            <a:r>
-              <a:rPr lang="en-GB" dirty="0">
-                <a:effectLst/>
-              </a:rPr>
-              <a:t>, we train on all the data cases except for </a:t>
-            </a:r>
-            <a:r>
-              <a:rPr lang="en-GB" dirty="0" err="1">
-                <a:effectLst/>
-              </a:rPr>
-              <a:t>i</a:t>
-            </a:r>
-            <a:r>
-              <a:rPr lang="en-GB" dirty="0">
-                <a:effectLst/>
-              </a:rPr>
-              <a:t>, and then test on </a:t>
+              <a:t> and then test on </a:t>
             </a:r>
             <a:r>
               <a:rPr lang="en-GB" dirty="0" err="1">
@@ -15123,7 +15373,7 @@
               <a:rPr lang="en-GB" dirty="0">
                 <a:effectLst/>
               </a:rPr>
-              <a:t>Cross validation</a:t>
+              <a:t>Cross-validation</a:t>
             </a:r>
             <a:r>
               <a:rPr lang="en-GB" dirty="0"/>
@@ -15133,7 +15383,7 @@
               <a:rPr lang="en-GB" dirty="0">
                 <a:effectLst/>
               </a:rPr>
-              <a:t>is widely used for solving such problems, although there are other methods/approaches for this (more on this topic later).</a:t>
+              <a:t>is widely used for solving such problems, although there are other methods/approaches (more on this topic later).</a:t>
             </a:r>
           </a:p>
           <a:p>
@@ -15281,8 +15531,8 @@
         </p:blipFill>
         <p:spPr>
           <a:xfrm>
-            <a:off x="351369" y="937837"/>
-            <a:ext cx="8397095" cy="769793"/>
+            <a:off x="1031243" y="1125405"/>
+            <a:ext cx="10076514" cy="923752"/>
           </a:xfrm>
           <a:prstGeom prst="rect">
             <a:avLst/>
@@ -15310,8 +15560,8 @@
         </p:blipFill>
         <p:spPr>
           <a:xfrm>
-            <a:off x="2411760" y="1762434"/>
-            <a:ext cx="3864992" cy="2415636"/>
+            <a:off x="3503712" y="2114921"/>
+            <a:ext cx="4637990" cy="2898763"/>
           </a:xfrm>
           <a:prstGeom prst="rect">
             <a:avLst/>
@@ -15340,8 +15590,8 @@
         </p:blipFill>
         <p:spPr>
           <a:xfrm>
-            <a:off x="206516" y="4178070"/>
-            <a:ext cx="8686800" cy="872720"/>
+            <a:off x="857419" y="5013684"/>
+            <a:ext cx="10424160" cy="1047264"/>
           </a:xfrm>
           <a:prstGeom prst="rect">
             <a:avLst/>
@@ -15362,8 +15612,8 @@
         </p:nvSpPr>
         <p:spPr>
           <a:xfrm>
-            <a:off x="351369" y="5392047"/>
-            <a:ext cx="3332964" cy="246221"/>
+            <a:off x="1031243" y="6470457"/>
+            <a:ext cx="3395481" cy="276999"/>
           </a:xfrm>
           <a:prstGeom prst="rect">
             <a:avLst/>
@@ -15377,46 +15627,34 @@
           <a:lstStyle/>
           <a:p>
             <a:r>
-              <a:rPr lang="en-GB" sz="1000" dirty="0">
+              <a:rPr lang="en-GB" sz="1200" dirty="0">
                 <a:cs typeface="Arial" panose="020B0604020202020204" pitchFamily="34" charset="0"/>
               </a:rPr>
-              <a:t>A. </a:t>
-            </a:r>
-            <a:r>
-              <a:rPr lang="en-GB" sz="1000" dirty="0" err="1">
-                <a:cs typeface="Arial" panose="020B0604020202020204" pitchFamily="34" charset="0"/>
-              </a:rPr>
-              <a:t>Capstick</a:t>
-            </a:r>
-            <a:r>
-              <a:rPr lang="en-GB" sz="1000" dirty="0">
-                <a:cs typeface="Arial" panose="020B0604020202020204" pitchFamily="34" charset="0"/>
-              </a:rPr>
-              <a:t> </a:t>
-            </a:r>
-            <a:r>
-              <a:rPr lang="en-GB" sz="1000" i="1" dirty="0">
+              <a:t>A. Capstick </a:t>
+            </a:r>
+            <a:r>
+              <a:rPr lang="en-GB" sz="1200" i="1" dirty="0">
                 <a:cs typeface="Arial" panose="020B0604020202020204" pitchFamily="34" charset="0"/>
               </a:rPr>
               <a:t>et al</a:t>
             </a:r>
             <a:r>
-              <a:rPr lang="en-GB" sz="1000" dirty="0">
+              <a:rPr lang="en-GB" sz="1200" dirty="0">
                 <a:cs typeface="Arial" panose="020B0604020202020204" pitchFamily="34" charset="0"/>
               </a:rPr>
               <a:t>., </a:t>
             </a:r>
             <a:r>
-              <a:rPr lang="en-GB" sz="1000" i="1" dirty="0">
+              <a:rPr lang="en-GB" sz="1200" i="1" dirty="0">
                 <a:cs typeface="Arial" panose="020B0604020202020204" pitchFamily="34" charset="0"/>
               </a:rPr>
               <a:t>NPJ Digital Medicine</a:t>
             </a:r>
             <a:r>
-              <a:rPr lang="en-GB" sz="1000" dirty="0">
+              <a:rPr lang="en-GB" sz="1200" dirty="0">
                 <a:cs typeface="Arial" panose="020B0604020202020204" pitchFamily="34" charset="0"/>
               </a:rPr>
-              <a:t>, in press, 2023. </a:t>
+              <a:t>, 2023. </a:t>
             </a:r>
           </a:p>
         </p:txBody>
@@ -15503,7 +15741,7 @@
               <a:lstStyle/>
               <a:p>
                 <a:r>
-                  <a:rPr lang="en-GB" sz="2400" dirty="0">
+                  <a:rPr lang="en-GB" sz="2880" dirty="0">
                     <a:solidFill>
                       <a:srgbClr val="16191F"/>
                     </a:solidFill>
@@ -15513,7 +15751,7 @@
                 <a14:m>
                   <m:oMath xmlns:m="http://schemas.openxmlformats.org/officeDocument/2006/math">
                     <m:r>
-                      <a:rPr lang="en-GB" sz="2400" i="1" dirty="0">
+                      <a:rPr lang="en-GB" sz="2880" i="1" dirty="0">
                         <a:solidFill>
                           <a:srgbClr val="16191F"/>
                         </a:solidFill>
@@ -15524,7 +15762,7 @@
                   </m:oMath>
                 </a14:m>
                 <a:r>
-                  <a:rPr lang="en-GB" sz="2400" dirty="0">
+                  <a:rPr lang="en-GB" sz="2880" dirty="0">
                     <a:solidFill>
                       <a:srgbClr val="16191F"/>
                     </a:solidFill>
@@ -15534,7 +15772,7 @@
                 <a14:m>
                   <m:oMath xmlns:m="http://schemas.openxmlformats.org/officeDocument/2006/math">
                     <m:r>
-                      <a:rPr lang="en-GB" sz="2400" i="1" dirty="0">
+                      <a:rPr lang="en-GB" sz="2880" i="1" dirty="0">
                         <a:solidFill>
                           <a:srgbClr val="16191F"/>
                         </a:solidFill>
@@ -15543,7 +15781,7 @@
                       <m:t>𝑥</m:t>
                     </m:r>
                     <m:r>
-                      <a:rPr lang="en-GB" sz="2400" i="1" baseline="-25000" dirty="0">
+                      <a:rPr lang="en-GB" sz="2880" i="1" baseline="-25000" dirty="0">
                         <a:solidFill>
                           <a:srgbClr val="16191F"/>
                         </a:solidFill>
@@ -15552,7 +15790,7 @@
                       <m:t>1</m:t>
                     </m:r>
                     <m:r>
-                      <a:rPr lang="en-GB" sz="2400" i="1" dirty="0">
+                      <a:rPr lang="en-GB" sz="2880" i="1" dirty="0">
                         <a:solidFill>
                           <a:srgbClr val="16191F"/>
                         </a:solidFill>
@@ -15561,7 +15799,7 @@
                       <m:t>, </m:t>
                     </m:r>
                     <m:r>
-                      <a:rPr lang="en-GB" sz="2400" i="1" dirty="0">
+                      <a:rPr lang="en-GB" sz="2880" i="1" dirty="0">
                         <a:solidFill>
                           <a:srgbClr val="16191F"/>
                         </a:solidFill>
@@ -15570,7 +15808,7 @@
                       <m:t>𝑥</m:t>
                     </m:r>
                     <m:r>
-                      <a:rPr lang="en-GB" sz="2400" i="1" baseline="-25000" dirty="0">
+                      <a:rPr lang="en-GB" sz="2880" i="1" baseline="-25000" dirty="0">
                         <a:solidFill>
                           <a:srgbClr val="16191F"/>
                         </a:solidFill>
@@ -15579,7 +15817,7 @@
                       <m:t>2</m:t>
                     </m:r>
                     <m:r>
-                      <a:rPr lang="en-GB" sz="2400" i="1" dirty="0">
+                      <a:rPr lang="en-GB" sz="2880" i="1" dirty="0">
                         <a:solidFill>
                           <a:srgbClr val="16191F"/>
                         </a:solidFill>
@@ -15588,7 +15826,7 @@
                       <m:t>,…</m:t>
                     </m:r>
                     <m:r>
-                      <a:rPr lang="en-GB" sz="2400" i="1" dirty="0" err="1">
+                      <a:rPr lang="en-GB" sz="2880" i="1" dirty="0" err="1">
                         <a:solidFill>
                           <a:srgbClr val="16191F"/>
                         </a:solidFill>
@@ -15597,7 +15835,7 @@
                       <m:t>𝑥</m:t>
                     </m:r>
                     <m:r>
-                      <a:rPr lang="en-GB" sz="2400" i="1" baseline="-25000" dirty="0" err="1">
+                      <a:rPr lang="en-GB" sz="2880" i="1" baseline="-25000" dirty="0" err="1">
                         <a:solidFill>
                           <a:srgbClr val="16191F"/>
                         </a:solidFill>
@@ -15608,7 +15846,7 @@
                   </m:oMath>
                 </a14:m>
                 <a:r>
-                  <a:rPr lang="en-GB" sz="2400" dirty="0">
+                  <a:rPr lang="en-GB" sz="2880" dirty="0">
                     <a:solidFill>
                       <a:srgbClr val="16191F"/>
                     </a:solidFill>
@@ -15794,7 +16032,7 @@
               <a:rPr lang="en-GB" dirty="0">
                 <a:effectLst/>
               </a:rPr>
-              <a:t>We can use methods such as cross validation to empirically choose the best method for our problem. </a:t>
+              <a:t>We can use methods such as cross-validation to choose the best method for our problem empirically. </a:t>
             </a:r>
           </a:p>
           <a:p>
@@ -15825,7 +16063,7 @@
               <a:rPr lang="en-GB" dirty="0">
                 <a:effectLst/>
               </a:rPr>
-              <a:t>The reason for this is that a set of assumptions that works well in one domain may work poorly in another.</a:t>
+              <a:t>The reason for this is that a set of assumptions that work well in one domain may work poorly in another.</a:t>
             </a:r>
           </a:p>
           <a:p>
@@ -15956,7 +16194,7 @@
               <a:rPr lang="en-GB" dirty="0">
                 <a:effectLst/>
               </a:rPr>
-              <a:t>We need to develop many different types of models, to cover the wide variety of data that occurs in the real world. </a:t>
+              <a:t>We need to develop many different types of models to cover the wide variety of data that occurs in the real world. </a:t>
             </a:r>
           </a:p>
           <a:p>
@@ -15964,7 +16202,7 @@
               <a:rPr lang="en-GB" dirty="0">
                 <a:effectLst/>
               </a:rPr>
-              <a:t>And for each model, there may be many different methods that we can use to train the model, which make different speed-accuracy-complexity trade-offs.</a:t>
+              <a:t>And for each model, there may be many different methods that we can use to train the model, which makes different speed-accuracy-complexity trade-offs.</a:t>
             </a:r>
           </a:p>
           <a:p>
@@ -16090,8 +16328,8 @@
         </p:nvSpPr>
         <p:spPr>
           <a:xfrm>
-            <a:off x="611563" y="5017741"/>
-            <a:ext cx="5326335" cy="600164"/>
+            <a:off x="1343476" y="6021290"/>
+            <a:ext cx="6391602" cy="646331"/>
           </a:xfrm>
           <a:prstGeom prst="rect">
             <a:avLst/>
@@ -16105,46 +16343,46 @@
           <a:lstStyle/>
           <a:p>
             <a:r>
-              <a:rPr lang="en-US" sz="1100" dirty="0">
+              <a:rPr lang="en-US" sz="1200" dirty="0">
                 <a:latin typeface="Gill Sans MT" panose="020B0502020104020203" pitchFamily="34" charset="77"/>
               </a:rPr>
               <a:t>Source: The questions are adapted from “Deep Learning Interviews”, </a:t>
             </a:r>
             <a:r>
-              <a:rPr lang="en-US" sz="1100" dirty="0" err="1">
+              <a:rPr lang="en-US" sz="1200" dirty="0" err="1">
                 <a:latin typeface="Gill Sans MT" panose="020B0502020104020203" pitchFamily="34" charset="77"/>
               </a:rPr>
               <a:t>Shlomo</a:t>
             </a:r>
             <a:r>
-              <a:rPr lang="en-US" sz="1100" dirty="0">
+              <a:rPr lang="en-US" sz="1200" dirty="0">
                 <a:latin typeface="Gill Sans MT" panose="020B0502020104020203" pitchFamily="34" charset="77"/>
               </a:rPr>
               <a:t> </a:t>
             </a:r>
             <a:r>
-              <a:rPr lang="en-US" sz="1100" dirty="0" err="1">
+              <a:rPr lang="en-US" sz="1200" dirty="0" err="1">
                 <a:latin typeface="Gill Sans MT" panose="020B0502020104020203" pitchFamily="34" charset="77"/>
               </a:rPr>
               <a:t>Kashani</a:t>
             </a:r>
             <a:r>
-              <a:rPr lang="en-US" sz="1100" dirty="0">
+              <a:rPr lang="en-US" sz="1200" dirty="0">
                 <a:latin typeface="Gill Sans MT" panose="020B0502020104020203" pitchFamily="34" charset="77"/>
               </a:rPr>
               <a:t>.</a:t>
             </a:r>
             <a:br>
-              <a:rPr lang="en-GB" sz="1100" dirty="0">
+              <a:rPr lang="en-GB" sz="1200" dirty="0">
                 <a:latin typeface="Gill Sans MT" panose="020B0502020104020203" pitchFamily="34" charset="77"/>
               </a:rPr>
             </a:br>
             <a:br>
-              <a:rPr lang="en-GB" sz="1100" dirty="0">
+              <a:rPr lang="en-GB" sz="1200" dirty="0">
                 <a:latin typeface="Gill Sans MT" panose="020B0502020104020203" pitchFamily="34" charset="77"/>
               </a:rPr>
             </a:br>
-            <a:endParaRPr lang="en-US" sz="1100" dirty="0">
+            <a:endParaRPr lang="en-US" sz="1200" dirty="0">
               <a:latin typeface="Gill Sans MT" panose="020B0502020104020203" pitchFamily="34" charset="77"/>
             </a:endParaRPr>
           </a:p>
@@ -16430,8 +16668,8 @@
         </p:blipFill>
         <p:spPr>
           <a:xfrm>
-            <a:off x="2627785" y="1949987"/>
-            <a:ext cx="3925416" cy="2658577"/>
+            <a:off x="3762942" y="2339985"/>
+            <a:ext cx="4710499" cy="3190292"/>
           </a:xfrm>
           <a:prstGeom prst="rect">
             <a:avLst/>
@@ -16452,7 +16690,7 @@
         </p:nvSpPr>
         <p:spPr>
           <a:xfrm>
-            <a:off x="2267744" y="2565847"/>
+            <a:off x="3330893" y="3079017"/>
             <a:ext cx="466794" cy="369332"/>
           </a:xfrm>
           <a:prstGeom prst="rect">
@@ -16487,7 +16725,7 @@
         </p:nvSpPr>
         <p:spPr>
           <a:xfrm>
-            <a:off x="2267744" y="3735011"/>
+            <a:off x="3330893" y="4482013"/>
             <a:ext cx="466794" cy="369332"/>
           </a:xfrm>
           <a:prstGeom prst="rect">
@@ -16769,8 +17007,8 @@
         </p:blipFill>
         <p:spPr bwMode="auto">
           <a:xfrm>
-            <a:off x="1043608" y="2095501"/>
-            <a:ext cx="2088232" cy="1044116"/>
+            <a:off x="1861930" y="2514601"/>
+            <a:ext cx="2505878" cy="1252939"/>
           </a:xfrm>
           <a:prstGeom prst="rect">
             <a:avLst/>
@@ -16816,8 +17054,8 @@
         </p:blipFill>
         <p:spPr bwMode="auto">
           <a:xfrm>
-            <a:off x="1036712" y="4135931"/>
-            <a:ext cx="2088232" cy="1044116"/>
+            <a:off x="1853655" y="4963117"/>
+            <a:ext cx="2505878" cy="1252939"/>
           </a:xfrm>
           <a:prstGeom prst="rect">
             <a:avLst/>
@@ -16863,8 +17101,8 @@
         </p:blipFill>
         <p:spPr bwMode="auto">
           <a:xfrm>
-            <a:off x="4706405" y="1492843"/>
-            <a:ext cx="2611517" cy="2406312"/>
+            <a:off x="6513885" y="2213113"/>
+            <a:ext cx="2505878" cy="2308974"/>
           </a:xfrm>
           <a:prstGeom prst="rect">
             <a:avLst/>
@@ -16910,8 +17148,8 @@
         </p:blipFill>
         <p:spPr bwMode="auto">
           <a:xfrm>
-            <a:off x="4668638" y="3812046"/>
-            <a:ext cx="2855691" cy="1900819"/>
+            <a:off x="6428570" y="4929940"/>
+            <a:ext cx="2807797" cy="1868940"/>
           </a:xfrm>
           <a:prstGeom prst="rect">
             <a:avLst/>
@@ -16942,7 +17180,44 @@
         </p:nvSpPr>
         <p:spPr>
           <a:xfrm>
-            <a:off x="971600" y="1975115"/>
+            <a:off x="1775520" y="2370138"/>
+            <a:ext cx="433132" cy="369332"/>
+          </a:xfrm>
+          <a:prstGeom prst="rect">
+            <a:avLst/>
+          </a:prstGeom>
+          <a:noFill/>
+        </p:spPr>
+        <p:txBody>
+          <a:bodyPr wrap="none" rtlCol="0">
+            <a:spAutoFit/>
+          </a:bodyPr>
+          <a:lstStyle/>
+          <a:p>
+            <a:r>
+              <a:rPr lang="en-GB" dirty="0">
+                <a:latin typeface="Gill Sans MT" panose="020B0502020104020203" pitchFamily="34" charset="77"/>
+              </a:rPr>
+              <a:t>(a)</a:t>
+            </a:r>
+          </a:p>
+        </p:txBody>
+      </p:sp>
+      <p:sp>
+        <p:nvSpPr>
+          <p:cNvPr id="6" name="TextBox 5">
+            <a:extLst>
+              <a:ext uri="{FF2B5EF4-FFF2-40B4-BE49-F238E27FC236}">
+                <a16:creationId xmlns:a16="http://schemas.microsoft.com/office/drawing/2014/main" id="{D44AAD61-F173-D6F8-AB9F-7A4F4955F0EE}"/>
+              </a:ext>
+            </a:extLst>
+          </p:cNvPr>
+          <p:cNvSpPr txBox="1"/>
+          <p:nvPr/>
+        </p:nvSpPr>
+        <p:spPr>
+          <a:xfrm>
+            <a:off x="6280488" y="1791412"/>
             <a:ext cx="466794" cy="369332"/>
           </a:xfrm>
           <a:prstGeom prst="rect">
@@ -16957,18 +17232,20 @@
           <a:lstStyle/>
           <a:p>
             <a:r>
-              <a:rPr lang="en-GB" dirty="0"/>
-              <a:t>(a)</a:t>
-            </a:r>
-          </a:p>
-        </p:txBody>
-      </p:sp>
-      <p:sp>
-        <p:nvSpPr>
-          <p:cNvPr id="6" name="TextBox 5">
-            <a:extLst>
-              <a:ext uri="{FF2B5EF4-FFF2-40B4-BE49-F238E27FC236}">
-                <a16:creationId xmlns:a16="http://schemas.microsoft.com/office/drawing/2014/main" id="{D44AAD61-F173-D6F8-AB9F-7A4F4955F0EE}"/>
+              <a:rPr lang="en-GB" dirty="0">
+                <a:latin typeface="Gill Sans MT" panose="020B0502020104020203" pitchFamily="34" charset="77"/>
+              </a:rPr>
+              <a:t>(b)</a:t>
+            </a:r>
+          </a:p>
+        </p:txBody>
+      </p:sp>
+      <p:sp>
+        <p:nvSpPr>
+          <p:cNvPr id="7" name="TextBox 6">
+            <a:extLst>
+              <a:ext uri="{FF2B5EF4-FFF2-40B4-BE49-F238E27FC236}">
+                <a16:creationId xmlns:a16="http://schemas.microsoft.com/office/drawing/2014/main" id="{6FA78BA7-6042-F017-0F8D-2BCBC5206A1C}"/>
               </a:ext>
             </a:extLst>
           </p:cNvPr>
@@ -16977,7 +17254,44 @@
         </p:nvSpPr>
         <p:spPr>
           <a:xfrm>
-            <a:off x="4725740" y="1492843"/>
+            <a:off x="1775520" y="4872721"/>
+            <a:ext cx="436338" cy="369332"/>
+          </a:xfrm>
+          <a:prstGeom prst="rect">
+            <a:avLst/>
+          </a:prstGeom>
+          <a:noFill/>
+        </p:spPr>
+        <p:txBody>
+          <a:bodyPr wrap="none" rtlCol="0">
+            <a:spAutoFit/>
+          </a:bodyPr>
+          <a:lstStyle/>
+          <a:p>
+            <a:r>
+              <a:rPr lang="en-GB" dirty="0">
+                <a:latin typeface="Gill Sans MT" panose="020B0502020104020203" pitchFamily="34" charset="77"/>
+              </a:rPr>
+              <a:t>(c)</a:t>
+            </a:r>
+          </a:p>
+        </p:txBody>
+      </p:sp>
+      <p:sp>
+        <p:nvSpPr>
+          <p:cNvPr id="8" name="TextBox 7">
+            <a:extLst>
+              <a:ext uri="{FF2B5EF4-FFF2-40B4-BE49-F238E27FC236}">
+                <a16:creationId xmlns:a16="http://schemas.microsoft.com/office/drawing/2014/main" id="{B8833C20-D37A-94F3-BB27-F9F2D9A14A60}"/>
+              </a:ext>
+            </a:extLst>
+          </p:cNvPr>
+          <p:cNvSpPr txBox="1"/>
+          <p:nvPr/>
+        </p:nvSpPr>
+        <p:spPr>
+          <a:xfrm>
+            <a:off x="6317005" y="4744781"/>
             <a:ext cx="466794" cy="369332"/>
           </a:xfrm>
           <a:prstGeom prst="rect">
@@ -16992,18 +17306,20 @@
           <a:lstStyle/>
           <a:p>
             <a:r>
-              <a:rPr lang="en-GB" dirty="0"/>
-              <a:t>(b)</a:t>
-            </a:r>
-          </a:p>
-        </p:txBody>
-      </p:sp>
-      <p:sp>
-        <p:nvSpPr>
-          <p:cNvPr id="7" name="TextBox 6">
-            <a:extLst>
-              <a:ext uri="{FF2B5EF4-FFF2-40B4-BE49-F238E27FC236}">
-                <a16:creationId xmlns:a16="http://schemas.microsoft.com/office/drawing/2014/main" id="{6FA78BA7-6042-F017-0F8D-2BCBC5206A1C}"/>
+              <a:rPr lang="en-GB" dirty="0">
+                <a:latin typeface="Gill Sans MT" panose="020B0502020104020203" pitchFamily="34" charset="77"/>
+              </a:rPr>
+              <a:t>(d)</a:t>
+            </a:r>
+          </a:p>
+        </p:txBody>
+      </p:sp>
+      <p:sp>
+        <p:nvSpPr>
+          <p:cNvPr id="9" name="TextBox 8">
+            <a:extLst>
+              <a:ext uri="{FF2B5EF4-FFF2-40B4-BE49-F238E27FC236}">
+                <a16:creationId xmlns:a16="http://schemas.microsoft.com/office/drawing/2014/main" id="{017CB586-A8EE-4537-827A-DC02106F547B}"/>
               </a:ext>
             </a:extLst>
           </p:cNvPr>
@@ -17012,8 +17328,8 @@
         </p:nvSpPr>
         <p:spPr>
           <a:xfrm>
-            <a:off x="971600" y="4060601"/>
-            <a:ext cx="453970" cy="369332"/>
+            <a:off x="1144521" y="6550244"/>
+            <a:ext cx="1741182" cy="276999"/>
           </a:xfrm>
           <a:prstGeom prst="rect">
             <a:avLst/>
@@ -17027,84 +17343,11 @@
           <a:lstStyle/>
           <a:p>
             <a:r>
-              <a:rPr lang="en-GB" dirty="0"/>
-              <a:t>(c)</a:t>
-            </a:r>
-          </a:p>
-        </p:txBody>
-      </p:sp>
-      <p:sp>
-        <p:nvSpPr>
-          <p:cNvPr id="8" name="TextBox 7">
-            <a:extLst>
-              <a:ext uri="{FF2B5EF4-FFF2-40B4-BE49-F238E27FC236}">
-                <a16:creationId xmlns:a16="http://schemas.microsoft.com/office/drawing/2014/main" id="{B8833C20-D37A-94F3-BB27-F9F2D9A14A60}"/>
-              </a:ext>
-            </a:extLst>
-          </p:cNvPr>
-          <p:cNvSpPr txBox="1"/>
-          <p:nvPr/>
-        </p:nvSpPr>
-        <p:spPr>
-          <a:xfrm>
-            <a:off x="4756171" y="3953984"/>
-            <a:ext cx="466794" cy="369332"/>
-          </a:xfrm>
-          <a:prstGeom prst="rect">
-            <a:avLst/>
-          </a:prstGeom>
-          <a:noFill/>
-        </p:spPr>
-        <p:txBody>
-          <a:bodyPr wrap="none" rtlCol="0">
-            <a:spAutoFit/>
-          </a:bodyPr>
-          <a:lstStyle/>
-          <a:p>
-            <a:r>
-              <a:rPr lang="en-GB" dirty="0"/>
-              <a:t>(d)</a:t>
-            </a:r>
-          </a:p>
-        </p:txBody>
-      </p:sp>
-      <p:sp>
-        <p:nvSpPr>
-          <p:cNvPr id="9" name="TextBox 8">
-            <a:extLst>
-              <a:ext uri="{FF2B5EF4-FFF2-40B4-BE49-F238E27FC236}">
-                <a16:creationId xmlns:a16="http://schemas.microsoft.com/office/drawing/2014/main" id="{017CB586-A8EE-4537-827A-DC02106F547B}"/>
-              </a:ext>
-            </a:extLst>
-          </p:cNvPr>
-          <p:cNvSpPr txBox="1"/>
-          <p:nvPr/>
-        </p:nvSpPr>
-        <p:spPr>
-          <a:xfrm>
-            <a:off x="445767" y="5458536"/>
-            <a:ext cx="1617751" cy="246221"/>
-          </a:xfrm>
-          <a:prstGeom prst="rect">
-            <a:avLst/>
-          </a:prstGeom>
-          <a:noFill/>
-        </p:spPr>
-        <p:txBody>
-          <a:bodyPr wrap="none" rtlCol="0">
-            <a:spAutoFit/>
-          </a:bodyPr>
-          <a:lstStyle/>
-          <a:p>
-            <a:r>
-              <a:rPr lang="en-GB" sz="1000" dirty="0"/>
-              <a:t>Image sources: </a:t>
-            </a:r>
-            <a:r>
-              <a:rPr lang="en-GB" sz="1000" dirty="0" err="1"/>
-              <a:t>wikipedia</a:t>
-            </a:r>
-            <a:endParaRPr lang="en-GB" sz="1000" dirty="0"/>
+              <a:rPr lang="en-GB" sz="1200" dirty="0">
+                <a:latin typeface="Gill Sans MT" panose="020B0502020104020203" pitchFamily="34" charset="77"/>
+              </a:rPr>
+              <a:t>Image sources: Wikipedia</a:t>
+            </a:r>
           </a:p>
         </p:txBody>
       </p:sp>
@@ -17189,7 +17432,7 @@
           <a:p>
             <a:r>
               <a:rPr lang="en-GB" dirty="0"/>
-              <a:t>Several slides in this lecture are adapted from Kevin Murphy’s and </a:t>
+              <a:t>Some of the slides in this lecture are adapted from Kevin Murphy’s and </a:t>
             </a:r>
             <a:r>
               <a:rPr lang="en-GB" dirty="0" err="1"/>
@@ -17203,29 +17446,29 @@
           <a:p>
             <a:pPr lvl="1"/>
             <a:r>
-              <a:rPr lang="en-GB" sz="2000" dirty="0"/>
+              <a:rPr lang="en-GB" sz="2400" dirty="0"/>
               <a:t>Machine Learning: A Probabilistic Perspective Kevin P. Murphy, MIT Press.</a:t>
             </a:r>
           </a:p>
           <a:p>
             <a:pPr lvl="1"/>
             <a:r>
-              <a:rPr lang="en-GB" sz="2000" dirty="0" err="1"/>
+              <a:rPr lang="en-GB" sz="2400" dirty="0" err="1"/>
               <a:t>Tibshirani</a:t>
             </a:r>
             <a:r>
-              <a:rPr lang="en-GB" sz="2000" dirty="0"/>
+              <a:rPr lang="en-GB" sz="2400" dirty="0"/>
               <a:t> et al.: An introduction to statistical learning: https://</a:t>
             </a:r>
             <a:r>
-              <a:rPr lang="en-GB" sz="2000" dirty="0" err="1"/>
+              <a:rPr lang="en-GB" sz="2400" dirty="0" err="1"/>
               <a:t>www.statlearning.com</a:t>
             </a:r>
-            <a:endParaRPr lang="en-GB" sz="2000" dirty="0"/>
+            <a:endParaRPr lang="en-GB" sz="2400" dirty="0"/>
           </a:p>
           <a:p>
             <a:pPr lvl="1"/>
-            <a:endParaRPr lang="en-GB" sz="1800" dirty="0"/>
+            <a:endParaRPr lang="en-GB" sz="2160" dirty="0"/>
           </a:p>
           <a:p>
             <a:endParaRPr lang="en-GB" dirty="0"/>
@@ -17338,8 +17581,8 @@
         </p:nvSpPr>
         <p:spPr>
           <a:xfrm>
-            <a:off x="685800" y="3361557"/>
-            <a:ext cx="6400800" cy="1460500"/>
+            <a:off x="1432560" y="4033868"/>
+            <a:ext cx="7680960" cy="1752600"/>
           </a:xfrm>
         </p:spPr>
         <p:txBody>
@@ -17348,8 +17591,8 @@
           <a:p>
             <a:pPr algn="l"/>
             <a:r>
-              <a:rPr lang="en-GB" sz="1600" dirty="0"/>
-              <a:t>In the linear regression section, we discussed different metrics to minimise the error. There are also methods that control the weights (coefficients) and try to find optimise values/sets of coefficients/weights that can be used in a regression model. Lasso and Ridge are two of these techniques. The next few slides discuss them briefly.</a:t>
+              <a:rPr lang="en-GB" sz="1920" dirty="0"/>
+              <a:t>In the linear regression section, we discussed different metrics to minimise the error. There are also methods that control the weights (coefficients) and try to find optimised values/sets of coefficients/weights that can be used in a regression model. Lasso and Ridge are two of these techniques. The next few slides discuss them briefly.</a:t>
             </a:r>
           </a:p>
         </p:txBody>
@@ -17490,7 +17733,7 @@
                         <m:naryPr>
                           <m:chr m:val="∑"/>
                           <m:ctrlPr>
-                            <a:rPr lang="en-GB" sz="2800" i="1">
+                            <a:rPr lang="en-GB" sz="3360" i="1">
                               <a:latin typeface="Cambria Math" panose="02040503050406030204" pitchFamily="18" charset="0"/>
                             </a:rPr>
                           </m:ctrlPr>
@@ -17500,13 +17743,13 @@
                             <m:rPr>
                               <m:brk m:alnAt="23"/>
                             </m:rPr>
-                            <a:rPr lang="en-GB" sz="2800" i="1">
+                            <a:rPr lang="en-GB" sz="3360" i="1">
                               <a:latin typeface="Cambria Math" panose="02040503050406030204" pitchFamily="18" charset="0"/>
                             </a:rPr>
                             <m:t>𝑖</m:t>
                           </m:r>
                           <m:r>
-                            <a:rPr lang="en-GB" sz="2800" i="1">
+                            <a:rPr lang="en-GB" sz="3360" i="1">
                               <a:latin typeface="Cambria Math" panose="02040503050406030204" pitchFamily="18" charset="0"/>
                             </a:rPr>
                             <m:t>=1</m:t>
@@ -17514,7 +17757,7 @@
                         </m:sub>
                         <m:sup>
                           <m:r>
-                            <a:rPr lang="en-GB" sz="2800" i="1">
+                            <a:rPr lang="en-GB" sz="3360" i="1">
                               <a:latin typeface="Cambria Math" panose="02040503050406030204" pitchFamily="18" charset="0"/>
                             </a:rPr>
                             <m:t>𝑛</m:t>
@@ -17524,14 +17767,14 @@
                           <m:sSup>
                             <m:sSupPr>
                               <m:ctrlPr>
-                                <a:rPr lang="en-GB" sz="2800" i="1">
+                                <a:rPr lang="en-GB" sz="3360" i="1">
                                   <a:latin typeface="Cambria Math" panose="02040503050406030204" pitchFamily="18" charset="0"/>
                                 </a:rPr>
                               </m:ctrlPr>
                             </m:sSupPr>
                             <m:e>
                               <m:r>
-                                <a:rPr lang="en-GB" sz="2800" i="1">
+                                <a:rPr lang="en-GB" sz="3360" i="1">
                                   <a:latin typeface="Cambria Math" panose="02040503050406030204" pitchFamily="18" charset="0"/>
                                 </a:rPr>
                                 <m:t>(</m:t>
@@ -17539,7 +17782,7 @@
                               <m:sSub>
                                 <m:sSubPr>
                                   <m:ctrlPr>
-                                    <a:rPr lang="en-GB" sz="2800" i="1">
+                                    <a:rPr lang="en-GB" sz="3360" i="1">
                                       <a:latin typeface="Cambria Math" panose="02040503050406030204" pitchFamily="18" charset="0"/>
                                     </a:rPr>
                                   </m:ctrlPr>
@@ -17549,14 +17792,14 @@
                                     <m:accPr>
                                       <m:chr m:val="̂"/>
                                       <m:ctrlPr>
-                                        <a:rPr lang="en-GB" sz="2800" i="1">
+                                        <a:rPr lang="en-GB" sz="3360" i="1">
                                           <a:latin typeface="Cambria Math" panose="02040503050406030204" pitchFamily="18" charset="0"/>
                                         </a:rPr>
                                       </m:ctrlPr>
                                     </m:accPr>
                                     <m:e>
                                       <m:r>
-                                        <a:rPr lang="en-GB" sz="2800" i="1">
+                                        <a:rPr lang="en-GB" sz="3360" i="1">
                                           <a:latin typeface="Cambria Math" panose="02040503050406030204" pitchFamily="18" charset="0"/>
                                         </a:rPr>
                                         <m:t>𝑦</m:t>
@@ -17566,7 +17809,7 @@
                                 </m:e>
                                 <m:sub>
                                   <m:r>
-                                    <a:rPr lang="en-GB" sz="2800" i="1">
+                                    <a:rPr lang="en-GB" sz="3360" i="1">
                                       <a:latin typeface="Cambria Math" panose="02040503050406030204" pitchFamily="18" charset="0"/>
                                     </a:rPr>
                                     <m:t>𝑖</m:t>
@@ -17574,7 +17817,7 @@
                                 </m:sub>
                               </m:sSub>
                               <m:r>
-                                <a:rPr lang="en-GB" sz="2800" i="1">
+                                <a:rPr lang="en-GB" sz="3360" i="1">
                                   <a:latin typeface="Cambria Math" panose="02040503050406030204" pitchFamily="18" charset="0"/>
                                 </a:rPr>
                                 <m:t>− </m:t>
@@ -17582,14 +17825,14 @@
                               <m:sSub>
                                 <m:sSubPr>
                                   <m:ctrlPr>
-                                    <a:rPr lang="en-GB" sz="2800" i="1">
+                                    <a:rPr lang="en-GB" sz="3360" i="1">
                                       <a:latin typeface="Cambria Math" panose="02040503050406030204" pitchFamily="18" charset="0"/>
                                     </a:rPr>
                                   </m:ctrlPr>
                                 </m:sSubPr>
                                 <m:e>
                                   <m:r>
-                                    <a:rPr lang="en-GB" sz="2800" i="1">
+                                    <a:rPr lang="en-GB" sz="3360" i="1">
                                       <a:latin typeface="Cambria Math" panose="02040503050406030204" pitchFamily="18" charset="0"/>
                                     </a:rPr>
                                     <m:t>𝑦</m:t>
@@ -17597,7 +17840,7 @@
                                 </m:e>
                                 <m:sub>
                                   <m:r>
-                                    <a:rPr lang="en-GB" sz="2800" i="1">
+                                    <a:rPr lang="en-GB" sz="3360" i="1">
                                       <a:latin typeface="Cambria Math" panose="02040503050406030204" pitchFamily="18" charset="0"/>
                                     </a:rPr>
                                     <m:t>𝑖</m:t>
@@ -17605,7 +17848,7 @@
                                 </m:sub>
                               </m:sSub>
                               <m:r>
-                                <a:rPr lang="en-GB" sz="2800" i="1">
+                                <a:rPr lang="en-GB" sz="3360" i="1">
                                   <a:latin typeface="Cambria Math" panose="02040503050406030204" pitchFamily="18" charset="0"/>
                                 </a:rPr>
                                 <m:t>)</m:t>
@@ -17613,7 +17856,7 @@
                             </m:e>
                             <m:sup>
                               <m:r>
-                                <a:rPr lang="en-GB" sz="2800" i="1">
+                                <a:rPr lang="en-GB" sz="3360" i="1">
                                   <a:latin typeface="Cambria Math" panose="02040503050406030204" pitchFamily="18" charset="0"/>
                                 </a:rPr>
                                 <m:t>2</m:t>
@@ -17621,13 +17864,13 @@
                             </m:sup>
                           </m:sSup>
                           <m:r>
-                            <a:rPr lang="en-GB" sz="2800" i="1">
+                            <a:rPr lang="en-GB" sz="3360" i="1">
                               <a:latin typeface="Cambria Math" panose="02040503050406030204" pitchFamily="18" charset="0"/>
                             </a:rPr>
                             <m:t>+ </m:t>
                           </m:r>
                           <m:r>
-                            <a:rPr lang="en-GB" sz="2800" i="1">
+                            <a:rPr lang="en-GB" sz="3360" i="1">
                               <a:latin typeface="Cambria Math" panose="02040503050406030204" pitchFamily="18" charset="0"/>
                               <a:ea typeface="Cambria Math" panose="02040503050406030204" pitchFamily="18" charset="0"/>
                             </a:rPr>
@@ -17637,7 +17880,7 @@
                             <m:naryPr>
                               <m:chr m:val="∑"/>
                               <m:ctrlPr>
-                                <a:rPr lang="en-GB" sz="2800" i="1">
+                                <a:rPr lang="en-GB" sz="3360" i="1">
                                   <a:latin typeface="Cambria Math" panose="02040503050406030204" pitchFamily="18" charset="0"/>
                                 </a:rPr>
                               </m:ctrlPr>
@@ -17647,13 +17890,13 @@
                                 <m:rPr>
                                   <m:brk m:alnAt="23"/>
                                 </m:rPr>
-                                <a:rPr lang="en-GB" sz="2800" i="1">
+                                <a:rPr lang="en-GB" sz="3360" i="1">
                                   <a:latin typeface="Cambria Math" panose="02040503050406030204" pitchFamily="18" charset="0"/>
                                 </a:rPr>
                                 <m:t>𝑖</m:t>
                               </m:r>
                               <m:r>
-                                <a:rPr lang="en-GB" sz="2800" i="1">
+                                <a:rPr lang="en-GB" sz="3360" i="1">
                                   <a:latin typeface="Cambria Math" panose="02040503050406030204" pitchFamily="18" charset="0"/>
                                 </a:rPr>
                                 <m:t>=1</m:t>
@@ -17661,7 +17904,7 @@
                             </m:sub>
                             <m:sup>
                               <m:r>
-                                <a:rPr lang="en-GB" sz="2800" i="1">
+                                <a:rPr lang="en-GB" sz="3360" i="1">
                                   <a:latin typeface="Cambria Math" panose="02040503050406030204" pitchFamily="18" charset="0"/>
                                 </a:rPr>
                                 <m:t>𝑛</m:t>
@@ -17673,7 +17916,7 @@
                                   <m:begChr m:val="|"/>
                                   <m:endChr m:val="|"/>
                                   <m:ctrlPr>
-                                    <a:rPr lang="en-GB" sz="2800" i="1">
+                                    <a:rPr lang="en-GB" sz="3360" i="1">
                                       <a:latin typeface="Cambria Math" panose="02040503050406030204" pitchFamily="18" charset="0"/>
                                     </a:rPr>
                                   </m:ctrlPr>
@@ -17682,14 +17925,14 @@
                                   <m:sSub>
                                     <m:sSubPr>
                                       <m:ctrlPr>
-                                        <a:rPr lang="en-GB" sz="2800" i="1">
+                                        <a:rPr lang="en-GB" sz="3360" i="1">
                                           <a:latin typeface="Cambria Math" panose="02040503050406030204" pitchFamily="18" charset="0"/>
                                         </a:rPr>
                                       </m:ctrlPr>
                                     </m:sSubPr>
                                     <m:e>
                                       <m:r>
-                                        <a:rPr lang="en-GB" sz="2800" i="1">
+                                        <a:rPr lang="en-GB" sz="3360" i="1">
                                           <a:latin typeface="Cambria Math" panose="02040503050406030204" pitchFamily="18" charset="0"/>
                                           <a:ea typeface="Cambria Math" panose="02040503050406030204" pitchFamily="18" charset="0"/>
                                         </a:rPr>
@@ -17698,7 +17941,7 @@
                                     </m:e>
                                     <m:sub>
                                       <m:r>
-                                        <a:rPr lang="en-GB" sz="2800" i="1">
+                                        <a:rPr lang="en-GB" sz="3360" i="1">
                                           <a:latin typeface="Cambria Math" panose="02040503050406030204" pitchFamily="18" charset="0"/>
                                         </a:rPr>
                                         <m:t>𝑖</m:t>
@@ -17880,7 +18123,7 @@
                   <a:srgbClr val="16191F"/>
                 </a:solidFill>
               </a:rPr>
-              <a:t>Linear regression is a simple approach to supervised learning. </a:t>
+              <a:t>Learning the weights in linear regression is a type of supervised learning. </a:t>
             </a:r>
           </a:p>
           <a:p>
@@ -18008,14 +18251,85 @@
         </p:blipFill>
         <p:spPr>
           <a:xfrm>
-            <a:off x="1835698" y="2085431"/>
-            <a:ext cx="4843127" cy="2572561"/>
+            <a:off x="2812438" y="2502518"/>
+            <a:ext cx="5811752" cy="3087073"/>
           </a:xfrm>
           <a:prstGeom prst="rect">
             <a:avLst/>
           </a:prstGeom>
         </p:spPr>
       </p:pic>
+      <p:sp>
+        <p:nvSpPr>
+          <p:cNvPr id="6" name="TextBox 5">
+            <a:extLst>
+              <a:ext uri="{FF2B5EF4-FFF2-40B4-BE49-F238E27FC236}">
+                <a16:creationId xmlns:a16="http://schemas.microsoft.com/office/drawing/2014/main" id="{A29D8FF6-9D5B-D960-2B8F-75D1D3AC7144}"/>
+              </a:ext>
+            </a:extLst>
+          </p:cNvPr>
+          <p:cNvSpPr txBox="1"/>
+          <p:nvPr/>
+        </p:nvSpPr>
+        <p:spPr>
+          <a:xfrm>
+            <a:off x="609600" y="6381751"/>
+            <a:ext cx="6494512" cy="246221"/>
+          </a:xfrm>
+          <a:prstGeom prst="rect">
+            <a:avLst/>
+          </a:prstGeom>
+          <a:noFill/>
+        </p:spPr>
+        <p:txBody>
+          <a:bodyPr wrap="square">
+            <a:spAutoFit/>
+          </a:bodyPr>
+          <a:lstStyle/>
+          <a:p>
+            <a:pPr lvl="1"/>
+            <a:r>
+              <a:rPr lang="en-GB" sz="1000" dirty="0">
+                <a:latin typeface="Gill Sans MT" panose="020B0502020104020203" pitchFamily="34" charset="77"/>
+              </a:rPr>
+              <a:t>Figure source: </a:t>
+            </a:r>
+            <a:r>
+              <a:rPr lang="en-GB" sz="1000" dirty="0" err="1">
+                <a:latin typeface="Gill Sans MT" panose="020B0502020104020203" pitchFamily="34" charset="77"/>
+              </a:rPr>
+              <a:t>Tibshirani</a:t>
+            </a:r>
+            <a:r>
+              <a:rPr lang="en-GB" sz="1000" dirty="0">
+                <a:latin typeface="Gill Sans MT" panose="020B0502020104020203" pitchFamily="34" charset="77"/>
+              </a:rPr>
+              <a:t> </a:t>
+            </a:r>
+            <a:r>
+              <a:rPr lang="en-GB" sz="1000" i="1" dirty="0">
+                <a:latin typeface="Gill Sans MT" panose="020B0502020104020203" pitchFamily="34" charset="77"/>
+              </a:rPr>
+              <a:t>et al.,</a:t>
+            </a:r>
+            <a:r>
+              <a:rPr lang="en-GB" sz="1000" dirty="0">
+                <a:latin typeface="Gill Sans MT" panose="020B0502020104020203" pitchFamily="34" charset="77"/>
+              </a:rPr>
+              <a:t> An introduction to statistical learning, Springer,: https://</a:t>
+            </a:r>
+            <a:r>
+              <a:rPr lang="en-GB" sz="1000" dirty="0" err="1">
+                <a:latin typeface="Gill Sans MT" panose="020B0502020104020203" pitchFamily="34" charset="77"/>
+              </a:rPr>
+              <a:t>www.statlearning.com</a:t>
+            </a:r>
+            <a:endParaRPr lang="en-GB" sz="1000" dirty="0">
+              <a:latin typeface="Gill Sans MT" panose="020B0502020104020203" pitchFamily="34" charset="77"/>
+            </a:endParaRPr>
+          </a:p>
+        </p:txBody>
+      </p:sp>
     </p:spTree>
     <p:extLst>
       <p:ext uri="{BB962C8B-B14F-4D97-AF65-F5344CB8AC3E}">
@@ -18076,7 +18390,7 @@
                 <a14:m>
                   <m:oMath xmlns:m="http://schemas.openxmlformats.org/officeDocument/2006/math">
                     <m:r>
-                      <a:rPr lang="en-GB" sz="2000" i="1">
+                      <a:rPr lang="en-GB" sz="2400" i="1">
                         <a:latin typeface="Cambria Math" panose="02040503050406030204" pitchFamily="18" charset="0"/>
                         <a:ea typeface="Cambria Math" panose="02040503050406030204" pitchFamily="18" charset="0"/>
                       </a:rPr>
@@ -18171,7 +18485,7 @@
                         <m:naryPr>
                           <m:chr m:val="∑"/>
                           <m:ctrlPr>
-                            <a:rPr lang="en-GB" sz="2400" i="1">
+                            <a:rPr lang="en-GB" sz="2880" i="1">
                               <a:latin typeface="Cambria Math" panose="02040503050406030204" pitchFamily="18" charset="0"/>
                             </a:rPr>
                           </m:ctrlPr>
@@ -18181,13 +18495,13 @@
                             <m:rPr>
                               <m:brk m:alnAt="23"/>
                             </m:rPr>
-                            <a:rPr lang="en-GB" sz="2400" i="1">
+                            <a:rPr lang="en-GB" sz="2880" i="1">
                               <a:latin typeface="Cambria Math" panose="02040503050406030204" pitchFamily="18" charset="0"/>
                             </a:rPr>
                             <m:t>𝑖</m:t>
                           </m:r>
                           <m:r>
-                            <a:rPr lang="en-GB" sz="2400" i="1">
+                            <a:rPr lang="en-GB" sz="2880" i="1">
                               <a:latin typeface="Cambria Math" panose="02040503050406030204" pitchFamily="18" charset="0"/>
                             </a:rPr>
                             <m:t>=1</m:t>
@@ -18195,7 +18509,7 @@
                         </m:sub>
                         <m:sup>
                           <m:r>
-                            <a:rPr lang="en-GB" sz="2400" i="1">
+                            <a:rPr lang="en-GB" sz="2880" i="1">
                               <a:latin typeface="Cambria Math" panose="02040503050406030204" pitchFamily="18" charset="0"/>
                             </a:rPr>
                             <m:t>𝑛</m:t>
@@ -18205,14 +18519,14 @@
                           <m:sSup>
                             <m:sSupPr>
                               <m:ctrlPr>
-                                <a:rPr lang="en-GB" sz="2400" i="1">
+                                <a:rPr lang="en-GB" sz="2880" i="1">
                                   <a:latin typeface="Cambria Math" panose="02040503050406030204" pitchFamily="18" charset="0"/>
                                 </a:rPr>
                               </m:ctrlPr>
                             </m:sSupPr>
                             <m:e>
                               <m:r>
-                                <a:rPr lang="en-GB" sz="2400" i="1">
+                                <a:rPr lang="en-GB" sz="2880" i="1">
                                   <a:latin typeface="Cambria Math" panose="02040503050406030204" pitchFamily="18" charset="0"/>
                                 </a:rPr>
                                 <m:t>(</m:t>
@@ -18220,7 +18534,7 @@
                               <m:sSub>
                                 <m:sSubPr>
                                   <m:ctrlPr>
-                                    <a:rPr lang="en-GB" sz="2400" i="1">
+                                    <a:rPr lang="en-GB" sz="2880" i="1">
                                       <a:latin typeface="Cambria Math" panose="02040503050406030204" pitchFamily="18" charset="0"/>
                                     </a:rPr>
                                   </m:ctrlPr>
@@ -18230,14 +18544,14 @@
                                     <m:accPr>
                                       <m:chr m:val="̂"/>
                                       <m:ctrlPr>
-                                        <a:rPr lang="en-GB" sz="2400" i="1">
+                                        <a:rPr lang="en-GB" sz="2880" i="1">
                                           <a:latin typeface="Cambria Math" panose="02040503050406030204" pitchFamily="18" charset="0"/>
                                         </a:rPr>
                                       </m:ctrlPr>
                                     </m:accPr>
                                     <m:e>
                                       <m:r>
-                                        <a:rPr lang="en-GB" sz="2400" i="1">
+                                        <a:rPr lang="en-GB" sz="2880" i="1">
                                           <a:latin typeface="Cambria Math" panose="02040503050406030204" pitchFamily="18" charset="0"/>
                                         </a:rPr>
                                         <m:t>𝑦</m:t>
@@ -18247,7 +18561,7 @@
                                 </m:e>
                                 <m:sub>
                                   <m:r>
-                                    <a:rPr lang="en-GB" sz="2400" i="1">
+                                    <a:rPr lang="en-GB" sz="2880" i="1">
                                       <a:latin typeface="Cambria Math" panose="02040503050406030204" pitchFamily="18" charset="0"/>
                                     </a:rPr>
                                     <m:t>𝑖</m:t>
@@ -18255,7 +18569,7 @@
                                 </m:sub>
                               </m:sSub>
                               <m:r>
-                                <a:rPr lang="en-GB" sz="2400" i="1">
+                                <a:rPr lang="en-GB" sz="2880" i="1">
                                   <a:latin typeface="Cambria Math" panose="02040503050406030204" pitchFamily="18" charset="0"/>
                                 </a:rPr>
                                 <m:t>− </m:t>
@@ -18263,14 +18577,14 @@
                               <m:sSub>
                                 <m:sSubPr>
                                   <m:ctrlPr>
-                                    <a:rPr lang="en-GB" sz="2400" i="1">
+                                    <a:rPr lang="en-GB" sz="2880" i="1">
                                       <a:latin typeface="Cambria Math" panose="02040503050406030204" pitchFamily="18" charset="0"/>
                                     </a:rPr>
                                   </m:ctrlPr>
                                 </m:sSubPr>
                                 <m:e>
                                   <m:r>
-                                    <a:rPr lang="en-GB" sz="2400" i="1">
+                                    <a:rPr lang="en-GB" sz="2880" i="1">
                                       <a:latin typeface="Cambria Math" panose="02040503050406030204" pitchFamily="18" charset="0"/>
                                     </a:rPr>
                                     <m:t>𝑦</m:t>
@@ -18278,7 +18592,7 @@
                                 </m:e>
                                 <m:sub>
                                   <m:r>
-                                    <a:rPr lang="en-GB" sz="2400" i="1">
+                                    <a:rPr lang="en-GB" sz="2880" i="1">
                                       <a:latin typeface="Cambria Math" panose="02040503050406030204" pitchFamily="18" charset="0"/>
                                     </a:rPr>
                                     <m:t>𝑖</m:t>
@@ -18286,7 +18600,7 @@
                                 </m:sub>
                               </m:sSub>
                               <m:r>
-                                <a:rPr lang="en-GB" sz="2400" i="1">
+                                <a:rPr lang="en-GB" sz="2880" i="1">
                                   <a:latin typeface="Cambria Math" panose="02040503050406030204" pitchFamily="18" charset="0"/>
                                 </a:rPr>
                                 <m:t>)</m:t>
@@ -18294,7 +18608,7 @@
                             </m:e>
                             <m:sup>
                               <m:r>
-                                <a:rPr lang="en-GB" sz="2400" i="1">
+                                <a:rPr lang="en-GB" sz="2880" i="1">
                                   <a:latin typeface="Cambria Math" panose="02040503050406030204" pitchFamily="18" charset="0"/>
                                 </a:rPr>
                                 <m:t>2</m:t>
@@ -18302,13 +18616,13 @@
                             </m:sup>
                           </m:sSup>
                           <m:r>
-                            <a:rPr lang="en-GB" sz="2400" i="1">
+                            <a:rPr lang="en-GB" sz="2880" i="1">
                               <a:latin typeface="Cambria Math" panose="02040503050406030204" pitchFamily="18" charset="0"/>
                             </a:rPr>
                             <m:t>+ </m:t>
                           </m:r>
                           <m:r>
-                            <a:rPr lang="en-GB" sz="2400" i="1">
+                            <a:rPr lang="en-GB" sz="2880" i="1">
                               <a:latin typeface="Cambria Math" panose="02040503050406030204" pitchFamily="18" charset="0"/>
                               <a:ea typeface="Cambria Math" panose="02040503050406030204" pitchFamily="18" charset="0"/>
                             </a:rPr>
@@ -18318,7 +18632,7 @@
                             <m:naryPr>
                               <m:chr m:val="∑"/>
                               <m:ctrlPr>
-                                <a:rPr lang="en-GB" sz="2400" i="1">
+                                <a:rPr lang="en-GB" sz="2880" i="1">
                                   <a:latin typeface="Cambria Math" panose="02040503050406030204" pitchFamily="18" charset="0"/>
                                 </a:rPr>
                               </m:ctrlPr>
@@ -18328,13 +18642,13 @@
                                 <m:rPr>
                                   <m:brk m:alnAt="23"/>
                                 </m:rPr>
-                                <a:rPr lang="en-GB" sz="2400" i="1">
+                                <a:rPr lang="en-GB" sz="2880" i="1">
                                   <a:latin typeface="Cambria Math" panose="02040503050406030204" pitchFamily="18" charset="0"/>
                                 </a:rPr>
                                 <m:t>𝑖</m:t>
                               </m:r>
                               <m:r>
-                                <a:rPr lang="en-GB" sz="2400" i="1">
+                                <a:rPr lang="en-GB" sz="2880" i="1">
                                   <a:latin typeface="Cambria Math" panose="02040503050406030204" pitchFamily="18" charset="0"/>
                                 </a:rPr>
                                 <m:t>=1</m:t>
@@ -18342,7 +18656,7 @@
                             </m:sub>
                             <m:sup>
                               <m:r>
-                                <a:rPr lang="en-GB" sz="2400" i="1">
+                                <a:rPr lang="en-GB" sz="2880" i="1">
                                   <a:latin typeface="Cambria Math" panose="02040503050406030204" pitchFamily="18" charset="0"/>
                                 </a:rPr>
                                 <m:t>𝑛</m:t>
@@ -18354,7 +18668,7 @@
                                   <m:begChr m:val="|"/>
                                   <m:endChr m:val="|"/>
                                   <m:ctrlPr>
-                                    <a:rPr lang="en-GB" sz="2400" i="1">
+                                    <a:rPr lang="en-GB" sz="2880" i="1">
                                       <a:latin typeface="Cambria Math" panose="02040503050406030204" pitchFamily="18" charset="0"/>
                                     </a:rPr>
                                   </m:ctrlPr>
@@ -18363,14 +18677,14 @@
                                   <m:sSub>
                                     <m:sSubPr>
                                       <m:ctrlPr>
-                                        <a:rPr lang="en-GB" sz="2400" i="1">
+                                        <a:rPr lang="en-GB" sz="2880" i="1">
                                           <a:latin typeface="Cambria Math" panose="02040503050406030204" pitchFamily="18" charset="0"/>
                                         </a:rPr>
                                       </m:ctrlPr>
                                     </m:sSubPr>
                                     <m:e>
                                       <m:r>
-                                        <a:rPr lang="en-GB" sz="2400" i="1">
+                                        <a:rPr lang="en-GB" sz="2880" i="1">
                                           <a:latin typeface="Cambria Math" panose="02040503050406030204" pitchFamily="18" charset="0"/>
                                           <a:ea typeface="Cambria Math" panose="02040503050406030204" pitchFamily="18" charset="0"/>
                                         </a:rPr>
@@ -18379,7 +18693,7 @@
                                     </m:e>
                                     <m:sub>
                                       <m:r>
-                                        <a:rPr lang="en-GB" sz="2400" i="1">
+                                        <a:rPr lang="en-GB" sz="2880" i="1">
                                           <a:latin typeface="Cambria Math" panose="02040503050406030204" pitchFamily="18" charset="0"/>
                                         </a:rPr>
                                         <m:t>𝑖</m:t>
@@ -18395,7 +18709,7 @@
                     </m:oMath>
                   </m:oMathPara>
                 </a14:m>
-                <a:endParaRPr lang="en-US" sz="2400" dirty="0"/>
+                <a:endParaRPr lang="en-US" sz="2880" dirty="0"/>
               </a:p>
               <a:p>
                 <a:endParaRPr lang="en-GB" dirty="0"/>
@@ -18503,8 +18817,8 @@
         </p:nvSpPr>
         <p:spPr>
           <a:xfrm>
-            <a:off x="611560" y="5318127"/>
-            <a:ext cx="3493264" cy="230832"/>
+            <a:off x="1343473" y="6381753"/>
+            <a:ext cx="3853940" cy="246221"/>
           </a:xfrm>
           <a:prstGeom prst="rect">
             <a:avLst/>
@@ -18518,31 +18832,31 @@
           <a:lstStyle/>
           <a:p>
             <a:r>
-              <a:rPr lang="en-US" sz="900" dirty="0">
+              <a:rPr lang="en-US" sz="1000" dirty="0">
                 <a:latin typeface="Gill Sans MT" panose="020B0502020104020203" pitchFamily="34" charset="77"/>
               </a:rPr>
               <a:t>Source: </a:t>
             </a:r>
             <a:r>
-              <a:rPr lang="en-US" sz="900" dirty="0" err="1">
+              <a:rPr lang="en-US" sz="1000" dirty="0" err="1">
                 <a:latin typeface="Gill Sans MT" panose="020B0502020104020203" pitchFamily="34" charset="77"/>
               </a:rPr>
               <a:t>Anuja</a:t>
             </a:r>
             <a:r>
-              <a:rPr lang="en-US" sz="900" dirty="0">
+              <a:rPr lang="en-US" sz="1000" dirty="0">
                 <a:latin typeface="Gill Sans MT" panose="020B0502020104020203" pitchFamily="34" charset="77"/>
               </a:rPr>
               <a:t> Nagpal, https://</a:t>
             </a:r>
             <a:r>
-              <a:rPr lang="en-US" sz="900" dirty="0" err="1">
+              <a:rPr lang="en-US" sz="1000" dirty="0" err="1">
                 <a:latin typeface="Gill Sans MT" panose="020B0502020104020203" pitchFamily="34" charset="77"/>
               </a:rPr>
               <a:t>builtin.com</a:t>
             </a:r>
             <a:r>
-              <a:rPr lang="en-US" sz="900" dirty="0">
+              <a:rPr lang="en-US" sz="1000" dirty="0">
                 <a:latin typeface="Gill Sans MT" panose="020B0502020104020203" pitchFamily="34" charset="77"/>
               </a:rPr>
               <a:t>/data-science/l2-regularization</a:t>
@@ -19110,7 +19424,7 @@
               <a:p>
                 <a:r>
                   <a:rPr lang="en-GB" dirty="0"/>
-                  <a:t>The key difference between these two techniques is that lasso shrinks the less important feature’s coefficient to zero thus, removing some features altogether. </a:t>
+                  <a:t>The key difference between these two techniques is that lasso shrinks the less important feature’s coefficient to zero, thus removing some features altogether. </a:t>
                 </a:r>
               </a:p>
               <a:p>
@@ -19138,7 +19452,7 @@
                 </a14:m>
                 <a:r>
                   <a:rPr lang="en-GB" dirty="0"/>
-                  <a:t> regularisation works well for feature selection in case we have a huge number of features.</a:t>
+                  <a:t> regularisation works well for feature selection in case we have a large number of features.</a:t>
                 </a:r>
               </a:p>
               <a:p>
@@ -19147,7 +19461,7 @@
               <a:p>
                 <a:r>
                   <a:rPr lang="en-GB" dirty="0"/>
-                  <a:t>Ridge reduces the complexity of the model by shrinking the coefficient (penalises higher weights). </a:t>
+                  <a:t>Ridge reduces the complexity of the model by shrinking the coefficient (penalising higher weights). </a:t>
                 </a:r>
               </a:p>
               <a:p>
@@ -19177,7 +19491,7 @@
               <a:blipFill>
                 <a:blip r:embed="rId2"/>
                 <a:stretch>
-                  <a:fillRect l="-772" t="-1223"/>
+                  <a:fillRect l="-925" t="-1018" r="-694"/>
                 </a:stretch>
               </a:blipFill>
             </p:spPr>
@@ -19445,7 +19759,7 @@
                 </a:r>
               </a:p>
               <a:p>
-                <a:pPr marL="1047682" lvl="3" indent="0">
+                <a:pPr marL="1257218" lvl="3" indent="0">
                   <a:buNone/>
                 </a:pPr>
                 <a14:m>
@@ -19455,13 +19769,13 @@
                     </m:oMathParaPr>
                     <m:oMath xmlns:m="http://schemas.openxmlformats.org/officeDocument/2006/math">
                       <m:r>
-                        <a:rPr lang="en-GB" sz="2000" i="1">
+                        <a:rPr lang="en-GB" sz="2400" i="1">
                           <a:latin typeface="Cambria Math" panose="02040503050406030204" pitchFamily="18" charset="0"/>
                         </a:rPr>
                         <m:t>𝑌</m:t>
                       </m:r>
                       <m:r>
-                        <a:rPr lang="en-GB" sz="2000" i="1">
+                        <a:rPr lang="en-GB" sz="2400" i="1">
                           <a:latin typeface="Cambria Math" panose="02040503050406030204" pitchFamily="18" charset="0"/>
                         </a:rPr>
                         <m:t>= </m:t>
@@ -19469,7 +19783,7 @@
                       <m:sSub>
                         <m:sSubPr>
                           <m:ctrlPr>
-                            <a:rPr lang="en-GB" sz="2000" i="1">
+                            <a:rPr lang="en-GB" sz="2400" i="1">
                               <a:latin typeface="Cambria Math" panose="02040503050406030204" pitchFamily="18" charset="0"/>
                               <a:ea typeface="Cambria Math" panose="02040503050406030204" pitchFamily="18" charset="0"/>
                             </a:rPr>
@@ -19477,7 +19791,7 @@
                         </m:sSubPr>
                         <m:e>
                           <m:r>
-                            <a:rPr lang="en-GB" sz="2000" i="1">
+                            <a:rPr lang="en-GB" sz="2400" i="1">
                               <a:latin typeface="Cambria Math" panose="02040503050406030204" pitchFamily="18" charset="0"/>
                               <a:ea typeface="Cambria Math" panose="02040503050406030204" pitchFamily="18" charset="0"/>
                             </a:rPr>
@@ -19486,7 +19800,7 @@
                         </m:e>
                         <m:sub>
                           <m:r>
-                            <a:rPr lang="en-GB" sz="2000" i="1">
+                            <a:rPr lang="en-GB" sz="2400" i="1">
                               <a:latin typeface="Cambria Math" panose="02040503050406030204" pitchFamily="18" charset="0"/>
                               <a:ea typeface="Cambria Math" panose="02040503050406030204" pitchFamily="18" charset="0"/>
                             </a:rPr>
@@ -19495,7 +19809,7 @@
                         </m:sub>
                       </m:sSub>
                       <m:r>
-                        <a:rPr lang="en-GB" sz="2000" i="1">
+                        <a:rPr lang="en-GB" sz="2400" i="1">
                           <a:latin typeface="Cambria Math" panose="02040503050406030204" pitchFamily="18" charset="0"/>
                           <a:ea typeface="Cambria Math" panose="02040503050406030204" pitchFamily="18" charset="0"/>
                         </a:rPr>
@@ -19504,7 +19818,7 @@
                       <m:sSub>
                         <m:sSubPr>
                           <m:ctrlPr>
-                            <a:rPr lang="en-GB" sz="2000" i="1">
+                            <a:rPr lang="en-GB" sz="2400" i="1">
                               <a:latin typeface="Cambria Math" panose="02040503050406030204" pitchFamily="18" charset="0"/>
                               <a:ea typeface="Cambria Math" panose="02040503050406030204" pitchFamily="18" charset="0"/>
                             </a:rPr>
@@ -19512,7 +19826,7 @@
                         </m:sSubPr>
                         <m:e>
                           <m:r>
-                            <a:rPr lang="en-GB" sz="2000" i="1">
+                            <a:rPr lang="en-GB" sz="2400" i="1">
                               <a:latin typeface="Cambria Math" panose="02040503050406030204" pitchFamily="18" charset="0"/>
                               <a:ea typeface="Cambria Math" panose="02040503050406030204" pitchFamily="18" charset="0"/>
                             </a:rPr>
@@ -19521,7 +19835,7 @@
                         </m:e>
                         <m:sub>
                           <m:r>
-                            <a:rPr lang="en-GB" sz="2000" i="1">
+                            <a:rPr lang="en-GB" sz="2400" i="1">
                               <a:latin typeface="Cambria Math" panose="02040503050406030204" pitchFamily="18" charset="0"/>
                               <a:ea typeface="Cambria Math" panose="02040503050406030204" pitchFamily="18" charset="0"/>
                             </a:rPr>
@@ -19530,21 +19844,21 @@
                         </m:sub>
                       </m:sSub>
                       <m:r>
-                        <a:rPr lang="en-GB" sz="2000" i="1">
+                        <a:rPr lang="en-GB" sz="2400" i="1">
                           <a:latin typeface="Cambria Math" panose="02040503050406030204" pitchFamily="18" charset="0"/>
                           <a:ea typeface="Cambria Math" panose="02040503050406030204" pitchFamily="18" charset="0"/>
                         </a:rPr>
                         <m:t>𝑋</m:t>
                       </m:r>
                       <m:r>
-                        <a:rPr lang="en-GB" sz="2000" i="1">
+                        <a:rPr lang="en-GB" sz="2400" i="1">
                           <a:latin typeface="Cambria Math" panose="02040503050406030204" pitchFamily="18" charset="0"/>
                           <a:ea typeface="Cambria Math" panose="02040503050406030204" pitchFamily="18" charset="0"/>
                         </a:rPr>
                         <m:t>+ </m:t>
                       </m:r>
                       <m:r>
-                        <a:rPr lang="en-GB" sz="2000" i="1">
+                        <a:rPr lang="en-GB" sz="2400" i="1">
                           <a:latin typeface="Cambria Math" panose="02040503050406030204" pitchFamily="18" charset="0"/>
                           <a:ea typeface="Cambria Math" panose="02040503050406030204" pitchFamily="18" charset="0"/>
                         </a:rPr>
@@ -19553,26 +19867,26 @@
                     </m:oMath>
                   </m:oMathPara>
                 </a14:m>
-                <a:endParaRPr lang="en-GB" sz="2000" dirty="0">
+                <a:endParaRPr lang="en-GB" sz="2400" dirty="0">
                   <a:ea typeface="Cambria Math" panose="02040503050406030204" pitchFamily="18" charset="0"/>
                 </a:endParaRPr>
               </a:p>
               <a:p>
-                <a:pPr marL="1047682" lvl="3" indent="0">
+                <a:pPr marL="1257218" lvl="3" indent="0">
                   <a:buNone/>
                 </a:pPr>
                 <a:r>
-                  <a:rPr lang="en-GB" sz="1600" dirty="0"/>
+                  <a:rPr lang="en-GB" sz="1920" dirty="0"/>
                   <a:t>Or</a:t>
                 </a:r>
                 <a:r>
-                  <a:rPr lang="en-GB" sz="2000" dirty="0"/>
+                  <a:rPr lang="en-GB" sz="2400" dirty="0"/>
                   <a:t>  </a:t>
                 </a:r>
-                <a:endParaRPr lang="en-GB" sz="2400" dirty="0"/>
+                <a:endParaRPr lang="en-GB" sz="2880" dirty="0"/>
               </a:p>
               <a:p>
-                <a:pPr marL="2285852" lvl="6" indent="0">
+                <a:pPr marL="2743022" lvl="6" indent="0">
                   <a:buNone/>
                 </a:pPr>
                 <a14:m>
@@ -19582,19 +19896,19 @@
                     </m:oMathParaPr>
                     <m:oMath xmlns:m="http://schemas.openxmlformats.org/officeDocument/2006/math">
                       <m:r>
-                        <a:rPr lang="en-GB" sz="2000" i="1">
+                        <a:rPr lang="en-GB" sz="2400" i="1">
                           <a:latin typeface="Cambria Math" panose="02040503050406030204" pitchFamily="18" charset="0"/>
                         </a:rPr>
                         <m:t>   </m:t>
                       </m:r>
                       <m:r>
-                        <a:rPr lang="en-GB" sz="2000" i="1">
+                        <a:rPr lang="en-GB" sz="2400" i="1">
                           <a:latin typeface="Cambria Math" panose="02040503050406030204" pitchFamily="18" charset="0"/>
                         </a:rPr>
                         <m:t>𝑌</m:t>
                       </m:r>
                       <m:r>
-                        <a:rPr lang="en-GB" sz="2000" i="1">
+                        <a:rPr lang="en-GB" sz="2400" i="1">
                           <a:latin typeface="Cambria Math" panose="02040503050406030204" pitchFamily="18" charset="0"/>
                         </a:rPr>
                         <m:t>= </m:t>
@@ -19602,7 +19916,7 @@
                       <m:sSub>
                         <m:sSubPr>
                           <m:ctrlPr>
-                            <a:rPr lang="en-GB" sz="2000" i="1">
+                            <a:rPr lang="en-GB" sz="2400" i="1">
                               <a:latin typeface="Cambria Math" panose="02040503050406030204" pitchFamily="18" charset="0"/>
                               <a:ea typeface="Cambria Math" panose="02040503050406030204" pitchFamily="18" charset="0"/>
                             </a:rPr>
@@ -19610,7 +19924,7 @@
                         </m:sSubPr>
                         <m:e>
                           <m:r>
-                            <a:rPr lang="en-GB" sz="2000" i="1">
+                            <a:rPr lang="en-GB" sz="2400" i="1">
                               <a:latin typeface="Cambria Math" panose="02040503050406030204" pitchFamily="18" charset="0"/>
                               <a:ea typeface="Cambria Math" panose="02040503050406030204" pitchFamily="18" charset="0"/>
                             </a:rPr>
@@ -19619,7 +19933,7 @@
                         </m:e>
                         <m:sub>
                           <m:r>
-                            <a:rPr lang="en-GB" sz="2000" i="1">
+                            <a:rPr lang="en-GB" sz="2400" i="1">
                               <a:latin typeface="Cambria Math" panose="02040503050406030204" pitchFamily="18" charset="0"/>
                               <a:ea typeface="Cambria Math" panose="02040503050406030204" pitchFamily="18" charset="0"/>
                             </a:rPr>
@@ -19628,7 +19942,7 @@
                         </m:sub>
                       </m:sSub>
                       <m:r>
-                        <a:rPr lang="en-GB" sz="2000" i="1">
+                        <a:rPr lang="en-GB" sz="2400" i="1">
                           <a:latin typeface="Cambria Math" panose="02040503050406030204" pitchFamily="18" charset="0"/>
                           <a:ea typeface="Cambria Math" panose="02040503050406030204" pitchFamily="18" charset="0"/>
                         </a:rPr>
@@ -19637,7 +19951,7 @@
                       <m:sSub>
                         <m:sSubPr>
                           <m:ctrlPr>
-                            <a:rPr lang="en-GB" sz="2000" i="1">
+                            <a:rPr lang="en-GB" sz="2400" i="1">
                               <a:latin typeface="Cambria Math" panose="02040503050406030204" pitchFamily="18" charset="0"/>
                               <a:ea typeface="Cambria Math" panose="02040503050406030204" pitchFamily="18" charset="0"/>
                             </a:rPr>
@@ -19645,7 +19959,7 @@
                         </m:sSubPr>
                         <m:e>
                           <m:r>
-                            <a:rPr lang="en-GB" sz="2000" i="1">
+                            <a:rPr lang="en-GB" sz="2400" i="1">
                               <a:latin typeface="Cambria Math" panose="02040503050406030204" pitchFamily="18" charset="0"/>
                               <a:ea typeface="Cambria Math" panose="02040503050406030204" pitchFamily="18" charset="0"/>
                             </a:rPr>
@@ -19654,7 +19968,7 @@
                         </m:e>
                         <m:sub>
                           <m:r>
-                            <a:rPr lang="en-GB" sz="2000" i="1">
+                            <a:rPr lang="en-GB" sz="2400" i="1">
                               <a:latin typeface="Cambria Math" panose="02040503050406030204" pitchFamily="18" charset="0"/>
                               <a:ea typeface="Cambria Math" panose="02040503050406030204" pitchFamily="18" charset="0"/>
                             </a:rPr>
@@ -19663,21 +19977,21 @@
                         </m:sub>
                       </m:sSub>
                       <m:r>
-                        <a:rPr lang="en-GB" sz="2000" i="1">
+                        <a:rPr lang="en-GB" sz="2400" i="1">
                           <a:latin typeface="Cambria Math" panose="02040503050406030204" pitchFamily="18" charset="0"/>
                           <a:ea typeface="Cambria Math" panose="02040503050406030204" pitchFamily="18" charset="0"/>
                         </a:rPr>
                         <m:t>𝑋</m:t>
                       </m:r>
                       <m:r>
-                        <a:rPr lang="en-GB" sz="2000" i="1">
+                        <a:rPr lang="en-GB" sz="2400" i="1">
                           <a:latin typeface="Cambria Math" panose="02040503050406030204" pitchFamily="18" charset="0"/>
                           <a:ea typeface="Cambria Math" panose="02040503050406030204" pitchFamily="18" charset="0"/>
                         </a:rPr>
                         <m:t>+ </m:t>
                       </m:r>
                       <m:r>
-                        <a:rPr lang="en-GB" sz="2000" i="1">
+                        <a:rPr lang="en-GB" sz="2400" i="1">
                           <a:latin typeface="Cambria Math" panose="02040503050406030204" pitchFamily="18" charset="0"/>
                           <a:ea typeface="Cambria Math" panose="02040503050406030204" pitchFamily="18" charset="0"/>
                         </a:rPr>
@@ -19686,15 +20000,15 @@
                     </m:oMath>
                   </m:oMathPara>
                 </a14:m>
-                <a:endParaRPr lang="en-GB" sz="2000" dirty="0">
+                <a:endParaRPr lang="en-GB" sz="2400" dirty="0">
                   <a:ea typeface="Cambria Math" panose="02040503050406030204" pitchFamily="18" charset="0"/>
                 </a:endParaRPr>
               </a:p>
               <a:p>
-                <a:pPr marL="2285852" lvl="6" indent="0">
+                <a:pPr marL="2743022" lvl="6" indent="0">
                   <a:buNone/>
                 </a:pPr>
-                <a:endParaRPr lang="en-GB" sz="2000" dirty="0">
+                <a:endParaRPr lang="en-GB" sz="2400" dirty="0">
                   <a:ea typeface="Cambria Math" panose="02040503050406030204" pitchFamily="18" charset="0"/>
                 </a:endParaRPr>
               </a:p>
@@ -19703,7 +20017,17 @@
                   <a:rPr lang="en-GB" dirty="0">
                     <a:effectLst/>
                   </a:rPr>
-                  <a:t>where </a:t>
+                  <a:t>Where</a:t>
+                </a:r>
+                <a:r>
+                  <a:rPr lang="en-GB" dirty="0"/>
+                  <a:t>:</a:t>
+                </a:r>
+                <a:r>
+                  <a:rPr lang="en-GB" dirty="0">
+                    <a:effectLst/>
+                  </a:rPr>
+                  <a:t> </a:t>
                 </a:r>
                 <a:r>
                   <a:rPr lang="el-GR" dirty="0">
@@ -19858,7 +20182,7 @@
                   </a:rPr>
                   <a:t>is the error term. </a:t>
                 </a:r>
-                <a:endParaRPr lang="en-GB" sz="2400" dirty="0"/>
+                <a:endParaRPr lang="en-GB" sz="2880" dirty="0"/>
               </a:p>
               <a:p>
                 <a:endParaRPr lang="en-US" dirty="0"/>
@@ -19887,7 +20211,7 @@
               <a:blipFill>
                 <a:blip r:embed="rId2"/>
                 <a:stretch>
-                  <a:fillRect l="-772" t="-1223" r="-463"/>
+                  <a:fillRect l="-925" t="-1018"/>
                 </a:stretch>
               </a:blipFill>
             </p:spPr>
@@ -20018,7 +20342,7 @@
               <a:bodyPr/>
               <a:lstStyle/>
               <a:p>
-                <a:endParaRPr lang="en-GB" sz="1800" dirty="0"/>
+                <a:endParaRPr lang="en-GB" sz="2160" dirty="0"/>
               </a:p>
               <a:p>
                 <a:pPr marL="0" indent="0">
@@ -20031,13 +20355,13 @@
                     </m:oMathParaPr>
                     <m:oMath xmlns:m="http://schemas.openxmlformats.org/officeDocument/2006/math">
                       <m:r>
-                        <a:rPr lang="en-GB" sz="1800" i="1">
+                        <a:rPr lang="en-GB" sz="2160" i="1">
                           <a:latin typeface="Cambria Math" panose="02040503050406030204" pitchFamily="18" charset="0"/>
                         </a:rPr>
                         <m:t>𝑌</m:t>
                       </m:r>
                       <m:r>
-                        <a:rPr lang="en-GB" sz="1800" i="1">
+                        <a:rPr lang="en-GB" sz="2160" i="1">
                           <a:latin typeface="Cambria Math" panose="02040503050406030204" pitchFamily="18" charset="0"/>
                         </a:rPr>
                         <m:t>= </m:t>
@@ -20045,7 +20369,7 @@
                       <m:sSub>
                         <m:sSubPr>
                           <m:ctrlPr>
-                            <a:rPr lang="en-GB" sz="1800" i="1">
+                            <a:rPr lang="en-GB" sz="2160" i="1">
                               <a:latin typeface="Cambria Math" panose="02040503050406030204" pitchFamily="18" charset="0"/>
                               <a:ea typeface="Cambria Math" panose="02040503050406030204" pitchFamily="18" charset="0"/>
                             </a:rPr>
@@ -20053,7 +20377,7 @@
                         </m:sSubPr>
                         <m:e>
                           <m:r>
-                            <a:rPr lang="en-GB" sz="1800" i="1">
+                            <a:rPr lang="en-GB" sz="2160" i="1">
                               <a:latin typeface="Cambria Math" panose="02040503050406030204" pitchFamily="18" charset="0"/>
                               <a:ea typeface="Cambria Math" panose="02040503050406030204" pitchFamily="18" charset="0"/>
                             </a:rPr>
@@ -20062,7 +20386,7 @@
                         </m:e>
                         <m:sub>
                           <m:r>
-                            <a:rPr lang="en-GB" sz="1800" i="1">
+                            <a:rPr lang="en-GB" sz="2160" i="1">
                               <a:latin typeface="Cambria Math" panose="02040503050406030204" pitchFamily="18" charset="0"/>
                               <a:ea typeface="Cambria Math" panose="02040503050406030204" pitchFamily="18" charset="0"/>
                             </a:rPr>
@@ -20071,7 +20395,7 @@
                         </m:sub>
                       </m:sSub>
                       <m:r>
-                        <a:rPr lang="en-GB" sz="1800" i="1">
+                        <a:rPr lang="en-GB" sz="2160" i="1">
                           <a:latin typeface="Cambria Math" panose="02040503050406030204" pitchFamily="18" charset="0"/>
                           <a:ea typeface="Cambria Math" panose="02040503050406030204" pitchFamily="18" charset="0"/>
                         </a:rPr>
@@ -20080,7 +20404,7 @@
                       <m:sSub>
                         <m:sSubPr>
                           <m:ctrlPr>
-                            <a:rPr lang="en-GB" sz="1800" i="1">
+                            <a:rPr lang="en-GB" sz="2160" i="1">
                               <a:latin typeface="Cambria Math" panose="02040503050406030204" pitchFamily="18" charset="0"/>
                               <a:ea typeface="Cambria Math" panose="02040503050406030204" pitchFamily="18" charset="0"/>
                             </a:rPr>
@@ -20088,7 +20412,7 @@
                         </m:sSubPr>
                         <m:e>
                           <m:r>
-                            <a:rPr lang="en-GB" sz="1800" i="1">
+                            <a:rPr lang="en-GB" sz="2160" i="1">
                               <a:latin typeface="Cambria Math" panose="02040503050406030204" pitchFamily="18" charset="0"/>
                               <a:ea typeface="Cambria Math" panose="02040503050406030204" pitchFamily="18" charset="0"/>
                             </a:rPr>
@@ -20097,7 +20421,7 @@
                         </m:e>
                         <m:sub>
                           <m:r>
-                            <a:rPr lang="en-GB" sz="1800" i="1">
+                            <a:rPr lang="en-GB" sz="2160" i="1">
                               <a:latin typeface="Cambria Math" panose="02040503050406030204" pitchFamily="18" charset="0"/>
                               <a:ea typeface="Cambria Math" panose="02040503050406030204" pitchFamily="18" charset="0"/>
                             </a:rPr>
@@ -20106,21 +20430,21 @@
                         </m:sub>
                       </m:sSub>
                       <m:r>
-                        <a:rPr lang="en-GB" sz="1800" i="1">
+                        <a:rPr lang="en-GB" sz="2160" i="1">
                           <a:latin typeface="Cambria Math" panose="02040503050406030204" pitchFamily="18" charset="0"/>
                           <a:ea typeface="Cambria Math" panose="02040503050406030204" pitchFamily="18" charset="0"/>
                         </a:rPr>
                         <m:t>𝑋</m:t>
                       </m:r>
                       <m:r>
-                        <a:rPr lang="en-GB" sz="1800" i="1">
+                        <a:rPr lang="en-GB" sz="2160" i="1">
                           <a:latin typeface="Cambria Math" panose="02040503050406030204" pitchFamily="18" charset="0"/>
                           <a:ea typeface="Cambria Math" panose="02040503050406030204" pitchFamily="18" charset="0"/>
                         </a:rPr>
                         <m:t>+ </m:t>
                       </m:r>
                       <m:r>
-                        <a:rPr lang="en-GB" sz="1800" i="1">
+                        <a:rPr lang="en-GB" sz="2160" i="1">
                           <a:latin typeface="Cambria Math" panose="02040503050406030204" pitchFamily="18" charset="0"/>
                           <a:ea typeface="Cambria Math" panose="02040503050406030204" pitchFamily="18" charset="0"/>
                         </a:rPr>
@@ -20129,72 +20453,72 @@
                     </m:oMath>
                   </m:oMathPara>
                 </a14:m>
-                <a:endParaRPr lang="en-GB" sz="1800" dirty="0">
+                <a:endParaRPr lang="en-GB" sz="2160" dirty="0">
                   <a:ea typeface="Cambria Math" panose="02040503050406030204" pitchFamily="18" charset="0"/>
                 </a:endParaRPr>
               </a:p>
               <a:p>
-                <a:endParaRPr lang="en-GB" sz="1800" dirty="0"/>
+                <a:endParaRPr lang="en-GB" sz="2160" dirty="0"/>
               </a:p>
               <a:p>
                 <a:r>
-                  <a:rPr lang="en-GB" sz="1800" dirty="0"/>
+                  <a:rPr lang="en-GB" sz="2160" dirty="0"/>
                   <a:t>Given some estimates </a:t>
                 </a:r>
                 <a:r>
-                  <a:rPr lang="el-GR" sz="1800" dirty="0">
+                  <a:rPr lang="el-GR" sz="2160" dirty="0">
                     <a:latin typeface="CMMI10"/>
                   </a:rPr>
                   <a:t>β</a:t>
                 </a:r>
                 <a:r>
-                  <a:rPr lang="el-GR" sz="1800" dirty="0">
+                  <a:rPr lang="el-GR" sz="2160" dirty="0">
                     <a:latin typeface="CMR10"/>
                   </a:rPr>
                   <a:t>ˆ</a:t>
                 </a:r>
                 <a:r>
-                  <a:rPr lang="el-GR" sz="1800" baseline="-25000" dirty="0">
+                  <a:rPr lang="el-GR" sz="2160" baseline="-25000" dirty="0">
                     <a:latin typeface="CMR8"/>
                   </a:rPr>
                   <a:t>0</a:t>
                 </a:r>
                 <a:r>
-                  <a:rPr lang="el-GR" sz="1800" dirty="0">
+                  <a:rPr lang="el-GR" sz="2160" dirty="0">
                     <a:latin typeface="CMR8"/>
                   </a:rPr>
                   <a:t> </a:t>
                 </a:r>
                 <a:r>
-                  <a:rPr lang="en-GB" sz="1800" dirty="0"/>
+                  <a:rPr lang="en-GB" sz="2160" dirty="0"/>
                   <a:t>and </a:t>
                 </a:r>
                 <a:r>
-                  <a:rPr lang="el-GR" sz="1800" dirty="0">
+                  <a:rPr lang="el-GR" sz="2160" dirty="0">
                     <a:latin typeface="CMMI10"/>
                   </a:rPr>
                   <a:t>β</a:t>
                 </a:r>
                 <a:r>
-                  <a:rPr lang="el-GR" sz="1800" dirty="0">
+                  <a:rPr lang="el-GR" sz="2160" dirty="0">
                     <a:latin typeface="CMR10"/>
                   </a:rPr>
                   <a:t>ˆ</a:t>
                 </a:r>
                 <a:r>
-                  <a:rPr lang="el-GR" sz="1800" baseline="-25000" dirty="0">
+                  <a:rPr lang="el-GR" sz="2160" baseline="-25000" dirty="0">
                     <a:latin typeface="CMR8"/>
                   </a:rPr>
                   <a:t>1</a:t>
                 </a:r>
                 <a:r>
-                  <a:rPr lang="el-GR" sz="1800" dirty="0">
+                  <a:rPr lang="el-GR" sz="2160" dirty="0">
                     <a:latin typeface="CMR8"/>
                   </a:rPr>
                   <a:t> </a:t>
                 </a:r>
                 <a:r>
-                  <a:rPr lang="en-GB" sz="1800" dirty="0"/>
+                  <a:rPr lang="en-GB" sz="2160" dirty="0"/>
                   <a:t>for the model coefficients, we want to predict future values using:</a:t>
                 </a:r>
               </a:p>
@@ -20202,14 +20526,14 @@
                 <a:pPr marL="0" indent="0">
                   <a:buNone/>
                 </a:pPr>
-                <a:endParaRPr lang="en-GB" sz="1800" dirty="0"/>
+                <a:endParaRPr lang="en-GB" sz="2160" dirty="0"/>
               </a:p>
               <a:p>
                 <a:pPr marL="0" indent="0">
                   <a:buNone/>
                 </a:pPr>
                 <a:r>
-                  <a:rPr lang="en-GB" sz="1800" dirty="0"/>
+                  <a:rPr lang="en-GB" sz="2160" dirty="0"/>
                   <a:t>			 </a:t>
                 </a:r>
                 <a14:m>
@@ -20218,14 +20542,14 @@
                       <m:accPr>
                         <m:chr m:val="̂"/>
                         <m:ctrlPr>
-                          <a:rPr lang="en-GB" sz="1800" i="1">
+                          <a:rPr lang="en-GB" sz="2160" i="1">
                             <a:latin typeface="Cambria Math" panose="02040503050406030204" pitchFamily="18" charset="0"/>
                           </a:rPr>
                         </m:ctrlPr>
                       </m:accPr>
                       <m:e>
                         <m:r>
-                          <a:rPr lang="en-GB" sz="1800" i="1">
+                          <a:rPr lang="en-GB" sz="2160" i="1">
                             <a:latin typeface="Cambria Math" panose="02040503050406030204" pitchFamily="18" charset="0"/>
                           </a:rPr>
                           <m:t>𝑌</m:t>
@@ -20233,7 +20557,7 @@
                       </m:e>
                     </m:acc>
                     <m:r>
-                      <a:rPr lang="en-GB" sz="1800" i="1">
+                      <a:rPr lang="en-GB" sz="2160" i="1">
                         <a:latin typeface="Cambria Math" panose="02040503050406030204" pitchFamily="18" charset="0"/>
                       </a:rPr>
                       <m:t>=</m:t>
@@ -20242,7 +20566,7 @@
                       <m:accPr>
                         <m:chr m:val="̂"/>
                         <m:ctrlPr>
-                          <a:rPr lang="en-GB" sz="1800" i="1">
+                          <a:rPr lang="en-GB" sz="2160" i="1">
                             <a:latin typeface="Cambria Math" panose="02040503050406030204" pitchFamily="18" charset="0"/>
                             <a:ea typeface="Cambria Math" panose="02040503050406030204" pitchFamily="18" charset="0"/>
                           </a:rPr>
@@ -20252,7 +20576,7 @@
                         <m:sSub>
                           <m:sSubPr>
                             <m:ctrlPr>
-                              <a:rPr lang="en-GB" sz="1800" i="1">
+                              <a:rPr lang="en-GB" sz="2160" i="1">
                                 <a:latin typeface="Cambria Math" panose="02040503050406030204" pitchFamily="18" charset="0"/>
                                 <a:ea typeface="Cambria Math" panose="02040503050406030204" pitchFamily="18" charset="0"/>
                               </a:rPr>
@@ -20260,7 +20584,7 @@
                           </m:sSubPr>
                           <m:e>
                             <m:r>
-                              <a:rPr lang="en-GB" sz="1800" i="1">
+                              <a:rPr lang="en-GB" sz="2160" i="1">
                                 <a:latin typeface="Cambria Math" panose="02040503050406030204" pitchFamily="18" charset="0"/>
                                 <a:ea typeface="Cambria Math" panose="02040503050406030204" pitchFamily="18" charset="0"/>
                               </a:rPr>
@@ -20269,7 +20593,7 @@
                           </m:e>
                           <m:sub>
                             <m:r>
-                              <a:rPr lang="en-GB" sz="1800" i="1">
+                              <a:rPr lang="en-GB" sz="2160" i="1">
                                 <a:latin typeface="Cambria Math" panose="02040503050406030204" pitchFamily="18" charset="0"/>
                                 <a:ea typeface="Cambria Math" panose="02040503050406030204" pitchFamily="18" charset="0"/>
                               </a:rPr>
@@ -20280,7 +20604,7 @@
                       </m:e>
                     </m:acc>
                     <m:r>
-                      <a:rPr lang="en-GB" sz="1800" i="1">
+                      <a:rPr lang="en-GB" sz="2160" i="1">
                         <a:latin typeface="Cambria Math" panose="02040503050406030204" pitchFamily="18" charset="0"/>
                         <a:ea typeface="Cambria Math" panose="02040503050406030204" pitchFamily="18" charset="0"/>
                       </a:rPr>
@@ -20290,7 +20614,7 @@
                       <m:accPr>
                         <m:chr m:val="̂"/>
                         <m:ctrlPr>
-                          <a:rPr lang="en-GB" sz="1800" i="1">
+                          <a:rPr lang="en-GB" sz="2160" i="1">
                             <a:latin typeface="Cambria Math" panose="02040503050406030204" pitchFamily="18" charset="0"/>
                             <a:ea typeface="Cambria Math" panose="02040503050406030204" pitchFamily="18" charset="0"/>
                           </a:rPr>
@@ -20300,7 +20624,7 @@
                         <m:sSub>
                           <m:sSubPr>
                             <m:ctrlPr>
-                              <a:rPr lang="en-GB" sz="1800" i="1">
+                              <a:rPr lang="en-GB" sz="2160" i="1">
                                 <a:latin typeface="Cambria Math" panose="02040503050406030204" pitchFamily="18" charset="0"/>
                                 <a:ea typeface="Cambria Math" panose="02040503050406030204" pitchFamily="18" charset="0"/>
                               </a:rPr>
@@ -20308,7 +20632,7 @@
                           </m:sSubPr>
                           <m:e>
                             <m:r>
-                              <a:rPr lang="en-GB" sz="1800" i="1">
+                              <a:rPr lang="en-GB" sz="2160" i="1">
                                 <a:latin typeface="Cambria Math" panose="02040503050406030204" pitchFamily="18" charset="0"/>
                                 <a:ea typeface="Cambria Math" panose="02040503050406030204" pitchFamily="18" charset="0"/>
                               </a:rPr>
@@ -20317,7 +20641,7 @@
                           </m:e>
                           <m:sub>
                             <m:r>
-                              <a:rPr lang="en-GB" sz="1800" i="1">
+                              <a:rPr lang="en-GB" sz="2160" i="1">
                                 <a:latin typeface="Cambria Math" panose="02040503050406030204" pitchFamily="18" charset="0"/>
                                 <a:ea typeface="Cambria Math" panose="02040503050406030204" pitchFamily="18" charset="0"/>
                               </a:rPr>
@@ -20328,28 +20652,28 @@
                       </m:e>
                     </m:acc>
                     <m:r>
-                      <a:rPr lang="en-GB" sz="1800" i="1">
+                      <a:rPr lang="en-GB" sz="2160" i="1">
                         <a:latin typeface="Cambria Math" panose="02040503050406030204" pitchFamily="18" charset="0"/>
                         <a:ea typeface="Cambria Math" panose="02040503050406030204" pitchFamily="18" charset="0"/>
                       </a:rPr>
                       <m:t> </m:t>
                     </m:r>
                     <m:r>
-                      <a:rPr lang="en-GB" sz="1800" i="1">
+                      <a:rPr lang="en-GB" sz="2160" i="1">
                         <a:latin typeface="Cambria Math" panose="02040503050406030204" pitchFamily="18" charset="0"/>
                         <a:ea typeface="Cambria Math" panose="02040503050406030204" pitchFamily="18" charset="0"/>
                       </a:rPr>
                       <m:t>𝑋</m:t>
                     </m:r>
                     <m:r>
-                      <a:rPr lang="en-GB" sz="1800" i="1">
+                      <a:rPr lang="en-GB" sz="2160" i="1">
                         <a:latin typeface="Cambria Math" panose="02040503050406030204" pitchFamily="18" charset="0"/>
                         <a:ea typeface="Cambria Math" panose="02040503050406030204" pitchFamily="18" charset="0"/>
                       </a:rPr>
                       <m:t>+ </m:t>
                     </m:r>
                     <m:r>
-                      <a:rPr lang="en-GB" sz="1800" i="1">
+                      <a:rPr lang="en-GB" sz="2160" i="1">
                         <a:latin typeface="Cambria Math" panose="02040503050406030204" pitchFamily="18" charset="0"/>
                         <a:ea typeface="Cambria Math" panose="02040503050406030204" pitchFamily="18" charset="0"/>
                       </a:rPr>
@@ -20357,25 +20681,25 @@
                     </m:r>
                   </m:oMath>
                 </a14:m>
-                <a:endParaRPr lang="en-GB" sz="1800" dirty="0"/>
+                <a:endParaRPr lang="en-GB" sz="2160" dirty="0"/>
               </a:p>
               <a:p>
-                <a:pPr marL="3047802" lvl="8" indent="0">
+                <a:pPr marL="3657362" lvl="8" indent="0">
                   <a:buNone/>
                 </a:pPr>
                 <a:r>
-                  <a:rPr lang="en-GB" sz="1133" dirty="0">
+                  <a:rPr lang="en-GB" sz="1360" dirty="0">
                     <a:latin typeface="Gill Sans MT" panose="020B0502020104020203" pitchFamily="34" charset="77"/>
                   </a:rPr>
                   <a:t> </a:t>
                 </a:r>
-                <a:endParaRPr lang="en-GB" sz="933" dirty="0">
+                <a:endParaRPr lang="en-GB" sz="1120" dirty="0">
                   <a:latin typeface="Gill Sans MT" panose="020B0502020104020203" pitchFamily="34" charset="77"/>
                 </a:endParaRPr>
               </a:p>
               <a:p>
                 <a:r>
-                  <a:rPr lang="en-GB" sz="1800" dirty="0"/>
+                  <a:rPr lang="en-GB" sz="2160" dirty="0"/>
                   <a:t>where </a:t>
                 </a:r>
                 <a14:m>
@@ -20384,14 +20708,14 @@
                       <m:accPr>
                         <m:chr m:val="̂"/>
                         <m:ctrlPr>
-                          <a:rPr lang="en-GB" sz="1800" i="1">
+                          <a:rPr lang="en-GB" sz="2160" i="1">
                             <a:latin typeface="Cambria Math" panose="02040503050406030204" pitchFamily="18" charset="0"/>
                           </a:rPr>
                         </m:ctrlPr>
                       </m:accPr>
                       <m:e>
                         <m:r>
-                          <a:rPr lang="en-GB" sz="1800" i="1">
+                          <a:rPr lang="en-GB" sz="2160" i="1">
                             <a:latin typeface="Cambria Math" panose="02040503050406030204" pitchFamily="18" charset="0"/>
                           </a:rPr>
                           <m:t>𝑌</m:t>
@@ -20401,13 +20725,13 @@
                   </m:oMath>
                 </a14:m>
                 <a:r>
-                  <a:rPr lang="en-GB" sz="1800" dirty="0"/>
+                  <a:rPr lang="en-GB" sz="2160" dirty="0"/>
                   <a:t> indicates a prediction of </a:t>
                 </a:r>
                 <a14:m>
                   <m:oMath xmlns:m="http://schemas.openxmlformats.org/officeDocument/2006/math">
                     <m:r>
-                      <a:rPr lang="en-GB" sz="1800" i="1" dirty="0">
+                      <a:rPr lang="en-GB" sz="2160" i="1" dirty="0">
                         <a:latin typeface="Cambria Math" panose="02040503050406030204" pitchFamily="18" charset="0"/>
                       </a:rPr>
                       <m:t>𝑌</m:t>
@@ -20415,31 +20739,31 @@
                   </m:oMath>
                 </a14:m>
                 <a:r>
-                  <a:rPr lang="en-GB" sz="1800" dirty="0"/>
+                  <a:rPr lang="en-GB" sz="2160" dirty="0"/>
                   <a:t> on the basis of </a:t>
                 </a:r>
                 <a14:m>
                   <m:oMath xmlns:m="http://schemas.openxmlformats.org/officeDocument/2006/math">
                     <m:r>
-                      <a:rPr lang="en-GB" sz="1800" i="1" dirty="0">
+                      <a:rPr lang="en-GB" sz="2160" i="1" dirty="0">
                         <a:latin typeface="Cambria Math" panose="02040503050406030204" pitchFamily="18" charset="0"/>
                       </a:rPr>
                       <m:t>𝑋</m:t>
                     </m:r>
                     <m:r>
-                      <a:rPr lang="en-GB" sz="1800" i="1" dirty="0">
+                      <a:rPr lang="en-GB" sz="2160" i="1" dirty="0">
                         <a:latin typeface="Cambria Math" panose="02040503050406030204" pitchFamily="18" charset="0"/>
                       </a:rPr>
                       <m:t> = </m:t>
                     </m:r>
                     <m:r>
-                      <a:rPr lang="en-GB" sz="1800" i="1" dirty="0">
+                      <a:rPr lang="en-GB" sz="2160" i="1" dirty="0">
                         <a:latin typeface="Cambria Math" panose="02040503050406030204" pitchFamily="18" charset="0"/>
                       </a:rPr>
                       <m:t>𝑥</m:t>
                     </m:r>
                     <m:r>
-                      <a:rPr lang="en-GB" sz="1800" i="1" dirty="0">
+                      <a:rPr lang="en-GB" sz="2160" i="1" dirty="0">
                         <a:latin typeface="Cambria Math" panose="02040503050406030204" pitchFamily="18" charset="0"/>
                       </a:rPr>
                       <m:t>. </m:t>
@@ -20447,11 +20771,11 @@
                   </m:oMath>
                 </a14:m>
                 <a:r>
-                  <a:rPr lang="en-GB" sz="1800" dirty="0"/>
+                  <a:rPr lang="en-GB" sz="2160" dirty="0"/>
                   <a:t>The </a:t>
                 </a:r>
                 <a:r>
-                  <a:rPr lang="en-GB" sz="1800" dirty="0">
+                  <a:rPr lang="en-GB" sz="2160" dirty="0">
                     <a:solidFill>
                       <a:srgbClr val="FF0000"/>
                     </a:solidFill>
@@ -20459,17 +20783,17 @@
                   <a:t>hat </a:t>
                 </a:r>
                 <a:r>
-                  <a:rPr lang="en-GB" sz="1800" dirty="0"/>
+                  <a:rPr lang="en-GB" sz="2160" dirty="0"/>
                   <a:t>symbol denotes an estimated value. </a:t>
                 </a:r>
-                <a:endParaRPr lang="en-GB" sz="1600" dirty="0"/>
+                <a:endParaRPr lang="en-GB" sz="1920" dirty="0"/>
               </a:p>
               <a:p>
                 <a:pPr marL="0" indent="0">
                   <a:buNone/>
                 </a:pPr>
                 <a:r>
-                  <a:rPr lang="en-GB" sz="1800" dirty="0"/>
+                  <a:rPr lang="en-GB" sz="2160" dirty="0"/>
                   <a:t> </a:t>
                 </a:r>
                 <a:endParaRPr lang="en-GB" dirty="0">
@@ -20668,14 +20992,85 @@
         </p:blipFill>
         <p:spPr>
           <a:xfrm>
-            <a:off x="1835325" y="1142738"/>
-            <a:ext cx="4717876" cy="3504708"/>
+            <a:off x="2811990" y="1371285"/>
+            <a:ext cx="5661451" cy="4205650"/>
           </a:xfrm>
           <a:prstGeom prst="rect">
             <a:avLst/>
           </a:prstGeom>
         </p:spPr>
       </p:pic>
+      <p:sp>
+        <p:nvSpPr>
+          <p:cNvPr id="5" name="TextBox 4">
+            <a:extLst>
+              <a:ext uri="{FF2B5EF4-FFF2-40B4-BE49-F238E27FC236}">
+                <a16:creationId xmlns:a16="http://schemas.microsoft.com/office/drawing/2014/main" id="{698764A1-C8BC-8575-86DD-57606A742C9C}"/>
+              </a:ext>
+            </a:extLst>
+          </p:cNvPr>
+          <p:cNvSpPr txBox="1"/>
+          <p:nvPr/>
+        </p:nvSpPr>
+        <p:spPr>
+          <a:xfrm>
+            <a:off x="609600" y="6381751"/>
+            <a:ext cx="6494512" cy="246221"/>
+          </a:xfrm>
+          <a:prstGeom prst="rect">
+            <a:avLst/>
+          </a:prstGeom>
+          <a:noFill/>
+        </p:spPr>
+        <p:txBody>
+          <a:bodyPr wrap="square">
+            <a:spAutoFit/>
+          </a:bodyPr>
+          <a:lstStyle/>
+          <a:p>
+            <a:pPr lvl="1"/>
+            <a:r>
+              <a:rPr lang="en-GB" sz="1000" dirty="0">
+                <a:latin typeface="Gill Sans MT" panose="020B0502020104020203" pitchFamily="34" charset="77"/>
+              </a:rPr>
+              <a:t>Figure source: </a:t>
+            </a:r>
+            <a:r>
+              <a:rPr lang="en-GB" sz="1000" dirty="0" err="1">
+                <a:latin typeface="Gill Sans MT" panose="020B0502020104020203" pitchFamily="34" charset="77"/>
+              </a:rPr>
+              <a:t>Tibshirani</a:t>
+            </a:r>
+            <a:r>
+              <a:rPr lang="en-GB" sz="1000" dirty="0">
+                <a:latin typeface="Gill Sans MT" panose="020B0502020104020203" pitchFamily="34" charset="77"/>
+              </a:rPr>
+              <a:t> </a:t>
+            </a:r>
+            <a:r>
+              <a:rPr lang="en-GB" sz="1000" i="1" dirty="0">
+                <a:latin typeface="Gill Sans MT" panose="020B0502020104020203" pitchFamily="34" charset="77"/>
+              </a:rPr>
+              <a:t>et al.,</a:t>
+            </a:r>
+            <a:r>
+              <a:rPr lang="en-GB" sz="1000" dirty="0">
+                <a:latin typeface="Gill Sans MT" panose="020B0502020104020203" pitchFamily="34" charset="77"/>
+              </a:rPr>
+              <a:t> An introduction to statistical learning, Springer,: https://</a:t>
+            </a:r>
+            <a:r>
+              <a:rPr lang="en-GB" sz="1000" dirty="0" err="1">
+                <a:latin typeface="Gill Sans MT" panose="020B0502020104020203" pitchFamily="34" charset="77"/>
+              </a:rPr>
+              <a:t>www.statlearning.com</a:t>
+            </a:r>
+            <a:endParaRPr lang="en-GB" sz="1000" dirty="0">
+              <a:latin typeface="Gill Sans MT" panose="020B0502020104020203" pitchFamily="34" charset="77"/>
+            </a:endParaRPr>
+          </a:p>
+        </p:txBody>
+      </p:sp>
     </p:spTree>
     <p:extLst>
       <p:ext uri="{BB962C8B-B14F-4D97-AF65-F5344CB8AC3E}">
